--- a/applis/Zygo-labwork/Structure_of_the_app.pptx
+++ b/applis/Zygo-labwork/Structure_of_the_app.pptx
@@ -5,22 +5,23 @@
     <p:sldMasterId id="2147483648" r:id="rId1"/>
   </p:sldMasterIdLst>
   <p:notesMasterIdLst>
-    <p:notesMasterId r:id="rId15"/>
+    <p:notesMasterId r:id="rId16"/>
   </p:notesMasterIdLst>
   <p:sldIdLst>
     <p:sldId id="257" r:id="rId2"/>
     <p:sldId id="260" r:id="rId3"/>
-    <p:sldId id="268" r:id="rId4"/>
-    <p:sldId id="269" r:id="rId5"/>
-    <p:sldId id="258" r:id="rId6"/>
-    <p:sldId id="261" r:id="rId7"/>
-    <p:sldId id="262" r:id="rId8"/>
-    <p:sldId id="263" r:id="rId9"/>
-    <p:sldId id="264" r:id="rId10"/>
-    <p:sldId id="265" r:id="rId11"/>
-    <p:sldId id="266" r:id="rId12"/>
-    <p:sldId id="267" r:id="rId13"/>
-    <p:sldId id="259" r:id="rId14"/>
+    <p:sldId id="270" r:id="rId4"/>
+    <p:sldId id="268" r:id="rId5"/>
+    <p:sldId id="269" r:id="rId6"/>
+    <p:sldId id="258" r:id="rId7"/>
+    <p:sldId id="261" r:id="rId8"/>
+    <p:sldId id="262" r:id="rId9"/>
+    <p:sldId id="263" r:id="rId10"/>
+    <p:sldId id="264" r:id="rId11"/>
+    <p:sldId id="265" r:id="rId12"/>
+    <p:sldId id="266" r:id="rId13"/>
+    <p:sldId id="267" r:id="rId14"/>
+    <p:sldId id="259" r:id="rId15"/>
   </p:sldIdLst>
   <p:sldSz cx="12192000" cy="6858000"/>
   <p:notesSz cx="6858000" cy="9144000"/>
@@ -541,7 +542,91 @@
           <a:p>
             <a:fld id="{8F2E1853-3FBE-8646-9D76-FC8BEBF259AB}" type="slidenum">
               <a:rPr lang="fr-FR" smtClean="0"/>
-              <a:t>7</a:t>
+              <a:t>3</a:t>
+            </a:fld>
+            <a:endParaRPr lang="fr-FR"/>
+          </a:p>
+        </p:txBody>
+      </p:sp>
+    </p:spTree>
+    <p:extLst>
+      <p:ext uri="{BB962C8B-B14F-4D97-AF65-F5344CB8AC3E}">
+        <p14:creationId xmlns:p14="http://schemas.microsoft.com/office/powerpoint/2010/main" val="3247248611"/>
+      </p:ext>
+    </p:extLst>
+  </p:cSld>
+  <p:clrMapOvr>
+    <a:masterClrMapping/>
+  </p:clrMapOvr>
+</p:notes>
+</file>
+
+<file path=ppt/notesSlides/notesSlide2.xml><?xml version="1.0" encoding="utf-8"?>
+<p:notes xmlns:a="http://schemas.openxmlformats.org/drawingml/2006/main" xmlns:r="http://schemas.openxmlformats.org/officeDocument/2006/relationships" xmlns:p="http://schemas.openxmlformats.org/presentationml/2006/main">
+  <p:cSld>
+    <p:spTree>
+      <p:nvGrpSpPr>
+        <p:cNvPr id="1" name=""/>
+        <p:cNvGrpSpPr/>
+        <p:nvPr/>
+      </p:nvGrpSpPr>
+      <p:grpSpPr>
+        <a:xfrm>
+          <a:off x="0" y="0"/>
+          <a:ext cx="0" cy="0"/>
+          <a:chOff x="0" y="0"/>
+          <a:chExt cx="0" cy="0"/>
+        </a:xfrm>
+      </p:grpSpPr>
+      <p:sp>
+        <p:nvSpPr>
+          <p:cNvPr id="2" name="Espace réservé de l'image des diapositives 1"/>
+          <p:cNvSpPr>
+            <a:spLocks noGrp="1" noRot="1" noChangeAspect="1"/>
+          </p:cNvSpPr>
+          <p:nvPr>
+            <p:ph type="sldImg"/>
+          </p:nvPr>
+        </p:nvSpPr>
+        <p:spPr/>
+      </p:sp>
+      <p:sp>
+        <p:nvSpPr>
+          <p:cNvPr id="3" name="Espace réservé des notes 2"/>
+          <p:cNvSpPr>
+            <a:spLocks noGrp="1"/>
+          </p:cNvSpPr>
+          <p:nvPr>
+            <p:ph type="body" idx="1"/>
+          </p:nvPr>
+        </p:nvSpPr>
+        <p:spPr/>
+        <p:txBody>
+          <a:bodyPr/>
+          <a:lstStyle/>
+          <a:p>
+            <a:endParaRPr lang="fr-FR" dirty="0"/>
+          </a:p>
+        </p:txBody>
+      </p:sp>
+      <p:sp>
+        <p:nvSpPr>
+          <p:cNvPr id="4" name="Espace réservé du numéro de diapositive 3"/>
+          <p:cNvSpPr>
+            <a:spLocks noGrp="1"/>
+          </p:cNvSpPr>
+          <p:nvPr>
+            <p:ph type="sldNum" sz="quarter" idx="5"/>
+          </p:nvPr>
+        </p:nvSpPr>
+        <p:spPr/>
+        <p:txBody>
+          <a:bodyPr/>
+          <a:lstStyle/>
+          <a:p>
+            <a:fld id="{8F2E1853-3FBE-8646-9D76-FC8BEBF259AB}" type="slidenum">
+              <a:rPr lang="fr-FR" smtClean="0"/>
+              <a:t>8</a:t>
             </a:fld>
             <a:endParaRPr lang="fr-FR"/>
           </a:p>
@@ -5595,6 +5680,1648 @@
             <a:avLst/>
           </a:prstGeom>
           <a:solidFill>
+            <a:schemeClr val="accent2"/>
+          </a:solidFill>
+          <a:ln>
+            <a:solidFill>
+              <a:schemeClr val="accent2">
+                <a:lumMod val="50000"/>
+              </a:schemeClr>
+            </a:solidFill>
+          </a:ln>
+        </p:spPr>
+        <p:style>
+          <a:lnRef idx="2">
+            <a:schemeClr val="accent1">
+              <a:shade val="15000"/>
+            </a:schemeClr>
+          </a:lnRef>
+          <a:fillRef idx="1">
+            <a:schemeClr val="accent1"/>
+          </a:fillRef>
+          <a:effectRef idx="0">
+            <a:schemeClr val="accent1"/>
+          </a:effectRef>
+          <a:fontRef idx="minor">
+            <a:schemeClr val="lt1"/>
+          </a:fontRef>
+        </p:style>
+        <p:txBody>
+          <a:bodyPr rtlCol="0" anchor="ctr"/>
+          <a:lstStyle/>
+          <a:p>
+            <a:pPr algn="ctr"/>
+            <a:r>
+              <a:rPr lang="en-GB" sz="600" dirty="0"/>
+              <a:t>Seidel &amp; Zernike Coefficients</a:t>
+            </a:r>
+          </a:p>
+        </p:txBody>
+      </p:sp>
+      <p:sp>
+        <p:nvSpPr>
+          <p:cNvPr id="7" name="ZoneTexte 6">
+            <a:extLst>
+              <a:ext uri="{FF2B5EF4-FFF2-40B4-BE49-F238E27FC236}">
+                <a16:creationId xmlns:a16="http://schemas.microsoft.com/office/drawing/2014/main" id="{18771F20-BAA9-3C2A-807C-7535C7E4EBFB}"/>
+              </a:ext>
+            </a:extLst>
+          </p:cNvPr>
+          <p:cNvSpPr txBox="1"/>
+          <p:nvPr/>
+        </p:nvSpPr>
+        <p:spPr>
+          <a:xfrm>
+            <a:off x="4567271" y="2627587"/>
+            <a:ext cx="1006415" cy="169277"/>
+          </a:xfrm>
+          <a:prstGeom prst="rect">
+            <a:avLst/>
+          </a:prstGeom>
+          <a:noFill/>
+        </p:spPr>
+        <p:txBody>
+          <a:bodyPr wrap="square" lIns="0" tIns="0" rtlCol="0">
+            <a:spAutoFit/>
+          </a:bodyPr>
+          <a:lstStyle/>
+          <a:p>
+            <a:r>
+              <a:rPr lang="en-GB" sz="800" b="1" dirty="0" err="1">
+                <a:solidFill>
+                  <a:schemeClr val="bg1"/>
+                </a:solidFill>
+              </a:rPr>
+              <a:t>Analyzes</a:t>
+            </a:r>
+            <a:endParaRPr lang="en-GB" sz="800" b="1" dirty="0">
+              <a:solidFill>
+                <a:schemeClr val="bg1"/>
+              </a:solidFill>
+            </a:endParaRPr>
+          </a:p>
+        </p:txBody>
+      </p:sp>
+      <p:sp>
+        <p:nvSpPr>
+          <p:cNvPr id="14" name="Rectangle 13">
+            <a:extLst>
+              <a:ext uri="{FF2B5EF4-FFF2-40B4-BE49-F238E27FC236}">
+                <a16:creationId xmlns:a16="http://schemas.microsoft.com/office/drawing/2014/main" id="{A7E0AC25-F62B-EC3F-FDE9-3A5D103C3321}"/>
+              </a:ext>
+            </a:extLst>
+          </p:cNvPr>
+          <p:cNvSpPr/>
+          <p:nvPr/>
+        </p:nvSpPr>
+        <p:spPr>
+          <a:xfrm>
+            <a:off x="4567271" y="3484878"/>
+            <a:ext cx="1956518" cy="169277"/>
+          </a:xfrm>
+          <a:prstGeom prst="rect">
+            <a:avLst/>
+          </a:prstGeom>
+          <a:solidFill>
+            <a:schemeClr val="accent1"/>
+          </a:solidFill>
+          <a:ln>
+            <a:solidFill>
+              <a:schemeClr val="accent1">
+                <a:lumMod val="50000"/>
+              </a:schemeClr>
+            </a:solidFill>
+          </a:ln>
+        </p:spPr>
+        <p:style>
+          <a:lnRef idx="2">
+            <a:schemeClr val="accent1">
+              <a:shade val="15000"/>
+            </a:schemeClr>
+          </a:lnRef>
+          <a:fillRef idx="1">
+            <a:schemeClr val="accent1"/>
+          </a:fillRef>
+          <a:effectRef idx="0">
+            <a:schemeClr val="accent1"/>
+          </a:effectRef>
+          <a:fontRef idx="minor">
+            <a:schemeClr val="lt1"/>
+          </a:fontRef>
+        </p:style>
+        <p:txBody>
+          <a:bodyPr rtlCol="0" anchor="ctr"/>
+          <a:lstStyle/>
+          <a:p>
+            <a:pPr algn="ctr"/>
+            <a:r>
+              <a:rPr lang="en-GB" sz="600" dirty="0"/>
+              <a:t>Spot Diagram</a:t>
+            </a:r>
+          </a:p>
+        </p:txBody>
+      </p:sp>
+      <p:sp>
+        <p:nvSpPr>
+          <p:cNvPr id="15" name="Rectangle 14">
+            <a:extLst>
+              <a:ext uri="{FF2B5EF4-FFF2-40B4-BE49-F238E27FC236}">
+                <a16:creationId xmlns:a16="http://schemas.microsoft.com/office/drawing/2014/main" id="{DF6D5906-7FFE-C858-DFC5-FDEFD41B26F3}"/>
+              </a:ext>
+            </a:extLst>
+          </p:cNvPr>
+          <p:cNvSpPr/>
+          <p:nvPr/>
+        </p:nvSpPr>
+        <p:spPr>
+          <a:xfrm>
+            <a:off x="4567271" y="3703117"/>
+            <a:ext cx="1956518" cy="169277"/>
+          </a:xfrm>
+          <a:prstGeom prst="rect">
+            <a:avLst/>
+          </a:prstGeom>
+          <a:solidFill>
+            <a:schemeClr val="accent1"/>
+          </a:solidFill>
+          <a:ln>
+            <a:solidFill>
+              <a:schemeClr val="accent1">
+                <a:lumMod val="50000"/>
+              </a:schemeClr>
+            </a:solidFill>
+          </a:ln>
+        </p:spPr>
+        <p:style>
+          <a:lnRef idx="2">
+            <a:schemeClr val="accent1">
+              <a:shade val="15000"/>
+            </a:schemeClr>
+          </a:lnRef>
+          <a:fillRef idx="1">
+            <a:schemeClr val="accent1"/>
+          </a:fillRef>
+          <a:effectRef idx="0">
+            <a:schemeClr val="accent1"/>
+          </a:effectRef>
+          <a:fontRef idx="minor">
+            <a:schemeClr val="lt1"/>
+          </a:fontRef>
+        </p:style>
+        <p:txBody>
+          <a:bodyPr rtlCol="0" anchor="ctr"/>
+          <a:lstStyle/>
+          <a:p>
+            <a:pPr algn="ctr"/>
+            <a:r>
+              <a:rPr lang="en-GB" sz="600" dirty="0"/>
+              <a:t>PSF</a:t>
+            </a:r>
+          </a:p>
+        </p:txBody>
+      </p:sp>
+      <p:sp>
+        <p:nvSpPr>
+          <p:cNvPr id="29" name="Rectangle 28">
+            <a:extLst>
+              <a:ext uri="{FF2B5EF4-FFF2-40B4-BE49-F238E27FC236}">
+                <a16:creationId xmlns:a16="http://schemas.microsoft.com/office/drawing/2014/main" id="{199D439B-65CE-8665-9A47-8B292CD34966}"/>
+              </a:ext>
+            </a:extLst>
+          </p:cNvPr>
+          <p:cNvSpPr/>
+          <p:nvPr/>
+        </p:nvSpPr>
+        <p:spPr>
+          <a:xfrm>
+            <a:off x="4567271" y="3921356"/>
+            <a:ext cx="1956518" cy="169277"/>
+          </a:xfrm>
+          <a:prstGeom prst="rect">
+            <a:avLst/>
+          </a:prstGeom>
+          <a:solidFill>
+            <a:schemeClr val="accent1"/>
+          </a:solidFill>
+          <a:ln>
+            <a:solidFill>
+              <a:schemeClr val="accent1">
+                <a:lumMod val="50000"/>
+              </a:schemeClr>
+            </a:solidFill>
+          </a:ln>
+        </p:spPr>
+        <p:style>
+          <a:lnRef idx="2">
+            <a:schemeClr val="accent1">
+              <a:shade val="15000"/>
+            </a:schemeClr>
+          </a:lnRef>
+          <a:fillRef idx="1">
+            <a:schemeClr val="accent1"/>
+          </a:fillRef>
+          <a:effectRef idx="0">
+            <a:schemeClr val="accent1"/>
+          </a:effectRef>
+          <a:fontRef idx="minor">
+            <a:schemeClr val="lt1"/>
+          </a:fontRef>
+        </p:style>
+        <p:txBody>
+          <a:bodyPr rtlCol="0" anchor="ctr"/>
+          <a:lstStyle/>
+          <a:p>
+            <a:pPr algn="ctr"/>
+            <a:r>
+              <a:rPr lang="en-GB" sz="600" dirty="0"/>
+              <a:t>MTF</a:t>
+            </a:r>
+          </a:p>
+        </p:txBody>
+      </p:sp>
+      <p:grpSp>
+        <p:nvGrpSpPr>
+          <p:cNvPr id="30" name="Groupe 29">
+            <a:extLst>
+              <a:ext uri="{FF2B5EF4-FFF2-40B4-BE49-F238E27FC236}">
+                <a16:creationId xmlns:a16="http://schemas.microsoft.com/office/drawing/2014/main" id="{7EF07226-D2F2-C550-223D-EAF98B4C870E}"/>
+              </a:ext>
+            </a:extLst>
+          </p:cNvPr>
+          <p:cNvGrpSpPr/>
+          <p:nvPr/>
+        </p:nvGrpSpPr>
+        <p:grpSpPr>
+          <a:xfrm>
+            <a:off x="4653394" y="2819907"/>
+            <a:ext cx="1840584" cy="169277"/>
+            <a:chOff x="4634863" y="4944364"/>
+            <a:chExt cx="1840584" cy="169277"/>
+          </a:xfrm>
+        </p:grpSpPr>
+        <p:sp>
+          <p:nvSpPr>
+            <p:cNvPr id="31" name="Rectangle 30">
+              <a:extLst>
+                <a:ext uri="{FF2B5EF4-FFF2-40B4-BE49-F238E27FC236}">
+                  <a16:creationId xmlns:a16="http://schemas.microsoft.com/office/drawing/2014/main" id="{E9FFA447-1B96-D42A-F9CA-411C7D03B925}"/>
+                </a:ext>
+              </a:extLst>
+            </p:cNvPr>
+            <p:cNvSpPr/>
+            <p:nvPr/>
+          </p:nvSpPr>
+          <p:spPr>
+            <a:xfrm>
+              <a:off x="5291528" y="4944364"/>
+              <a:ext cx="1183919" cy="169277"/>
+            </a:xfrm>
+            <a:prstGeom prst="rect">
+              <a:avLst/>
+            </a:prstGeom>
+            <a:solidFill>
+              <a:schemeClr val="accent2">
+                <a:lumMod val="20000"/>
+                <a:lumOff val="80000"/>
+              </a:schemeClr>
+            </a:solidFill>
+            <a:ln>
+              <a:solidFill>
+                <a:schemeClr val="accent2">
+                  <a:lumMod val="50000"/>
+                </a:schemeClr>
+              </a:solidFill>
+            </a:ln>
+          </p:spPr>
+          <p:style>
+            <a:lnRef idx="2">
+              <a:schemeClr val="accent1">
+                <a:shade val="15000"/>
+              </a:schemeClr>
+            </a:lnRef>
+            <a:fillRef idx="1">
+              <a:schemeClr val="accent1"/>
+            </a:fillRef>
+            <a:effectRef idx="0">
+              <a:schemeClr val="accent1"/>
+            </a:effectRef>
+            <a:fontRef idx="minor">
+              <a:schemeClr val="lt1"/>
+            </a:fontRef>
+          </p:style>
+          <p:txBody>
+            <a:bodyPr rtlCol="0" anchor="ctr"/>
+            <a:lstStyle/>
+            <a:p>
+              <a:r>
+                <a:rPr lang="en-GB" sz="600" dirty="0">
+                  <a:solidFill>
+                    <a:schemeClr val="tx1"/>
+                  </a:solidFill>
+                </a:rPr>
+                <a:t>4.5</a:t>
+              </a:r>
+            </a:p>
+          </p:txBody>
+        </p:sp>
+        <p:sp>
+          <p:nvSpPr>
+            <p:cNvPr id="32" name="ZoneTexte 31">
+              <a:extLst>
+                <a:ext uri="{FF2B5EF4-FFF2-40B4-BE49-F238E27FC236}">
+                  <a16:creationId xmlns:a16="http://schemas.microsoft.com/office/drawing/2014/main" id="{167A1556-74EE-7ADC-5B0A-036C894804A4}"/>
+                </a:ext>
+              </a:extLst>
+            </p:cNvPr>
+            <p:cNvSpPr txBox="1"/>
+            <p:nvPr/>
+          </p:nvSpPr>
+          <p:spPr>
+            <a:xfrm>
+              <a:off x="4634863" y="4967447"/>
+              <a:ext cx="1006415" cy="123111"/>
+            </a:xfrm>
+            <a:prstGeom prst="rect">
+              <a:avLst/>
+            </a:prstGeom>
+            <a:noFill/>
+          </p:spPr>
+          <p:txBody>
+            <a:bodyPr wrap="square" lIns="0" tIns="0" rIns="0" bIns="0" rtlCol="0">
+              <a:spAutoFit/>
+            </a:bodyPr>
+            <a:lstStyle/>
+            <a:p>
+              <a:r>
+                <a:rPr lang="en-GB" sz="800" dirty="0">
+                  <a:solidFill>
+                    <a:schemeClr val="accent2"/>
+                  </a:solidFill>
+                </a:rPr>
+                <a:t>N</a:t>
+              </a:r>
+            </a:p>
+          </p:txBody>
+        </p:sp>
+      </p:grpSp>
+      <p:grpSp>
+        <p:nvGrpSpPr>
+          <p:cNvPr id="33" name="Groupe 32">
+            <a:extLst>
+              <a:ext uri="{FF2B5EF4-FFF2-40B4-BE49-F238E27FC236}">
+                <a16:creationId xmlns:a16="http://schemas.microsoft.com/office/drawing/2014/main" id="{23B5DA05-2A1B-E6A1-8D44-5C813B0AC150}"/>
+              </a:ext>
+            </a:extLst>
+          </p:cNvPr>
+          <p:cNvGrpSpPr/>
+          <p:nvPr/>
+        </p:nvGrpSpPr>
+        <p:grpSpPr>
+          <a:xfrm>
+            <a:off x="4653394" y="3036567"/>
+            <a:ext cx="1840584" cy="169277"/>
+            <a:chOff x="4634863" y="4944364"/>
+            <a:chExt cx="1840584" cy="169277"/>
+          </a:xfrm>
+        </p:grpSpPr>
+        <p:sp>
+          <p:nvSpPr>
+            <p:cNvPr id="34" name="Rectangle 33">
+              <a:extLst>
+                <a:ext uri="{FF2B5EF4-FFF2-40B4-BE49-F238E27FC236}">
+                  <a16:creationId xmlns:a16="http://schemas.microsoft.com/office/drawing/2014/main" id="{7AB64E67-14DD-ED03-7EB7-A4314DCC39F2}"/>
+                </a:ext>
+              </a:extLst>
+            </p:cNvPr>
+            <p:cNvSpPr/>
+            <p:nvPr/>
+          </p:nvSpPr>
+          <p:spPr>
+            <a:xfrm>
+              <a:off x="5291528" y="4944364"/>
+              <a:ext cx="1183919" cy="169277"/>
+            </a:xfrm>
+            <a:prstGeom prst="rect">
+              <a:avLst/>
+            </a:prstGeom>
+            <a:solidFill>
+              <a:schemeClr val="accent2">
+                <a:lumMod val="20000"/>
+                <a:lumOff val="80000"/>
+              </a:schemeClr>
+            </a:solidFill>
+            <a:ln>
+              <a:solidFill>
+                <a:schemeClr val="accent2">
+                  <a:lumMod val="50000"/>
+                </a:schemeClr>
+              </a:solidFill>
+            </a:ln>
+          </p:spPr>
+          <p:style>
+            <a:lnRef idx="2">
+              <a:schemeClr val="accent1">
+                <a:shade val="15000"/>
+              </a:schemeClr>
+            </a:lnRef>
+            <a:fillRef idx="1">
+              <a:schemeClr val="accent1"/>
+            </a:fillRef>
+            <a:effectRef idx="0">
+              <a:schemeClr val="accent1"/>
+            </a:effectRef>
+            <a:fontRef idx="minor">
+              <a:schemeClr val="lt1"/>
+            </a:fontRef>
+          </p:style>
+          <p:txBody>
+            <a:bodyPr rtlCol="0" anchor="ctr"/>
+            <a:lstStyle/>
+            <a:p>
+              <a:r>
+                <a:rPr lang="en-GB" sz="600" dirty="0">
+                  <a:solidFill>
+                    <a:schemeClr val="tx1"/>
+                  </a:solidFill>
+                </a:rPr>
+                <a:t>150</a:t>
+              </a:r>
+            </a:p>
+          </p:txBody>
+        </p:sp>
+        <p:sp>
+          <p:nvSpPr>
+            <p:cNvPr id="35" name="ZoneTexte 34">
+              <a:extLst>
+                <a:ext uri="{FF2B5EF4-FFF2-40B4-BE49-F238E27FC236}">
+                  <a16:creationId xmlns:a16="http://schemas.microsoft.com/office/drawing/2014/main" id="{377E730B-3B9D-90DF-2C51-2C811B327D55}"/>
+                </a:ext>
+              </a:extLst>
+            </p:cNvPr>
+            <p:cNvSpPr txBox="1"/>
+            <p:nvPr/>
+          </p:nvSpPr>
+          <p:spPr>
+            <a:xfrm>
+              <a:off x="4634863" y="4967447"/>
+              <a:ext cx="1006415" cy="123111"/>
+            </a:xfrm>
+            <a:prstGeom prst="rect">
+              <a:avLst/>
+            </a:prstGeom>
+            <a:noFill/>
+          </p:spPr>
+          <p:txBody>
+            <a:bodyPr wrap="square" lIns="0" tIns="0" rIns="0" bIns="0" rtlCol="0">
+              <a:spAutoFit/>
+            </a:bodyPr>
+            <a:lstStyle/>
+            <a:p>
+              <a:r>
+                <a:rPr lang="en-GB" sz="800" dirty="0">
+                  <a:solidFill>
+                    <a:schemeClr val="accent2"/>
+                  </a:solidFill>
+                </a:rPr>
+                <a:t>f’ (mm)</a:t>
+              </a:r>
+            </a:p>
+          </p:txBody>
+        </p:sp>
+      </p:grpSp>
+    </p:spTree>
+    <p:extLst>
+      <p:ext uri="{BB962C8B-B14F-4D97-AF65-F5344CB8AC3E}">
+        <p14:creationId xmlns:p14="http://schemas.microsoft.com/office/powerpoint/2010/main" val="1166227331"/>
+      </p:ext>
+    </p:extLst>
+  </p:cSld>
+  <p:clrMapOvr>
+    <a:masterClrMapping/>
+  </p:clrMapOvr>
+</p:sld>
+</file>
+
+<file path=ppt/slides/slide11.xml><?xml version="1.0" encoding="utf-8"?>
+<p:sld xmlns:a="http://schemas.openxmlformats.org/drawingml/2006/main" xmlns:r="http://schemas.openxmlformats.org/officeDocument/2006/relationships" xmlns:p="http://schemas.openxmlformats.org/presentationml/2006/main">
+  <p:cSld>
+    <p:spTree>
+      <p:nvGrpSpPr>
+        <p:cNvPr id="1" name=""/>
+        <p:cNvGrpSpPr/>
+        <p:nvPr/>
+      </p:nvGrpSpPr>
+      <p:grpSpPr>
+        <a:xfrm>
+          <a:off x="0" y="0"/>
+          <a:ext cx="0" cy="0"/>
+          <a:chOff x="0" y="0"/>
+          <a:chExt cx="0" cy="0"/>
+        </a:xfrm>
+      </p:grpSpPr>
+      <p:sp>
+        <p:nvSpPr>
+          <p:cNvPr id="2" name="Rectangle 1">
+            <a:extLst>
+              <a:ext uri="{FF2B5EF4-FFF2-40B4-BE49-F238E27FC236}">
+                <a16:creationId xmlns:a16="http://schemas.microsoft.com/office/drawing/2014/main" id="{F75D6ADA-AAB6-F043-CB6E-F399288D8DD1}"/>
+              </a:ext>
+            </a:extLst>
+          </p:cNvPr>
+          <p:cNvSpPr/>
+          <p:nvPr/>
+        </p:nvSpPr>
+        <p:spPr>
+          <a:xfrm>
+            <a:off x="673975" y="405113"/>
+            <a:ext cx="11020314" cy="937549"/>
+          </a:xfrm>
+          <a:prstGeom prst="rect">
+            <a:avLst/>
+          </a:prstGeom>
+          <a:solidFill>
+            <a:schemeClr val="bg1"/>
+          </a:solidFill>
+          <a:ln>
+            <a:solidFill>
+              <a:schemeClr val="bg1">
+                <a:lumMod val="95000"/>
+              </a:schemeClr>
+            </a:solidFill>
+          </a:ln>
+          <a:effectLst>
+            <a:outerShdw blurRad="50800" dist="38100" dir="2700000" algn="tl" rotWithShape="0">
+              <a:prstClr val="black">
+                <a:alpha val="40000"/>
+              </a:prstClr>
+            </a:outerShdw>
+          </a:effectLst>
+        </p:spPr>
+        <p:style>
+          <a:lnRef idx="2">
+            <a:schemeClr val="accent1">
+              <a:shade val="15000"/>
+            </a:schemeClr>
+          </a:lnRef>
+          <a:fillRef idx="1">
+            <a:schemeClr val="accent1"/>
+          </a:fillRef>
+          <a:effectRef idx="0">
+            <a:schemeClr val="accent1"/>
+          </a:effectRef>
+          <a:fontRef idx="minor">
+            <a:schemeClr val="lt1"/>
+          </a:fontRef>
+        </p:style>
+        <p:txBody>
+          <a:bodyPr rtlCol="0" anchor="ctr"/>
+          <a:lstStyle/>
+          <a:p>
+            <a:pPr algn="ctr"/>
+            <a:endParaRPr lang="en-GB"/>
+          </a:p>
+        </p:txBody>
+      </p:sp>
+      <p:sp>
+        <p:nvSpPr>
+          <p:cNvPr id="3" name="Titre 1">
+            <a:extLst>
+              <a:ext uri="{FF2B5EF4-FFF2-40B4-BE49-F238E27FC236}">
+                <a16:creationId xmlns:a16="http://schemas.microsoft.com/office/drawing/2014/main" id="{A4A5F139-AC29-758F-C615-C493F4D748AE}"/>
+              </a:ext>
+            </a:extLst>
+          </p:cNvPr>
+          <p:cNvSpPr txBox="1">
+            <a:spLocks/>
+          </p:cNvSpPr>
+          <p:nvPr/>
+        </p:nvSpPr>
+        <p:spPr>
+          <a:xfrm>
+            <a:off x="907225" y="583365"/>
+            <a:ext cx="8970548" cy="701426"/>
+          </a:xfrm>
+          <a:prstGeom prst="rect">
+            <a:avLst/>
+          </a:prstGeom>
+        </p:spPr>
+        <p:txBody>
+          <a:bodyPr>
+            <a:normAutofit/>
+          </a:bodyPr>
+          <a:lstStyle>
+            <a:lvl1pPr algn="l" defTabSz="914400" rtl="0" eaLnBrk="1" latinLnBrk="0" hangingPunct="1">
+              <a:lnSpc>
+                <a:spcPct val="90000"/>
+              </a:lnSpc>
+              <a:spcBef>
+                <a:spcPct val="0"/>
+              </a:spcBef>
+              <a:buNone/>
+              <a:defRPr sz="4400" kern="1200">
+                <a:solidFill>
+                  <a:schemeClr val="tx1"/>
+                </a:solidFill>
+                <a:latin typeface="+mj-lt"/>
+                <a:ea typeface="+mj-ea"/>
+                <a:cs typeface="+mj-cs"/>
+              </a:defRPr>
+            </a:lvl1pPr>
+          </a:lstStyle>
+          <a:p>
+            <a:r>
+              <a:rPr lang="en-GB" sz="4000" dirty="0"/>
+              <a:t>GUI Structure – </a:t>
+            </a:r>
+            <a:r>
+              <a:rPr lang="en-GB" sz="4000" dirty="0" err="1"/>
+              <a:t>Analyzes</a:t>
+            </a:r>
+            <a:endParaRPr lang="en-GB" sz="4000" dirty="0"/>
+          </a:p>
+        </p:txBody>
+      </p:sp>
+      <p:sp>
+        <p:nvSpPr>
+          <p:cNvPr id="4" name="Rectangle 3">
+            <a:extLst>
+              <a:ext uri="{FF2B5EF4-FFF2-40B4-BE49-F238E27FC236}">
+                <a16:creationId xmlns:a16="http://schemas.microsoft.com/office/drawing/2014/main" id="{F5D0D397-33AA-9E12-A9CA-D84D64F8BF5A}"/>
+              </a:ext>
+            </a:extLst>
+          </p:cNvPr>
+          <p:cNvSpPr/>
+          <p:nvPr/>
+        </p:nvSpPr>
+        <p:spPr>
+          <a:xfrm>
+            <a:off x="619125" y="500258"/>
+            <a:ext cx="124142" cy="749808"/>
+          </a:xfrm>
+          <a:prstGeom prst="rect">
+            <a:avLst/>
+          </a:prstGeom>
+          <a:solidFill>
+            <a:srgbClr val="002060"/>
+          </a:solidFill>
+          <a:ln>
+            <a:noFill/>
+          </a:ln>
+        </p:spPr>
+        <p:style>
+          <a:lnRef idx="2">
+            <a:schemeClr val="accent1">
+              <a:shade val="15000"/>
+            </a:schemeClr>
+          </a:lnRef>
+          <a:fillRef idx="1">
+            <a:schemeClr val="accent1"/>
+          </a:fillRef>
+          <a:effectRef idx="0">
+            <a:schemeClr val="accent1"/>
+          </a:effectRef>
+          <a:fontRef idx="minor">
+            <a:schemeClr val="lt1"/>
+          </a:fontRef>
+        </p:style>
+        <p:txBody>
+          <a:bodyPr rtlCol="0" anchor="ctr"/>
+          <a:lstStyle/>
+          <a:p>
+            <a:pPr algn="ctr"/>
+            <a:endParaRPr lang="en-GB"/>
+          </a:p>
+        </p:txBody>
+      </p:sp>
+      <p:pic>
+        <p:nvPicPr>
+          <p:cNvPr id="5" name="Image 4" descr="Une image contenant texte&#10;&#10;Description générée automatiquement">
+            <a:extLst>
+              <a:ext uri="{FF2B5EF4-FFF2-40B4-BE49-F238E27FC236}">
+                <a16:creationId xmlns:a16="http://schemas.microsoft.com/office/drawing/2014/main" id="{49942C35-4594-19BD-6B47-52CFC3C32CF4}"/>
+              </a:ext>
+            </a:extLst>
+          </p:cNvPr>
+          <p:cNvPicPr>
+            <a:picLocks noChangeAspect="1"/>
+          </p:cNvPicPr>
+          <p:nvPr/>
+        </p:nvPicPr>
+        <p:blipFill>
+          <a:blip r:embed="rId2" cstate="print">
+            <a:extLst>
+              <a:ext uri="{28A0092B-C50C-407E-A947-70E740481C1C}">
+                <a14:useLocalDpi xmlns:a14="http://schemas.microsoft.com/office/drawing/2010/main" val="0"/>
+              </a:ext>
+            </a:extLst>
+          </a:blip>
+          <a:stretch>
+            <a:fillRect/>
+          </a:stretch>
+        </p:blipFill>
+        <p:spPr>
+          <a:xfrm>
+            <a:off x="9808481" y="509288"/>
+            <a:ext cx="1825291" cy="749808"/>
+          </a:xfrm>
+          <a:prstGeom prst="rect">
+            <a:avLst/>
+          </a:prstGeom>
+        </p:spPr>
+      </p:pic>
+      <p:sp>
+        <p:nvSpPr>
+          <p:cNvPr id="8" name="Rectangle 7">
+            <a:extLst>
+              <a:ext uri="{FF2B5EF4-FFF2-40B4-BE49-F238E27FC236}">
+                <a16:creationId xmlns:a16="http://schemas.microsoft.com/office/drawing/2014/main" id="{460E0AE5-5658-7DCD-7499-267A44C28FEF}"/>
+              </a:ext>
+            </a:extLst>
+          </p:cNvPr>
+          <p:cNvSpPr>
+            <a:spLocks noChangeAspect="1"/>
+          </p:cNvSpPr>
+          <p:nvPr/>
+        </p:nvSpPr>
+        <p:spPr>
+          <a:xfrm>
+            <a:off x="3107700" y="1897572"/>
+            <a:ext cx="5976600" cy="4377063"/>
+          </a:xfrm>
+          <a:prstGeom prst="rect">
+            <a:avLst/>
+          </a:prstGeom>
+          <a:solidFill>
+            <a:schemeClr val="bg1">
+              <a:lumMod val="85000"/>
+            </a:schemeClr>
+          </a:solidFill>
+          <a:ln>
+            <a:solidFill>
+              <a:schemeClr val="tx1"/>
+            </a:solidFill>
+          </a:ln>
+        </p:spPr>
+        <p:style>
+          <a:lnRef idx="2">
+            <a:schemeClr val="accent1">
+              <a:shade val="15000"/>
+            </a:schemeClr>
+          </a:lnRef>
+          <a:fillRef idx="1">
+            <a:schemeClr val="accent1"/>
+          </a:fillRef>
+          <a:effectRef idx="0">
+            <a:schemeClr val="accent1"/>
+          </a:effectRef>
+          <a:fontRef idx="minor">
+            <a:schemeClr val="lt1"/>
+          </a:fontRef>
+        </p:style>
+        <p:txBody>
+          <a:bodyPr rtlCol="0" anchor="ctr"/>
+          <a:lstStyle/>
+          <a:p>
+            <a:pPr algn="ctr"/>
+            <a:endParaRPr lang="en-GB"/>
+          </a:p>
+        </p:txBody>
+      </p:sp>
+      <p:sp>
+        <p:nvSpPr>
+          <p:cNvPr id="9" name="Rectangle 8">
+            <a:extLst>
+              <a:ext uri="{FF2B5EF4-FFF2-40B4-BE49-F238E27FC236}">
+                <a16:creationId xmlns:a16="http://schemas.microsoft.com/office/drawing/2014/main" id="{5E736380-219B-4C44-B0FC-929C7FA2220D}"/>
+              </a:ext>
+            </a:extLst>
+          </p:cNvPr>
+          <p:cNvSpPr/>
+          <p:nvPr/>
+        </p:nvSpPr>
+        <p:spPr>
+          <a:xfrm>
+            <a:off x="3232677" y="2439531"/>
+            <a:ext cx="1006415" cy="3709807"/>
+          </a:xfrm>
+          <a:prstGeom prst="rect">
+            <a:avLst/>
+          </a:prstGeom>
+          <a:solidFill>
+            <a:schemeClr val="accent1">
+              <a:lumMod val="75000"/>
+            </a:schemeClr>
+          </a:solidFill>
+        </p:spPr>
+        <p:style>
+          <a:lnRef idx="2">
+            <a:schemeClr val="accent1">
+              <a:shade val="15000"/>
+            </a:schemeClr>
+          </a:lnRef>
+          <a:fillRef idx="1">
+            <a:schemeClr val="accent1"/>
+          </a:fillRef>
+          <a:effectRef idx="0">
+            <a:schemeClr val="accent1"/>
+          </a:effectRef>
+          <a:fontRef idx="minor">
+            <a:schemeClr val="lt1"/>
+          </a:fontRef>
+        </p:style>
+        <p:txBody>
+          <a:bodyPr rtlCol="0" anchor="ctr"/>
+          <a:lstStyle/>
+          <a:p>
+            <a:pPr algn="ctr"/>
+            <a:endParaRPr lang="en-GB"/>
+          </a:p>
+        </p:txBody>
+      </p:sp>
+      <p:pic>
+        <p:nvPicPr>
+          <p:cNvPr id="10" name="Image 9" descr="Une image contenant texte&#10;&#10;Description générée automatiquement">
+            <a:extLst>
+              <a:ext uri="{FF2B5EF4-FFF2-40B4-BE49-F238E27FC236}">
+                <a16:creationId xmlns:a16="http://schemas.microsoft.com/office/drawing/2014/main" id="{68B053F6-7A83-C788-FD81-B34F9816FB81}"/>
+              </a:ext>
+            </a:extLst>
+          </p:cNvPr>
+          <p:cNvPicPr>
+            <a:picLocks noChangeAspect="1"/>
+          </p:cNvPicPr>
+          <p:nvPr/>
+        </p:nvPicPr>
+        <p:blipFill>
+          <a:blip r:embed="rId2" cstate="print">
+            <a:extLst>
+              <a:ext uri="{28A0092B-C50C-407E-A947-70E740481C1C}">
+                <a14:useLocalDpi xmlns:a14="http://schemas.microsoft.com/office/drawing/2010/main" val="0"/>
+              </a:ext>
+            </a:extLst>
+          </a:blip>
+          <a:stretch>
+            <a:fillRect/>
+          </a:stretch>
+        </p:blipFill>
+        <p:spPr>
+          <a:xfrm>
+            <a:off x="7964337" y="1959646"/>
+            <a:ext cx="1017093" cy="417810"/>
+          </a:xfrm>
+          <a:prstGeom prst="rect">
+            <a:avLst/>
+          </a:prstGeom>
+        </p:spPr>
+      </p:pic>
+      <p:sp>
+        <p:nvSpPr>
+          <p:cNvPr id="11" name="ZoneTexte 10">
+            <a:extLst>
+              <a:ext uri="{FF2B5EF4-FFF2-40B4-BE49-F238E27FC236}">
+                <a16:creationId xmlns:a16="http://schemas.microsoft.com/office/drawing/2014/main" id="{B4ADC043-5392-B0D0-EB9D-96916CBA7A6E}"/>
+              </a:ext>
+            </a:extLst>
+          </p:cNvPr>
+          <p:cNvSpPr txBox="1"/>
+          <p:nvPr/>
+        </p:nvSpPr>
+        <p:spPr>
+          <a:xfrm>
+            <a:off x="3232678" y="1986028"/>
+            <a:ext cx="4316136" cy="369332"/>
+          </a:xfrm>
+          <a:prstGeom prst="rect">
+            <a:avLst/>
+          </a:prstGeom>
+          <a:solidFill>
+            <a:schemeClr val="bg1">
+              <a:lumMod val="75000"/>
+            </a:schemeClr>
+          </a:solidFill>
+        </p:spPr>
+        <p:txBody>
+          <a:bodyPr wrap="square" rtlCol="0">
+            <a:spAutoFit/>
+          </a:bodyPr>
+          <a:lstStyle/>
+          <a:p>
+            <a:r>
+              <a:rPr lang="en-GB" dirty="0" err="1"/>
+              <a:t>Zygo</a:t>
+            </a:r>
+            <a:r>
+              <a:rPr lang="en-GB" dirty="0"/>
+              <a:t> </a:t>
+            </a:r>
+            <a:r>
+              <a:rPr lang="en-GB" dirty="0" err="1"/>
+              <a:t>Labwork</a:t>
+            </a:r>
+            <a:endParaRPr lang="en-GB" dirty="0"/>
+          </a:p>
+        </p:txBody>
+      </p:sp>
+      <p:sp>
+        <p:nvSpPr>
+          <p:cNvPr id="12" name="Rectangle 11">
+            <a:extLst>
+              <a:ext uri="{FF2B5EF4-FFF2-40B4-BE49-F238E27FC236}">
+                <a16:creationId xmlns:a16="http://schemas.microsoft.com/office/drawing/2014/main" id="{A4BDAFBB-5CC0-9E89-BE7A-AA38E3057AB4}"/>
+              </a:ext>
+            </a:extLst>
+          </p:cNvPr>
+          <p:cNvSpPr/>
+          <p:nvPr/>
+        </p:nvSpPr>
+        <p:spPr>
+          <a:xfrm>
+            <a:off x="4353210" y="2439531"/>
+            <a:ext cx="4605359" cy="3709807"/>
+          </a:xfrm>
+          <a:prstGeom prst="rect">
+            <a:avLst/>
+          </a:prstGeom>
+          <a:solidFill>
+            <a:schemeClr val="accent1">
+              <a:lumMod val="75000"/>
+            </a:schemeClr>
+          </a:solidFill>
+        </p:spPr>
+        <p:style>
+          <a:lnRef idx="2">
+            <a:schemeClr val="accent1">
+              <a:shade val="15000"/>
+            </a:schemeClr>
+          </a:lnRef>
+          <a:fillRef idx="1">
+            <a:schemeClr val="accent1"/>
+          </a:fillRef>
+          <a:effectRef idx="0">
+            <a:schemeClr val="accent1"/>
+          </a:effectRef>
+          <a:fontRef idx="minor">
+            <a:schemeClr val="lt1"/>
+          </a:fontRef>
+        </p:style>
+        <p:txBody>
+          <a:bodyPr rtlCol="0" anchor="ctr"/>
+          <a:lstStyle/>
+          <a:p>
+            <a:pPr algn="ctr"/>
+            <a:endParaRPr lang="en-GB"/>
+          </a:p>
+        </p:txBody>
+      </p:sp>
+      <p:sp>
+        <p:nvSpPr>
+          <p:cNvPr id="27" name="Rectangle 26">
+            <a:extLst>
+              <a:ext uri="{FF2B5EF4-FFF2-40B4-BE49-F238E27FC236}">
+                <a16:creationId xmlns:a16="http://schemas.microsoft.com/office/drawing/2014/main" id="{6A1B3D5E-5DB5-F2EE-CF52-5BD3A33BDBFA}"/>
+              </a:ext>
+            </a:extLst>
+          </p:cNvPr>
+          <p:cNvSpPr/>
+          <p:nvPr/>
+        </p:nvSpPr>
+        <p:spPr>
+          <a:xfrm>
+            <a:off x="4422437" y="4320054"/>
+            <a:ext cx="4522067" cy="1752164"/>
+          </a:xfrm>
+          <a:prstGeom prst="rect">
+            <a:avLst/>
+          </a:prstGeom>
+          <a:solidFill>
+            <a:schemeClr val="accent1">
+              <a:lumMod val="50000"/>
+            </a:schemeClr>
+          </a:solidFill>
+        </p:spPr>
+        <p:style>
+          <a:lnRef idx="2">
+            <a:schemeClr val="accent1">
+              <a:shade val="15000"/>
+            </a:schemeClr>
+          </a:lnRef>
+          <a:fillRef idx="1">
+            <a:schemeClr val="accent1"/>
+          </a:fillRef>
+          <a:effectRef idx="0">
+            <a:schemeClr val="accent1"/>
+          </a:effectRef>
+          <a:fontRef idx="minor">
+            <a:schemeClr val="lt1"/>
+          </a:fontRef>
+        </p:style>
+        <p:txBody>
+          <a:bodyPr rtlCol="0" anchor="ctr"/>
+          <a:lstStyle/>
+          <a:p>
+            <a:pPr algn="ctr"/>
+            <a:endParaRPr lang="en-GB" dirty="0"/>
+          </a:p>
+        </p:txBody>
+      </p:sp>
+      <p:sp>
+        <p:nvSpPr>
+          <p:cNvPr id="18" name="Rectangle 17">
+            <a:extLst>
+              <a:ext uri="{FF2B5EF4-FFF2-40B4-BE49-F238E27FC236}">
+                <a16:creationId xmlns:a16="http://schemas.microsoft.com/office/drawing/2014/main" id="{4759C709-D346-785A-6163-73564A95113E}"/>
+              </a:ext>
+            </a:extLst>
+          </p:cNvPr>
+          <p:cNvSpPr/>
+          <p:nvPr/>
+        </p:nvSpPr>
+        <p:spPr>
+          <a:xfrm>
+            <a:off x="4494179" y="4383040"/>
+            <a:ext cx="2101174" cy="1614791"/>
+          </a:xfrm>
+          <a:prstGeom prst="rect">
+            <a:avLst/>
+          </a:prstGeom>
+          <a:solidFill>
+            <a:schemeClr val="accent1">
+              <a:lumMod val="75000"/>
+            </a:schemeClr>
+          </a:solidFill>
+        </p:spPr>
+        <p:style>
+          <a:lnRef idx="2">
+            <a:schemeClr val="accent1">
+              <a:shade val="15000"/>
+            </a:schemeClr>
+          </a:lnRef>
+          <a:fillRef idx="1">
+            <a:schemeClr val="accent1"/>
+          </a:fillRef>
+          <a:effectRef idx="0">
+            <a:schemeClr val="accent1"/>
+          </a:effectRef>
+          <a:fontRef idx="minor">
+            <a:schemeClr val="lt1"/>
+          </a:fontRef>
+        </p:style>
+        <p:txBody>
+          <a:bodyPr rtlCol="0" anchor="ctr"/>
+          <a:lstStyle/>
+          <a:p>
+            <a:pPr algn="ctr"/>
+            <a:endParaRPr lang="en-GB"/>
+          </a:p>
+        </p:txBody>
+      </p:sp>
+      <p:sp>
+        <p:nvSpPr>
+          <p:cNvPr id="19" name="Rectangle 18">
+            <a:extLst>
+              <a:ext uri="{FF2B5EF4-FFF2-40B4-BE49-F238E27FC236}">
+                <a16:creationId xmlns:a16="http://schemas.microsoft.com/office/drawing/2014/main" id="{9720BA6B-A063-7087-97A3-299949DE5261}"/>
+              </a:ext>
+            </a:extLst>
+          </p:cNvPr>
+          <p:cNvSpPr/>
+          <p:nvPr/>
+        </p:nvSpPr>
+        <p:spPr>
+          <a:xfrm>
+            <a:off x="6736322" y="4383039"/>
+            <a:ext cx="2101174" cy="1614791"/>
+          </a:xfrm>
+          <a:prstGeom prst="rect">
+            <a:avLst/>
+          </a:prstGeom>
+          <a:solidFill>
+            <a:schemeClr val="accent1">
+              <a:lumMod val="75000"/>
+            </a:schemeClr>
+          </a:solidFill>
+        </p:spPr>
+        <p:style>
+          <a:lnRef idx="2">
+            <a:schemeClr val="accent1">
+              <a:shade val="15000"/>
+            </a:schemeClr>
+          </a:lnRef>
+          <a:fillRef idx="1">
+            <a:schemeClr val="accent1"/>
+          </a:fillRef>
+          <a:effectRef idx="0">
+            <a:schemeClr val="accent1"/>
+          </a:effectRef>
+          <a:fontRef idx="minor">
+            <a:schemeClr val="lt1"/>
+          </a:fontRef>
+        </p:style>
+        <p:txBody>
+          <a:bodyPr rtlCol="0" anchor="ctr"/>
+          <a:lstStyle/>
+          <a:p>
+            <a:pPr algn="ctr"/>
+            <a:endParaRPr lang="en-GB"/>
+          </a:p>
+        </p:txBody>
+      </p:sp>
+      <p:sp>
+        <p:nvSpPr>
+          <p:cNvPr id="20" name="Rectangle 19">
+            <a:extLst>
+              <a:ext uri="{FF2B5EF4-FFF2-40B4-BE49-F238E27FC236}">
+                <a16:creationId xmlns:a16="http://schemas.microsoft.com/office/drawing/2014/main" id="{E373C534-C8DD-F79C-F7EB-EFBC5C6A8EAB}"/>
+              </a:ext>
+            </a:extLst>
+          </p:cNvPr>
+          <p:cNvSpPr/>
+          <p:nvPr/>
+        </p:nvSpPr>
+        <p:spPr>
+          <a:xfrm>
+            <a:off x="3332186" y="2772150"/>
+            <a:ext cx="807396" cy="369884"/>
+          </a:xfrm>
+          <a:prstGeom prst="rect">
+            <a:avLst/>
+          </a:prstGeom>
+        </p:spPr>
+        <p:style>
+          <a:lnRef idx="2">
+            <a:schemeClr val="accent1">
+              <a:shade val="15000"/>
+            </a:schemeClr>
+          </a:lnRef>
+          <a:fillRef idx="1">
+            <a:schemeClr val="accent1"/>
+          </a:fillRef>
+          <a:effectRef idx="0">
+            <a:schemeClr val="accent1"/>
+          </a:effectRef>
+          <a:fontRef idx="minor">
+            <a:schemeClr val="lt1"/>
+          </a:fontRef>
+        </p:style>
+        <p:txBody>
+          <a:bodyPr rtlCol="0" anchor="ctr"/>
+          <a:lstStyle/>
+          <a:p>
+            <a:pPr algn="ctr"/>
+            <a:r>
+              <a:rPr lang="en-GB" sz="900" dirty="0"/>
+              <a:t>Camera Settings</a:t>
+            </a:r>
+          </a:p>
+        </p:txBody>
+      </p:sp>
+      <p:sp>
+        <p:nvSpPr>
+          <p:cNvPr id="21" name="ZoneTexte 20">
+            <a:extLst>
+              <a:ext uri="{FF2B5EF4-FFF2-40B4-BE49-F238E27FC236}">
+                <a16:creationId xmlns:a16="http://schemas.microsoft.com/office/drawing/2014/main" id="{E7100B7E-599C-2024-B941-06357F4DA65B}"/>
+              </a:ext>
+            </a:extLst>
+          </p:cNvPr>
+          <p:cNvSpPr txBox="1"/>
+          <p:nvPr/>
+        </p:nvSpPr>
+        <p:spPr>
+          <a:xfrm>
+            <a:off x="3232677" y="2470169"/>
+            <a:ext cx="1006415" cy="261610"/>
+          </a:xfrm>
+          <a:prstGeom prst="rect">
+            <a:avLst/>
+          </a:prstGeom>
+          <a:noFill/>
+        </p:spPr>
+        <p:txBody>
+          <a:bodyPr wrap="square" rtlCol="0">
+            <a:spAutoFit/>
+          </a:bodyPr>
+          <a:lstStyle/>
+          <a:p>
+            <a:pPr algn="ctr"/>
+            <a:r>
+              <a:rPr lang="en-GB" sz="1100">
+                <a:solidFill>
+                  <a:schemeClr val="bg1"/>
+                </a:solidFill>
+              </a:rPr>
+              <a:t>Menu</a:t>
+            </a:r>
+          </a:p>
+        </p:txBody>
+      </p:sp>
+      <p:sp>
+        <p:nvSpPr>
+          <p:cNvPr id="22" name="Rectangle 21">
+            <a:extLst>
+              <a:ext uri="{FF2B5EF4-FFF2-40B4-BE49-F238E27FC236}">
+                <a16:creationId xmlns:a16="http://schemas.microsoft.com/office/drawing/2014/main" id="{3AD85595-2BF2-FF3A-A10B-4FF6A450F797}"/>
+              </a:ext>
+            </a:extLst>
+          </p:cNvPr>
+          <p:cNvSpPr/>
+          <p:nvPr/>
+        </p:nvSpPr>
+        <p:spPr>
+          <a:xfrm>
+            <a:off x="3332186" y="3266639"/>
+            <a:ext cx="807396" cy="369884"/>
+          </a:xfrm>
+          <a:prstGeom prst="rect">
+            <a:avLst/>
+          </a:prstGeom>
+        </p:spPr>
+        <p:style>
+          <a:lnRef idx="2">
+            <a:schemeClr val="accent1">
+              <a:shade val="15000"/>
+            </a:schemeClr>
+          </a:lnRef>
+          <a:fillRef idx="1">
+            <a:schemeClr val="accent1"/>
+          </a:fillRef>
+          <a:effectRef idx="0">
+            <a:schemeClr val="accent1"/>
+          </a:effectRef>
+          <a:fontRef idx="minor">
+            <a:schemeClr val="lt1"/>
+          </a:fontRef>
+        </p:style>
+        <p:txBody>
+          <a:bodyPr rtlCol="0" anchor="ctr"/>
+          <a:lstStyle/>
+          <a:p>
+            <a:pPr algn="ctr"/>
+            <a:r>
+              <a:rPr lang="en-GB" sz="900"/>
+              <a:t>Masks</a:t>
+            </a:r>
+          </a:p>
+        </p:txBody>
+      </p:sp>
+      <p:sp>
+        <p:nvSpPr>
+          <p:cNvPr id="23" name="ZoneTexte 22">
+            <a:extLst>
+              <a:ext uri="{FF2B5EF4-FFF2-40B4-BE49-F238E27FC236}">
+                <a16:creationId xmlns:a16="http://schemas.microsoft.com/office/drawing/2014/main" id="{61D74ADE-B32A-830F-4CEC-7FCB75F8AA0F}"/>
+              </a:ext>
+            </a:extLst>
+          </p:cNvPr>
+          <p:cNvSpPr txBox="1"/>
+          <p:nvPr/>
+        </p:nvSpPr>
+        <p:spPr>
+          <a:xfrm>
+            <a:off x="7548814" y="2019706"/>
+            <a:ext cx="415523" cy="369332"/>
+          </a:xfrm>
+          <a:prstGeom prst="rect">
+            <a:avLst/>
+          </a:prstGeom>
+          <a:noFill/>
+        </p:spPr>
+        <p:txBody>
+          <a:bodyPr wrap="square" rtlCol="0">
+            <a:spAutoFit/>
+          </a:bodyPr>
+          <a:lstStyle/>
+          <a:p>
+            <a:r>
+              <a:rPr lang="en-GB"/>
+              <a:t>🇬🇧</a:t>
+            </a:r>
+          </a:p>
+        </p:txBody>
+      </p:sp>
+      <p:sp>
+        <p:nvSpPr>
+          <p:cNvPr id="24" name="Rectangle 23">
+            <a:extLst>
+              <a:ext uri="{FF2B5EF4-FFF2-40B4-BE49-F238E27FC236}">
+                <a16:creationId xmlns:a16="http://schemas.microsoft.com/office/drawing/2014/main" id="{108624DB-69A5-6C8A-8EAF-56EEC079C717}"/>
+              </a:ext>
+            </a:extLst>
+          </p:cNvPr>
+          <p:cNvSpPr/>
+          <p:nvPr/>
+        </p:nvSpPr>
+        <p:spPr>
+          <a:xfrm>
+            <a:off x="3332186" y="3761128"/>
+            <a:ext cx="807396" cy="369884"/>
+          </a:xfrm>
+          <a:prstGeom prst="rect">
+            <a:avLst/>
+          </a:prstGeom>
+        </p:spPr>
+        <p:style>
+          <a:lnRef idx="2">
+            <a:schemeClr val="accent1">
+              <a:shade val="15000"/>
+            </a:schemeClr>
+          </a:lnRef>
+          <a:fillRef idx="1">
+            <a:schemeClr val="accent1"/>
+          </a:fillRef>
+          <a:effectRef idx="0">
+            <a:schemeClr val="accent1"/>
+          </a:effectRef>
+          <a:fontRef idx="minor">
+            <a:schemeClr val="lt1"/>
+          </a:fontRef>
+        </p:style>
+        <p:txBody>
+          <a:bodyPr rtlCol="0" anchor="ctr"/>
+          <a:lstStyle/>
+          <a:p>
+            <a:pPr algn="ctr"/>
+            <a:r>
+              <a:rPr lang="en-GB" sz="900"/>
+              <a:t>Acquisition</a:t>
+            </a:r>
+          </a:p>
+        </p:txBody>
+      </p:sp>
+      <p:sp>
+        <p:nvSpPr>
+          <p:cNvPr id="25" name="Rectangle 24">
+            <a:extLst>
+              <a:ext uri="{FF2B5EF4-FFF2-40B4-BE49-F238E27FC236}">
+                <a16:creationId xmlns:a16="http://schemas.microsoft.com/office/drawing/2014/main" id="{3FDD1BDD-38CE-838E-59D8-72B6E6562C51}"/>
+              </a:ext>
+            </a:extLst>
+          </p:cNvPr>
+          <p:cNvSpPr/>
+          <p:nvPr/>
+        </p:nvSpPr>
+        <p:spPr>
+          <a:xfrm>
+            <a:off x="3332186" y="4255616"/>
+            <a:ext cx="807396" cy="369884"/>
+          </a:xfrm>
+          <a:prstGeom prst="rect">
+            <a:avLst/>
+          </a:prstGeom>
+          <a:solidFill>
+            <a:schemeClr val="accent2"/>
+          </a:solidFill>
+        </p:spPr>
+        <p:style>
+          <a:lnRef idx="2">
+            <a:schemeClr val="accent1">
+              <a:shade val="15000"/>
+            </a:schemeClr>
+          </a:lnRef>
+          <a:fillRef idx="1">
+            <a:schemeClr val="accent1"/>
+          </a:fillRef>
+          <a:effectRef idx="0">
+            <a:schemeClr val="accent1"/>
+          </a:effectRef>
+          <a:fontRef idx="minor">
+            <a:schemeClr val="lt1"/>
+          </a:fontRef>
+        </p:style>
+        <p:txBody>
+          <a:bodyPr rtlCol="0" anchor="ctr"/>
+          <a:lstStyle/>
+          <a:p>
+            <a:pPr algn="ctr"/>
+            <a:r>
+              <a:rPr lang="en-GB" sz="900" dirty="0" err="1"/>
+              <a:t>Analyzes</a:t>
+            </a:r>
+            <a:endParaRPr lang="en-GB" sz="900" dirty="0"/>
+          </a:p>
+        </p:txBody>
+      </p:sp>
+      <p:sp>
+        <p:nvSpPr>
+          <p:cNvPr id="26" name="Rectangle 25">
+            <a:extLst>
+              <a:ext uri="{FF2B5EF4-FFF2-40B4-BE49-F238E27FC236}">
+                <a16:creationId xmlns:a16="http://schemas.microsoft.com/office/drawing/2014/main" id="{CFCB9DBE-6247-71E3-E641-7441C394B66A}"/>
+              </a:ext>
+            </a:extLst>
+          </p:cNvPr>
+          <p:cNvSpPr/>
+          <p:nvPr/>
+        </p:nvSpPr>
+        <p:spPr>
+          <a:xfrm>
+            <a:off x="4422437" y="2503452"/>
+            <a:ext cx="4522067" cy="1752164"/>
+          </a:xfrm>
+          <a:prstGeom prst="rect">
+            <a:avLst/>
+          </a:prstGeom>
+          <a:solidFill>
+            <a:schemeClr val="accent1">
+              <a:lumMod val="50000"/>
+            </a:schemeClr>
+          </a:solidFill>
+        </p:spPr>
+        <p:style>
+          <a:lnRef idx="2">
+            <a:schemeClr val="accent1">
+              <a:shade val="15000"/>
+            </a:schemeClr>
+          </a:lnRef>
+          <a:fillRef idx="1">
+            <a:schemeClr val="accent1"/>
+          </a:fillRef>
+          <a:effectRef idx="0">
+            <a:schemeClr val="accent1"/>
+          </a:effectRef>
+          <a:fontRef idx="minor">
+            <a:schemeClr val="lt1"/>
+          </a:fontRef>
+        </p:style>
+        <p:txBody>
+          <a:bodyPr rtlCol="0" anchor="ctr"/>
+          <a:lstStyle/>
+          <a:p>
+            <a:pPr algn="ctr"/>
+            <a:endParaRPr lang="en-GB"/>
+          </a:p>
+        </p:txBody>
+      </p:sp>
+      <p:sp>
+        <p:nvSpPr>
+          <p:cNvPr id="16" name="Rectangle 15">
+            <a:extLst>
+              <a:ext uri="{FF2B5EF4-FFF2-40B4-BE49-F238E27FC236}">
+                <a16:creationId xmlns:a16="http://schemas.microsoft.com/office/drawing/2014/main" id="{741BC18A-9467-613C-664E-1FD7B0CE641A}"/>
+              </a:ext>
+            </a:extLst>
+          </p:cNvPr>
+          <p:cNvSpPr/>
+          <p:nvPr/>
+        </p:nvSpPr>
+        <p:spPr>
+          <a:xfrm>
+            <a:off x="4494179" y="2577830"/>
+            <a:ext cx="2101174" cy="1614791"/>
+          </a:xfrm>
+          <a:prstGeom prst="rect">
+            <a:avLst/>
+          </a:prstGeom>
+          <a:solidFill>
+            <a:schemeClr val="accent1">
+              <a:lumMod val="75000"/>
+            </a:schemeClr>
+          </a:solidFill>
+        </p:spPr>
+        <p:style>
+          <a:lnRef idx="2">
+            <a:schemeClr val="accent1">
+              <a:shade val="15000"/>
+            </a:schemeClr>
+          </a:lnRef>
+          <a:fillRef idx="1">
+            <a:schemeClr val="accent1"/>
+          </a:fillRef>
+          <a:effectRef idx="0">
+            <a:schemeClr val="accent1"/>
+          </a:effectRef>
+          <a:fontRef idx="minor">
+            <a:schemeClr val="lt1"/>
+          </a:fontRef>
+        </p:style>
+        <p:txBody>
+          <a:bodyPr rtlCol="0" anchor="ctr"/>
+          <a:lstStyle/>
+          <a:p>
+            <a:pPr algn="ctr"/>
+            <a:endParaRPr lang="en-GB" dirty="0"/>
+          </a:p>
+        </p:txBody>
+      </p:sp>
+      <p:sp>
+        <p:nvSpPr>
+          <p:cNvPr id="17" name="Rectangle 16">
+            <a:extLst>
+              <a:ext uri="{FF2B5EF4-FFF2-40B4-BE49-F238E27FC236}">
+                <a16:creationId xmlns:a16="http://schemas.microsoft.com/office/drawing/2014/main" id="{EDC2533B-822C-D311-96BF-A7B5C3778ED0}"/>
+              </a:ext>
+            </a:extLst>
+          </p:cNvPr>
+          <p:cNvSpPr/>
+          <p:nvPr/>
+        </p:nvSpPr>
+        <p:spPr>
+          <a:xfrm>
+            <a:off x="6736322" y="2577830"/>
+            <a:ext cx="2101174" cy="1614791"/>
+          </a:xfrm>
+          <a:prstGeom prst="rect">
+            <a:avLst/>
+          </a:prstGeom>
+        </p:spPr>
+        <p:style>
+          <a:lnRef idx="2">
+            <a:schemeClr val="accent1">
+              <a:shade val="15000"/>
+            </a:schemeClr>
+          </a:lnRef>
+          <a:fillRef idx="1">
+            <a:schemeClr val="accent1"/>
+          </a:fillRef>
+          <a:effectRef idx="0">
+            <a:schemeClr val="accent1"/>
+          </a:effectRef>
+          <a:fontRef idx="minor">
+            <a:schemeClr val="lt1"/>
+          </a:fontRef>
+        </p:style>
+        <p:txBody>
+          <a:bodyPr rtlCol="0" anchor="ctr"/>
+          <a:lstStyle/>
+          <a:p>
+            <a:pPr algn="ctr"/>
+            <a:r>
+              <a:rPr lang="en-GB"/>
+              <a:t>Results (3D, etc.)</a:t>
+            </a:r>
+          </a:p>
+        </p:txBody>
+      </p:sp>
+      <p:sp>
+        <p:nvSpPr>
+          <p:cNvPr id="28" name="Rectangle 27">
+            <a:extLst>
+              <a:ext uri="{FF2B5EF4-FFF2-40B4-BE49-F238E27FC236}">
+                <a16:creationId xmlns:a16="http://schemas.microsoft.com/office/drawing/2014/main" id="{5C734006-9E1A-E835-AE76-1775203D055C}"/>
+              </a:ext>
+            </a:extLst>
+          </p:cNvPr>
+          <p:cNvSpPr/>
+          <p:nvPr/>
+        </p:nvSpPr>
+        <p:spPr>
+          <a:xfrm>
+            <a:off x="3332186" y="5918661"/>
+            <a:ext cx="807396" cy="152085"/>
+          </a:xfrm>
+          <a:prstGeom prst="rect">
+            <a:avLst/>
+          </a:prstGeom>
+        </p:spPr>
+        <p:style>
+          <a:lnRef idx="2">
+            <a:schemeClr val="accent1">
+              <a:shade val="15000"/>
+            </a:schemeClr>
+          </a:lnRef>
+          <a:fillRef idx="1">
+            <a:schemeClr val="accent1"/>
+          </a:fillRef>
+          <a:effectRef idx="0">
+            <a:schemeClr val="accent1"/>
+          </a:effectRef>
+          <a:fontRef idx="minor">
+            <a:schemeClr val="lt1"/>
+          </a:fontRef>
+        </p:style>
+        <p:txBody>
+          <a:bodyPr rtlCol="0" anchor="ctr"/>
+          <a:lstStyle/>
+          <a:p>
+            <a:pPr algn="ctr"/>
+            <a:r>
+              <a:rPr lang="en-GB" sz="900" dirty="0"/>
+              <a:t>Options</a:t>
+            </a:r>
+          </a:p>
+        </p:txBody>
+      </p:sp>
+      <p:sp>
+        <p:nvSpPr>
+          <p:cNvPr id="6" name="Rectangle 5">
+            <a:extLst>
+              <a:ext uri="{FF2B5EF4-FFF2-40B4-BE49-F238E27FC236}">
+                <a16:creationId xmlns:a16="http://schemas.microsoft.com/office/drawing/2014/main" id="{05042E50-0A91-B6EA-8464-01D780F5D586}"/>
+              </a:ext>
+            </a:extLst>
+          </p:cNvPr>
+          <p:cNvSpPr/>
+          <p:nvPr/>
+        </p:nvSpPr>
+        <p:spPr>
+          <a:xfrm>
+            <a:off x="4567271" y="3266639"/>
+            <a:ext cx="1956518" cy="169277"/>
+          </a:xfrm>
+          <a:prstGeom prst="rect">
+            <a:avLst/>
+          </a:prstGeom>
+          <a:solidFill>
             <a:schemeClr val="accent1"/>
           </a:solidFill>
           <a:ln>
@@ -6117,7 +7844,7 @@
 </p:sld>
 </file>
 
-<file path=ppt/slides/slide11.xml><?xml version="1.0" encoding="utf-8"?>
+<file path=ppt/slides/slide12.xml><?xml version="1.0" encoding="utf-8"?>
 <p:sld xmlns:a="http://schemas.openxmlformats.org/drawingml/2006/main" xmlns:r="http://schemas.openxmlformats.org/officeDocument/2006/relationships" xmlns:p="http://schemas.openxmlformats.org/presentationml/2006/main">
   <p:cSld>
     <p:spTree>
@@ -7759,7 +9486,7 @@
 </p:sld>
 </file>
 
-<file path=ppt/slides/slide12.xml><?xml version="1.0" encoding="utf-8"?>
+<file path=ppt/slides/slide13.xml><?xml version="1.0" encoding="utf-8"?>
 <p:sld xmlns:a="http://schemas.openxmlformats.org/drawingml/2006/main" xmlns:r="http://schemas.openxmlformats.org/officeDocument/2006/relationships" xmlns:p="http://schemas.openxmlformats.org/presentationml/2006/main">
   <p:cSld>
     <p:spTree>
@@ -9401,9 +11128,20 @@
 </p:sld>
 </file>
 
-<file path=ppt/slides/slide13.xml><?xml version="1.0" encoding="utf-8"?>
+<file path=ppt/slides/slide14.xml><?xml version="1.0" encoding="utf-8"?>
 <p:sld xmlns:a="http://schemas.openxmlformats.org/drawingml/2006/main" xmlns:r="http://schemas.openxmlformats.org/officeDocument/2006/relationships" xmlns:p="http://schemas.openxmlformats.org/presentationml/2006/main">
   <p:cSld>
+    <p:bg>
+      <p:bgPr>
+        <a:solidFill>
+          <a:schemeClr val="accent1">
+            <a:lumMod val="40000"/>
+            <a:lumOff val="60000"/>
+          </a:schemeClr>
+        </a:solidFill>
+        <a:effectLst/>
+      </p:bgPr>
+    </p:bg>
     <p:spTree>
       <p:nvGrpSpPr>
         <p:cNvPr id="1" name=""/>
@@ -10397,6 +12135,61 @@
               <a:t>DictLang</a:t>
             </a:r>
             <a:endParaRPr lang="fr-FR" sz="1400" dirty="0"/>
+          </a:p>
+        </p:txBody>
+      </p:sp>
+      <p:sp>
+        <p:nvSpPr>
+          <p:cNvPr id="20" name="Rectangle 19">
+            <a:extLst>
+              <a:ext uri="{FF2B5EF4-FFF2-40B4-BE49-F238E27FC236}">
+                <a16:creationId xmlns:a16="http://schemas.microsoft.com/office/drawing/2014/main" id="{7A27E486-94B1-B40A-5280-A202032A1E2A}"/>
+              </a:ext>
+            </a:extLst>
+          </p:cNvPr>
+          <p:cNvSpPr/>
+          <p:nvPr/>
+        </p:nvSpPr>
+        <p:spPr>
+          <a:xfrm>
+            <a:off x="0" y="6550222"/>
+            <a:ext cx="2101174" cy="307777"/>
+          </a:xfrm>
+          <a:prstGeom prst="rect">
+            <a:avLst/>
+          </a:prstGeom>
+          <a:solidFill>
+            <a:srgbClr val="C00000"/>
+          </a:solidFill>
+          <a:ln>
+            <a:noFill/>
+          </a:ln>
+        </p:spPr>
+        <p:style>
+          <a:lnRef idx="2">
+            <a:schemeClr val="accent1">
+              <a:shade val="15000"/>
+            </a:schemeClr>
+          </a:lnRef>
+          <a:fillRef idx="1">
+            <a:schemeClr val="accent1"/>
+          </a:fillRef>
+          <a:effectRef idx="0">
+            <a:schemeClr val="accent1"/>
+          </a:effectRef>
+          <a:fontRef idx="minor">
+            <a:schemeClr val="lt1"/>
+          </a:fontRef>
+        </p:style>
+        <p:txBody>
+          <a:bodyPr rtlCol="0" anchor="ctr"/>
+          <a:lstStyle/>
+          <a:p>
+            <a:pPr algn="ctr"/>
+            <a:r>
+              <a:rPr lang="en-GB" sz="1400" b="1" dirty="0"/>
+              <a:t>Developer Info</a:t>
+            </a:r>
           </a:p>
         </p:txBody>
       </p:sp>
@@ -11827,6 +13620,1573 @@
 </file>
 
 <file path=ppt/slides/slide3.xml><?xml version="1.0" encoding="utf-8"?>
+<p:sld xmlns:a="http://schemas.openxmlformats.org/drawingml/2006/main" xmlns:r="http://schemas.openxmlformats.org/officeDocument/2006/relationships" xmlns:p="http://schemas.openxmlformats.org/presentationml/2006/main">
+  <p:cSld>
+    <p:bg>
+      <p:bgPr>
+        <a:solidFill>
+          <a:schemeClr val="tx2">
+            <a:lumMod val="25000"/>
+            <a:lumOff val="75000"/>
+          </a:schemeClr>
+        </a:solidFill>
+        <a:effectLst/>
+      </p:bgPr>
+    </p:bg>
+    <p:spTree>
+      <p:nvGrpSpPr>
+        <p:cNvPr id="1" name=""/>
+        <p:cNvGrpSpPr/>
+        <p:nvPr/>
+      </p:nvGrpSpPr>
+      <p:grpSpPr>
+        <a:xfrm>
+          <a:off x="0" y="0"/>
+          <a:ext cx="0" cy="0"/>
+          <a:chOff x="0" y="0"/>
+          <a:chExt cx="0" cy="0"/>
+        </a:xfrm>
+      </p:grpSpPr>
+      <p:sp>
+        <p:nvSpPr>
+          <p:cNvPr id="2" name="Rectangle 1">
+            <a:extLst>
+              <a:ext uri="{FF2B5EF4-FFF2-40B4-BE49-F238E27FC236}">
+                <a16:creationId xmlns:a16="http://schemas.microsoft.com/office/drawing/2014/main" id="{F75D6ADA-AAB6-F043-CB6E-F399288D8DD1}"/>
+              </a:ext>
+            </a:extLst>
+          </p:cNvPr>
+          <p:cNvSpPr/>
+          <p:nvPr/>
+        </p:nvSpPr>
+        <p:spPr>
+          <a:xfrm>
+            <a:off x="673975" y="405113"/>
+            <a:ext cx="11020314" cy="937549"/>
+          </a:xfrm>
+          <a:prstGeom prst="rect">
+            <a:avLst/>
+          </a:prstGeom>
+          <a:solidFill>
+            <a:schemeClr val="bg1"/>
+          </a:solidFill>
+          <a:ln>
+            <a:solidFill>
+              <a:schemeClr val="bg1">
+                <a:lumMod val="95000"/>
+              </a:schemeClr>
+            </a:solidFill>
+          </a:ln>
+          <a:effectLst>
+            <a:outerShdw blurRad="50800" dist="38100" dir="2700000" algn="tl" rotWithShape="0">
+              <a:prstClr val="black">
+                <a:alpha val="40000"/>
+              </a:prstClr>
+            </a:outerShdw>
+          </a:effectLst>
+        </p:spPr>
+        <p:style>
+          <a:lnRef idx="2">
+            <a:schemeClr val="accent1">
+              <a:shade val="15000"/>
+            </a:schemeClr>
+          </a:lnRef>
+          <a:fillRef idx="1">
+            <a:schemeClr val="accent1"/>
+          </a:fillRef>
+          <a:effectRef idx="0">
+            <a:schemeClr val="accent1"/>
+          </a:effectRef>
+          <a:fontRef idx="minor">
+            <a:schemeClr val="lt1"/>
+          </a:fontRef>
+        </p:style>
+        <p:txBody>
+          <a:bodyPr rtlCol="0" anchor="ctr"/>
+          <a:lstStyle/>
+          <a:p>
+            <a:pPr algn="ctr"/>
+            <a:endParaRPr lang="en-GB"/>
+          </a:p>
+        </p:txBody>
+      </p:sp>
+      <p:sp>
+        <p:nvSpPr>
+          <p:cNvPr id="3" name="Titre 1">
+            <a:extLst>
+              <a:ext uri="{FF2B5EF4-FFF2-40B4-BE49-F238E27FC236}">
+                <a16:creationId xmlns:a16="http://schemas.microsoft.com/office/drawing/2014/main" id="{A4A5F139-AC29-758F-C615-C493F4D748AE}"/>
+              </a:ext>
+            </a:extLst>
+          </p:cNvPr>
+          <p:cNvSpPr txBox="1">
+            <a:spLocks/>
+          </p:cNvSpPr>
+          <p:nvPr/>
+        </p:nvSpPr>
+        <p:spPr>
+          <a:xfrm>
+            <a:off x="907225" y="583365"/>
+            <a:ext cx="8970548" cy="701426"/>
+          </a:xfrm>
+          <a:prstGeom prst="rect">
+            <a:avLst/>
+          </a:prstGeom>
+        </p:spPr>
+        <p:txBody>
+          <a:bodyPr>
+            <a:normAutofit/>
+          </a:bodyPr>
+          <a:lstStyle>
+            <a:lvl1pPr algn="l" defTabSz="914400" rtl="0" eaLnBrk="1" latinLnBrk="0" hangingPunct="1">
+              <a:lnSpc>
+                <a:spcPct val="90000"/>
+              </a:lnSpc>
+              <a:spcBef>
+                <a:spcPct val="0"/>
+              </a:spcBef>
+              <a:buNone/>
+              <a:defRPr sz="4400" kern="1200">
+                <a:solidFill>
+                  <a:schemeClr val="tx1"/>
+                </a:solidFill>
+                <a:latin typeface="+mj-lt"/>
+                <a:ea typeface="+mj-ea"/>
+                <a:cs typeface="+mj-cs"/>
+              </a:defRPr>
+            </a:lvl1pPr>
+          </a:lstStyle>
+          <a:p>
+            <a:r>
+              <a:rPr lang="en-GB" sz="4000" dirty="0"/>
+              <a:t>GUI Structure – Main Window / classes</a:t>
+            </a:r>
+          </a:p>
+        </p:txBody>
+      </p:sp>
+      <p:sp>
+        <p:nvSpPr>
+          <p:cNvPr id="4" name="Rectangle 3">
+            <a:extLst>
+              <a:ext uri="{FF2B5EF4-FFF2-40B4-BE49-F238E27FC236}">
+                <a16:creationId xmlns:a16="http://schemas.microsoft.com/office/drawing/2014/main" id="{F5D0D397-33AA-9E12-A9CA-D84D64F8BF5A}"/>
+              </a:ext>
+            </a:extLst>
+          </p:cNvPr>
+          <p:cNvSpPr/>
+          <p:nvPr/>
+        </p:nvSpPr>
+        <p:spPr>
+          <a:xfrm>
+            <a:off x="619125" y="500258"/>
+            <a:ext cx="124142" cy="749808"/>
+          </a:xfrm>
+          <a:prstGeom prst="rect">
+            <a:avLst/>
+          </a:prstGeom>
+          <a:solidFill>
+            <a:srgbClr val="002060"/>
+          </a:solidFill>
+          <a:ln>
+            <a:noFill/>
+          </a:ln>
+        </p:spPr>
+        <p:style>
+          <a:lnRef idx="2">
+            <a:schemeClr val="accent1">
+              <a:shade val="15000"/>
+            </a:schemeClr>
+          </a:lnRef>
+          <a:fillRef idx="1">
+            <a:schemeClr val="accent1"/>
+          </a:fillRef>
+          <a:effectRef idx="0">
+            <a:schemeClr val="accent1"/>
+          </a:effectRef>
+          <a:fontRef idx="minor">
+            <a:schemeClr val="lt1"/>
+          </a:fontRef>
+        </p:style>
+        <p:txBody>
+          <a:bodyPr rtlCol="0" anchor="ctr"/>
+          <a:lstStyle/>
+          <a:p>
+            <a:pPr algn="ctr"/>
+            <a:endParaRPr lang="en-GB"/>
+          </a:p>
+        </p:txBody>
+      </p:sp>
+      <p:pic>
+        <p:nvPicPr>
+          <p:cNvPr id="5" name="Image 4" descr="Une image contenant texte&#10;&#10;Description générée automatiquement">
+            <a:extLst>
+              <a:ext uri="{FF2B5EF4-FFF2-40B4-BE49-F238E27FC236}">
+                <a16:creationId xmlns:a16="http://schemas.microsoft.com/office/drawing/2014/main" id="{49942C35-4594-19BD-6B47-52CFC3C32CF4}"/>
+              </a:ext>
+            </a:extLst>
+          </p:cNvPr>
+          <p:cNvPicPr>
+            <a:picLocks noChangeAspect="1"/>
+          </p:cNvPicPr>
+          <p:nvPr/>
+        </p:nvPicPr>
+        <p:blipFill>
+          <a:blip r:embed="rId3" cstate="print">
+            <a:extLst>
+              <a:ext uri="{28A0092B-C50C-407E-A947-70E740481C1C}">
+                <a14:useLocalDpi xmlns:a14="http://schemas.microsoft.com/office/drawing/2010/main" val="0"/>
+              </a:ext>
+            </a:extLst>
+          </a:blip>
+          <a:stretch>
+            <a:fillRect/>
+          </a:stretch>
+        </p:blipFill>
+        <p:spPr>
+          <a:xfrm>
+            <a:off x="9808481" y="509288"/>
+            <a:ext cx="1825291" cy="749808"/>
+          </a:xfrm>
+          <a:prstGeom prst="rect">
+            <a:avLst/>
+          </a:prstGeom>
+        </p:spPr>
+      </p:pic>
+      <p:sp>
+        <p:nvSpPr>
+          <p:cNvPr id="8" name="Rectangle 7">
+            <a:extLst>
+              <a:ext uri="{FF2B5EF4-FFF2-40B4-BE49-F238E27FC236}">
+                <a16:creationId xmlns:a16="http://schemas.microsoft.com/office/drawing/2014/main" id="{460E0AE5-5658-7DCD-7499-267A44C28FEF}"/>
+              </a:ext>
+            </a:extLst>
+          </p:cNvPr>
+          <p:cNvSpPr>
+            <a:spLocks noChangeAspect="1"/>
+          </p:cNvSpPr>
+          <p:nvPr/>
+        </p:nvSpPr>
+        <p:spPr>
+          <a:xfrm>
+            <a:off x="3107700" y="1897572"/>
+            <a:ext cx="5976600" cy="4377063"/>
+          </a:xfrm>
+          <a:prstGeom prst="rect">
+            <a:avLst/>
+          </a:prstGeom>
+          <a:solidFill>
+            <a:schemeClr val="bg1">
+              <a:lumMod val="85000"/>
+            </a:schemeClr>
+          </a:solidFill>
+          <a:ln>
+            <a:solidFill>
+              <a:schemeClr val="tx1"/>
+            </a:solidFill>
+          </a:ln>
+        </p:spPr>
+        <p:style>
+          <a:lnRef idx="2">
+            <a:schemeClr val="accent1">
+              <a:shade val="15000"/>
+            </a:schemeClr>
+          </a:lnRef>
+          <a:fillRef idx="1">
+            <a:schemeClr val="accent1"/>
+          </a:fillRef>
+          <a:effectRef idx="0">
+            <a:schemeClr val="accent1"/>
+          </a:effectRef>
+          <a:fontRef idx="minor">
+            <a:schemeClr val="lt1"/>
+          </a:fontRef>
+        </p:style>
+        <p:txBody>
+          <a:bodyPr rtlCol="0" anchor="ctr"/>
+          <a:lstStyle/>
+          <a:p>
+            <a:pPr algn="ctr"/>
+            <a:endParaRPr lang="en-GB"/>
+          </a:p>
+        </p:txBody>
+      </p:sp>
+      <p:sp>
+        <p:nvSpPr>
+          <p:cNvPr id="9" name="Rectangle 8">
+            <a:extLst>
+              <a:ext uri="{FF2B5EF4-FFF2-40B4-BE49-F238E27FC236}">
+                <a16:creationId xmlns:a16="http://schemas.microsoft.com/office/drawing/2014/main" id="{5E736380-219B-4C44-B0FC-929C7FA2220D}"/>
+              </a:ext>
+            </a:extLst>
+          </p:cNvPr>
+          <p:cNvSpPr/>
+          <p:nvPr/>
+        </p:nvSpPr>
+        <p:spPr>
+          <a:xfrm>
+            <a:off x="3232677" y="2439531"/>
+            <a:ext cx="1006415" cy="3709807"/>
+          </a:xfrm>
+          <a:prstGeom prst="rect">
+            <a:avLst/>
+          </a:prstGeom>
+          <a:solidFill>
+            <a:schemeClr val="accent1">
+              <a:lumMod val="75000"/>
+            </a:schemeClr>
+          </a:solidFill>
+        </p:spPr>
+        <p:style>
+          <a:lnRef idx="2">
+            <a:schemeClr val="accent1">
+              <a:shade val="15000"/>
+            </a:schemeClr>
+          </a:lnRef>
+          <a:fillRef idx="1">
+            <a:schemeClr val="accent1"/>
+          </a:fillRef>
+          <a:effectRef idx="0">
+            <a:schemeClr val="accent1"/>
+          </a:effectRef>
+          <a:fontRef idx="minor">
+            <a:schemeClr val="lt1"/>
+          </a:fontRef>
+        </p:style>
+        <p:txBody>
+          <a:bodyPr rtlCol="0" anchor="ctr"/>
+          <a:lstStyle/>
+          <a:p>
+            <a:pPr algn="ctr"/>
+            <a:endParaRPr lang="en-GB"/>
+          </a:p>
+        </p:txBody>
+      </p:sp>
+      <p:pic>
+        <p:nvPicPr>
+          <p:cNvPr id="10" name="Image 9" descr="Une image contenant texte&#10;&#10;Description générée automatiquement">
+            <a:extLst>
+              <a:ext uri="{FF2B5EF4-FFF2-40B4-BE49-F238E27FC236}">
+                <a16:creationId xmlns:a16="http://schemas.microsoft.com/office/drawing/2014/main" id="{68B053F6-7A83-C788-FD81-B34F9816FB81}"/>
+              </a:ext>
+            </a:extLst>
+          </p:cNvPr>
+          <p:cNvPicPr>
+            <a:picLocks noChangeAspect="1"/>
+          </p:cNvPicPr>
+          <p:nvPr/>
+        </p:nvPicPr>
+        <p:blipFill>
+          <a:blip r:embed="rId3" cstate="print">
+            <a:extLst>
+              <a:ext uri="{28A0092B-C50C-407E-A947-70E740481C1C}">
+                <a14:useLocalDpi xmlns:a14="http://schemas.microsoft.com/office/drawing/2010/main" val="0"/>
+              </a:ext>
+            </a:extLst>
+          </a:blip>
+          <a:stretch>
+            <a:fillRect/>
+          </a:stretch>
+        </p:blipFill>
+        <p:spPr>
+          <a:xfrm>
+            <a:off x="7964337" y="1959646"/>
+            <a:ext cx="1017093" cy="417810"/>
+          </a:xfrm>
+          <a:prstGeom prst="rect">
+            <a:avLst/>
+          </a:prstGeom>
+        </p:spPr>
+      </p:pic>
+      <p:sp>
+        <p:nvSpPr>
+          <p:cNvPr id="11" name="ZoneTexte 10">
+            <a:extLst>
+              <a:ext uri="{FF2B5EF4-FFF2-40B4-BE49-F238E27FC236}">
+                <a16:creationId xmlns:a16="http://schemas.microsoft.com/office/drawing/2014/main" id="{B4ADC043-5392-B0D0-EB9D-96916CBA7A6E}"/>
+              </a:ext>
+            </a:extLst>
+          </p:cNvPr>
+          <p:cNvSpPr txBox="1"/>
+          <p:nvPr/>
+        </p:nvSpPr>
+        <p:spPr>
+          <a:xfrm>
+            <a:off x="3232678" y="1986028"/>
+            <a:ext cx="4316136" cy="369332"/>
+          </a:xfrm>
+          <a:prstGeom prst="rect">
+            <a:avLst/>
+          </a:prstGeom>
+          <a:solidFill>
+            <a:schemeClr val="bg1">
+              <a:lumMod val="75000"/>
+            </a:schemeClr>
+          </a:solidFill>
+        </p:spPr>
+        <p:txBody>
+          <a:bodyPr wrap="square" rtlCol="0">
+            <a:spAutoFit/>
+          </a:bodyPr>
+          <a:lstStyle/>
+          <a:p>
+            <a:r>
+              <a:rPr lang="en-GB"/>
+              <a:t>Zygo Labwork</a:t>
+            </a:r>
+          </a:p>
+        </p:txBody>
+      </p:sp>
+      <p:sp>
+        <p:nvSpPr>
+          <p:cNvPr id="12" name="Rectangle 11">
+            <a:extLst>
+              <a:ext uri="{FF2B5EF4-FFF2-40B4-BE49-F238E27FC236}">
+                <a16:creationId xmlns:a16="http://schemas.microsoft.com/office/drawing/2014/main" id="{A4BDAFBB-5CC0-9E89-BE7A-AA38E3057AB4}"/>
+              </a:ext>
+            </a:extLst>
+          </p:cNvPr>
+          <p:cNvSpPr/>
+          <p:nvPr/>
+        </p:nvSpPr>
+        <p:spPr>
+          <a:xfrm>
+            <a:off x="4353210" y="2439531"/>
+            <a:ext cx="4605359" cy="3709807"/>
+          </a:xfrm>
+          <a:prstGeom prst="rect">
+            <a:avLst/>
+          </a:prstGeom>
+          <a:solidFill>
+            <a:schemeClr val="accent1">
+              <a:lumMod val="75000"/>
+            </a:schemeClr>
+          </a:solidFill>
+        </p:spPr>
+        <p:style>
+          <a:lnRef idx="2">
+            <a:schemeClr val="accent1">
+              <a:shade val="15000"/>
+            </a:schemeClr>
+          </a:lnRef>
+          <a:fillRef idx="1">
+            <a:schemeClr val="accent1"/>
+          </a:fillRef>
+          <a:effectRef idx="0">
+            <a:schemeClr val="accent1"/>
+          </a:effectRef>
+          <a:fontRef idx="minor">
+            <a:schemeClr val="lt1"/>
+          </a:fontRef>
+        </p:style>
+        <p:txBody>
+          <a:bodyPr rtlCol="0" anchor="ctr"/>
+          <a:lstStyle/>
+          <a:p>
+            <a:pPr algn="ctr"/>
+            <a:endParaRPr lang="en-GB"/>
+          </a:p>
+        </p:txBody>
+      </p:sp>
+      <p:sp>
+        <p:nvSpPr>
+          <p:cNvPr id="27" name="Rectangle 26">
+            <a:extLst>
+              <a:ext uri="{FF2B5EF4-FFF2-40B4-BE49-F238E27FC236}">
+                <a16:creationId xmlns:a16="http://schemas.microsoft.com/office/drawing/2014/main" id="{6A1B3D5E-5DB5-F2EE-CF52-5BD3A33BDBFA}"/>
+              </a:ext>
+            </a:extLst>
+          </p:cNvPr>
+          <p:cNvSpPr/>
+          <p:nvPr/>
+        </p:nvSpPr>
+        <p:spPr>
+          <a:xfrm>
+            <a:off x="4422437" y="4320054"/>
+            <a:ext cx="4522067" cy="1752164"/>
+          </a:xfrm>
+          <a:prstGeom prst="rect">
+            <a:avLst/>
+          </a:prstGeom>
+          <a:solidFill>
+            <a:schemeClr val="accent1">
+              <a:lumMod val="50000"/>
+            </a:schemeClr>
+          </a:solidFill>
+        </p:spPr>
+        <p:style>
+          <a:lnRef idx="2">
+            <a:schemeClr val="accent1">
+              <a:shade val="15000"/>
+            </a:schemeClr>
+          </a:lnRef>
+          <a:fillRef idx="1">
+            <a:schemeClr val="accent1"/>
+          </a:fillRef>
+          <a:effectRef idx="0">
+            <a:schemeClr val="accent1"/>
+          </a:effectRef>
+          <a:fontRef idx="minor">
+            <a:schemeClr val="lt1"/>
+          </a:fontRef>
+        </p:style>
+        <p:txBody>
+          <a:bodyPr rtlCol="0" anchor="ctr"/>
+          <a:lstStyle/>
+          <a:p>
+            <a:pPr algn="ctr"/>
+            <a:endParaRPr lang="en-GB" dirty="0"/>
+          </a:p>
+        </p:txBody>
+      </p:sp>
+      <p:sp>
+        <p:nvSpPr>
+          <p:cNvPr id="18" name="Rectangle 17">
+            <a:extLst>
+              <a:ext uri="{FF2B5EF4-FFF2-40B4-BE49-F238E27FC236}">
+                <a16:creationId xmlns:a16="http://schemas.microsoft.com/office/drawing/2014/main" id="{4759C709-D346-785A-6163-73564A95113E}"/>
+              </a:ext>
+            </a:extLst>
+          </p:cNvPr>
+          <p:cNvSpPr/>
+          <p:nvPr/>
+        </p:nvSpPr>
+        <p:spPr>
+          <a:xfrm>
+            <a:off x="4494179" y="4383040"/>
+            <a:ext cx="2101174" cy="1614791"/>
+          </a:xfrm>
+          <a:prstGeom prst="rect">
+            <a:avLst/>
+          </a:prstGeom>
+          <a:solidFill>
+            <a:schemeClr val="accent1">
+              <a:lumMod val="75000"/>
+            </a:schemeClr>
+          </a:solidFill>
+        </p:spPr>
+        <p:style>
+          <a:lnRef idx="2">
+            <a:schemeClr val="accent1">
+              <a:shade val="15000"/>
+            </a:schemeClr>
+          </a:lnRef>
+          <a:fillRef idx="1">
+            <a:schemeClr val="accent1"/>
+          </a:fillRef>
+          <a:effectRef idx="0">
+            <a:schemeClr val="accent1"/>
+          </a:effectRef>
+          <a:fontRef idx="minor">
+            <a:schemeClr val="lt1"/>
+          </a:fontRef>
+        </p:style>
+        <p:txBody>
+          <a:bodyPr rtlCol="0" anchor="ctr"/>
+          <a:lstStyle/>
+          <a:p>
+            <a:pPr algn="ctr"/>
+            <a:r>
+              <a:rPr lang="en-GB" dirty="0"/>
+              <a:t>Menu Options</a:t>
+            </a:r>
+          </a:p>
+          <a:p>
+            <a:pPr algn="ctr"/>
+            <a:r>
+              <a:rPr lang="en-GB" dirty="0"/>
+              <a:t>or </a:t>
+            </a:r>
+          </a:p>
+          <a:p>
+            <a:pPr algn="ctr"/>
+            <a:r>
+              <a:rPr lang="en-GB" dirty="0"/>
+              <a:t>Results</a:t>
+            </a:r>
+          </a:p>
+        </p:txBody>
+      </p:sp>
+      <p:sp>
+        <p:nvSpPr>
+          <p:cNvPr id="19" name="Rectangle 18">
+            <a:extLst>
+              <a:ext uri="{FF2B5EF4-FFF2-40B4-BE49-F238E27FC236}">
+                <a16:creationId xmlns:a16="http://schemas.microsoft.com/office/drawing/2014/main" id="{9720BA6B-A063-7087-97A3-299949DE5261}"/>
+              </a:ext>
+            </a:extLst>
+          </p:cNvPr>
+          <p:cNvSpPr/>
+          <p:nvPr/>
+        </p:nvSpPr>
+        <p:spPr>
+          <a:xfrm>
+            <a:off x="6736322" y="4383039"/>
+            <a:ext cx="2101174" cy="1614791"/>
+          </a:xfrm>
+          <a:prstGeom prst="rect">
+            <a:avLst/>
+          </a:prstGeom>
+          <a:solidFill>
+            <a:schemeClr val="accent1">
+              <a:lumMod val="75000"/>
+            </a:schemeClr>
+          </a:solidFill>
+        </p:spPr>
+        <p:style>
+          <a:lnRef idx="2">
+            <a:schemeClr val="accent1">
+              <a:shade val="15000"/>
+            </a:schemeClr>
+          </a:lnRef>
+          <a:fillRef idx="1">
+            <a:schemeClr val="accent1"/>
+          </a:fillRef>
+          <a:effectRef idx="0">
+            <a:schemeClr val="accent1"/>
+          </a:effectRef>
+          <a:fontRef idx="minor">
+            <a:schemeClr val="lt1"/>
+          </a:fontRef>
+        </p:style>
+        <p:txBody>
+          <a:bodyPr rtlCol="0" anchor="ctr"/>
+          <a:lstStyle/>
+          <a:p>
+            <a:pPr algn="ctr"/>
+            <a:r>
+              <a:rPr lang="en-GB" dirty="0" err="1"/>
+              <a:t>SubMenu</a:t>
+            </a:r>
+            <a:r>
+              <a:rPr lang="en-GB" dirty="0"/>
+              <a:t> Options</a:t>
+            </a:r>
+          </a:p>
+          <a:p>
+            <a:pPr algn="ctr"/>
+            <a:r>
+              <a:rPr lang="en-GB" dirty="0"/>
+              <a:t>or </a:t>
+            </a:r>
+          </a:p>
+          <a:p>
+            <a:pPr algn="ctr"/>
+            <a:r>
+              <a:rPr lang="en-GB" dirty="0"/>
+              <a:t>Results</a:t>
+            </a:r>
+          </a:p>
+        </p:txBody>
+      </p:sp>
+      <p:sp>
+        <p:nvSpPr>
+          <p:cNvPr id="20" name="Rectangle 19">
+            <a:extLst>
+              <a:ext uri="{FF2B5EF4-FFF2-40B4-BE49-F238E27FC236}">
+                <a16:creationId xmlns:a16="http://schemas.microsoft.com/office/drawing/2014/main" id="{E373C534-C8DD-F79C-F7EB-EFBC5C6A8EAB}"/>
+              </a:ext>
+            </a:extLst>
+          </p:cNvPr>
+          <p:cNvSpPr/>
+          <p:nvPr/>
+        </p:nvSpPr>
+        <p:spPr>
+          <a:xfrm>
+            <a:off x="3332186" y="2772150"/>
+            <a:ext cx="807396" cy="369884"/>
+          </a:xfrm>
+          <a:prstGeom prst="rect">
+            <a:avLst/>
+          </a:prstGeom>
+        </p:spPr>
+        <p:style>
+          <a:lnRef idx="2">
+            <a:schemeClr val="accent1">
+              <a:shade val="15000"/>
+            </a:schemeClr>
+          </a:lnRef>
+          <a:fillRef idx="1">
+            <a:schemeClr val="accent1"/>
+          </a:fillRef>
+          <a:effectRef idx="0">
+            <a:schemeClr val="accent1"/>
+          </a:effectRef>
+          <a:fontRef idx="minor">
+            <a:schemeClr val="lt1"/>
+          </a:fontRef>
+        </p:style>
+        <p:txBody>
+          <a:bodyPr rtlCol="0" anchor="ctr"/>
+          <a:lstStyle/>
+          <a:p>
+            <a:pPr algn="ctr"/>
+            <a:r>
+              <a:rPr lang="en-GB" sz="900" dirty="0"/>
+              <a:t>Camera Settings</a:t>
+            </a:r>
+          </a:p>
+        </p:txBody>
+      </p:sp>
+      <p:sp>
+        <p:nvSpPr>
+          <p:cNvPr id="21" name="ZoneTexte 20">
+            <a:extLst>
+              <a:ext uri="{FF2B5EF4-FFF2-40B4-BE49-F238E27FC236}">
+                <a16:creationId xmlns:a16="http://schemas.microsoft.com/office/drawing/2014/main" id="{E7100B7E-599C-2024-B941-06357F4DA65B}"/>
+              </a:ext>
+            </a:extLst>
+          </p:cNvPr>
+          <p:cNvSpPr txBox="1"/>
+          <p:nvPr/>
+        </p:nvSpPr>
+        <p:spPr>
+          <a:xfrm>
+            <a:off x="3232677" y="2470169"/>
+            <a:ext cx="1006415" cy="261610"/>
+          </a:xfrm>
+          <a:prstGeom prst="rect">
+            <a:avLst/>
+          </a:prstGeom>
+          <a:noFill/>
+        </p:spPr>
+        <p:txBody>
+          <a:bodyPr wrap="square" rtlCol="0">
+            <a:spAutoFit/>
+          </a:bodyPr>
+          <a:lstStyle/>
+          <a:p>
+            <a:pPr algn="ctr"/>
+            <a:r>
+              <a:rPr lang="en-GB" sz="1100">
+                <a:solidFill>
+                  <a:schemeClr val="bg1"/>
+                </a:solidFill>
+              </a:rPr>
+              <a:t>Menu</a:t>
+            </a:r>
+          </a:p>
+        </p:txBody>
+      </p:sp>
+      <p:sp>
+        <p:nvSpPr>
+          <p:cNvPr id="22" name="Rectangle 21">
+            <a:extLst>
+              <a:ext uri="{FF2B5EF4-FFF2-40B4-BE49-F238E27FC236}">
+                <a16:creationId xmlns:a16="http://schemas.microsoft.com/office/drawing/2014/main" id="{3AD85595-2BF2-FF3A-A10B-4FF6A450F797}"/>
+              </a:ext>
+            </a:extLst>
+          </p:cNvPr>
+          <p:cNvSpPr/>
+          <p:nvPr/>
+        </p:nvSpPr>
+        <p:spPr>
+          <a:xfrm>
+            <a:off x="3332186" y="3266639"/>
+            <a:ext cx="807396" cy="369884"/>
+          </a:xfrm>
+          <a:prstGeom prst="rect">
+            <a:avLst/>
+          </a:prstGeom>
+        </p:spPr>
+        <p:style>
+          <a:lnRef idx="2">
+            <a:schemeClr val="accent1">
+              <a:shade val="15000"/>
+            </a:schemeClr>
+          </a:lnRef>
+          <a:fillRef idx="1">
+            <a:schemeClr val="accent1"/>
+          </a:fillRef>
+          <a:effectRef idx="0">
+            <a:schemeClr val="accent1"/>
+          </a:effectRef>
+          <a:fontRef idx="minor">
+            <a:schemeClr val="lt1"/>
+          </a:fontRef>
+        </p:style>
+        <p:txBody>
+          <a:bodyPr rtlCol="0" anchor="ctr"/>
+          <a:lstStyle/>
+          <a:p>
+            <a:pPr algn="ctr"/>
+            <a:r>
+              <a:rPr lang="en-GB" sz="900"/>
+              <a:t>Masks</a:t>
+            </a:r>
+          </a:p>
+        </p:txBody>
+      </p:sp>
+      <p:sp>
+        <p:nvSpPr>
+          <p:cNvPr id="23" name="ZoneTexte 22">
+            <a:extLst>
+              <a:ext uri="{FF2B5EF4-FFF2-40B4-BE49-F238E27FC236}">
+                <a16:creationId xmlns:a16="http://schemas.microsoft.com/office/drawing/2014/main" id="{61D74ADE-B32A-830F-4CEC-7FCB75F8AA0F}"/>
+              </a:ext>
+            </a:extLst>
+          </p:cNvPr>
+          <p:cNvSpPr txBox="1"/>
+          <p:nvPr/>
+        </p:nvSpPr>
+        <p:spPr>
+          <a:xfrm>
+            <a:off x="7548814" y="2019706"/>
+            <a:ext cx="415523" cy="369332"/>
+          </a:xfrm>
+          <a:prstGeom prst="rect">
+            <a:avLst/>
+          </a:prstGeom>
+          <a:noFill/>
+        </p:spPr>
+        <p:txBody>
+          <a:bodyPr wrap="square" rtlCol="0">
+            <a:spAutoFit/>
+          </a:bodyPr>
+          <a:lstStyle/>
+          <a:p>
+            <a:r>
+              <a:rPr lang="en-GB" dirty="0"/>
+              <a:t>🇬🇧</a:t>
+            </a:r>
+          </a:p>
+        </p:txBody>
+      </p:sp>
+      <p:sp>
+        <p:nvSpPr>
+          <p:cNvPr id="24" name="Rectangle 23">
+            <a:extLst>
+              <a:ext uri="{FF2B5EF4-FFF2-40B4-BE49-F238E27FC236}">
+                <a16:creationId xmlns:a16="http://schemas.microsoft.com/office/drawing/2014/main" id="{108624DB-69A5-6C8A-8EAF-56EEC079C717}"/>
+              </a:ext>
+            </a:extLst>
+          </p:cNvPr>
+          <p:cNvSpPr/>
+          <p:nvPr/>
+        </p:nvSpPr>
+        <p:spPr>
+          <a:xfrm>
+            <a:off x="3332186" y="3761128"/>
+            <a:ext cx="807396" cy="369884"/>
+          </a:xfrm>
+          <a:prstGeom prst="rect">
+            <a:avLst/>
+          </a:prstGeom>
+        </p:spPr>
+        <p:style>
+          <a:lnRef idx="2">
+            <a:schemeClr val="accent1">
+              <a:shade val="15000"/>
+            </a:schemeClr>
+          </a:lnRef>
+          <a:fillRef idx="1">
+            <a:schemeClr val="accent1"/>
+          </a:fillRef>
+          <a:effectRef idx="0">
+            <a:schemeClr val="accent1"/>
+          </a:effectRef>
+          <a:fontRef idx="minor">
+            <a:schemeClr val="lt1"/>
+          </a:fontRef>
+        </p:style>
+        <p:txBody>
+          <a:bodyPr rtlCol="0" anchor="ctr"/>
+          <a:lstStyle/>
+          <a:p>
+            <a:pPr algn="ctr"/>
+            <a:r>
+              <a:rPr lang="en-GB" sz="900"/>
+              <a:t>Acquisition</a:t>
+            </a:r>
+          </a:p>
+        </p:txBody>
+      </p:sp>
+      <p:sp>
+        <p:nvSpPr>
+          <p:cNvPr id="25" name="Rectangle 24">
+            <a:extLst>
+              <a:ext uri="{FF2B5EF4-FFF2-40B4-BE49-F238E27FC236}">
+                <a16:creationId xmlns:a16="http://schemas.microsoft.com/office/drawing/2014/main" id="{3FDD1BDD-38CE-838E-59D8-72B6E6562C51}"/>
+              </a:ext>
+            </a:extLst>
+          </p:cNvPr>
+          <p:cNvSpPr/>
+          <p:nvPr/>
+        </p:nvSpPr>
+        <p:spPr>
+          <a:xfrm>
+            <a:off x="3332186" y="4255616"/>
+            <a:ext cx="807396" cy="369884"/>
+          </a:xfrm>
+          <a:prstGeom prst="rect">
+            <a:avLst/>
+          </a:prstGeom>
+        </p:spPr>
+        <p:style>
+          <a:lnRef idx="2">
+            <a:schemeClr val="accent1">
+              <a:shade val="15000"/>
+            </a:schemeClr>
+          </a:lnRef>
+          <a:fillRef idx="1">
+            <a:schemeClr val="accent1"/>
+          </a:fillRef>
+          <a:effectRef idx="0">
+            <a:schemeClr val="accent1"/>
+          </a:effectRef>
+          <a:fontRef idx="minor">
+            <a:schemeClr val="lt1"/>
+          </a:fontRef>
+        </p:style>
+        <p:txBody>
+          <a:bodyPr rtlCol="0" anchor="ctr"/>
+          <a:lstStyle/>
+          <a:p>
+            <a:pPr algn="ctr"/>
+            <a:r>
+              <a:rPr lang="en-GB" sz="900" dirty="0" err="1"/>
+              <a:t>Analyzes</a:t>
+            </a:r>
+            <a:endParaRPr lang="en-GB" sz="900" dirty="0"/>
+          </a:p>
+        </p:txBody>
+      </p:sp>
+      <p:sp>
+        <p:nvSpPr>
+          <p:cNvPr id="26" name="Rectangle 25">
+            <a:extLst>
+              <a:ext uri="{FF2B5EF4-FFF2-40B4-BE49-F238E27FC236}">
+                <a16:creationId xmlns:a16="http://schemas.microsoft.com/office/drawing/2014/main" id="{CFCB9DBE-6247-71E3-E641-7441C394B66A}"/>
+              </a:ext>
+            </a:extLst>
+          </p:cNvPr>
+          <p:cNvSpPr/>
+          <p:nvPr/>
+        </p:nvSpPr>
+        <p:spPr>
+          <a:xfrm>
+            <a:off x="4422437" y="2503452"/>
+            <a:ext cx="4522067" cy="1752164"/>
+          </a:xfrm>
+          <a:prstGeom prst="rect">
+            <a:avLst/>
+          </a:prstGeom>
+          <a:solidFill>
+            <a:schemeClr val="accent1">
+              <a:lumMod val="50000"/>
+            </a:schemeClr>
+          </a:solidFill>
+        </p:spPr>
+        <p:style>
+          <a:lnRef idx="2">
+            <a:schemeClr val="accent1">
+              <a:shade val="15000"/>
+            </a:schemeClr>
+          </a:lnRef>
+          <a:fillRef idx="1">
+            <a:schemeClr val="accent1"/>
+          </a:fillRef>
+          <a:effectRef idx="0">
+            <a:schemeClr val="accent1"/>
+          </a:effectRef>
+          <a:fontRef idx="minor">
+            <a:schemeClr val="lt1"/>
+          </a:fontRef>
+        </p:style>
+        <p:txBody>
+          <a:bodyPr rtlCol="0" anchor="ctr"/>
+          <a:lstStyle/>
+          <a:p>
+            <a:pPr algn="ctr"/>
+            <a:endParaRPr lang="en-GB"/>
+          </a:p>
+        </p:txBody>
+      </p:sp>
+      <p:sp>
+        <p:nvSpPr>
+          <p:cNvPr id="16" name="Rectangle 15">
+            <a:extLst>
+              <a:ext uri="{FF2B5EF4-FFF2-40B4-BE49-F238E27FC236}">
+                <a16:creationId xmlns:a16="http://schemas.microsoft.com/office/drawing/2014/main" id="{741BC18A-9467-613C-664E-1FD7B0CE641A}"/>
+              </a:ext>
+            </a:extLst>
+          </p:cNvPr>
+          <p:cNvSpPr/>
+          <p:nvPr/>
+        </p:nvSpPr>
+        <p:spPr>
+          <a:xfrm>
+            <a:off x="4494179" y="2577830"/>
+            <a:ext cx="2101174" cy="1614791"/>
+          </a:xfrm>
+          <a:prstGeom prst="rect">
+            <a:avLst/>
+          </a:prstGeom>
+        </p:spPr>
+        <p:style>
+          <a:lnRef idx="2">
+            <a:schemeClr val="accent1">
+              <a:shade val="15000"/>
+            </a:schemeClr>
+          </a:lnRef>
+          <a:fillRef idx="1">
+            <a:schemeClr val="accent1"/>
+          </a:fillRef>
+          <a:effectRef idx="0">
+            <a:schemeClr val="accent1"/>
+          </a:effectRef>
+          <a:fontRef idx="minor">
+            <a:schemeClr val="lt1"/>
+          </a:fontRef>
+        </p:style>
+        <p:txBody>
+          <a:bodyPr rtlCol="0" anchor="ctr"/>
+          <a:lstStyle/>
+          <a:p>
+            <a:pPr algn="ctr"/>
+            <a:r>
+              <a:rPr lang="en-GB" dirty="0"/>
+              <a:t>Camera image</a:t>
+            </a:r>
+          </a:p>
+        </p:txBody>
+      </p:sp>
+      <p:sp>
+        <p:nvSpPr>
+          <p:cNvPr id="17" name="Rectangle 16">
+            <a:extLst>
+              <a:ext uri="{FF2B5EF4-FFF2-40B4-BE49-F238E27FC236}">
+                <a16:creationId xmlns:a16="http://schemas.microsoft.com/office/drawing/2014/main" id="{EDC2533B-822C-D311-96BF-A7B5C3778ED0}"/>
+              </a:ext>
+            </a:extLst>
+          </p:cNvPr>
+          <p:cNvSpPr/>
+          <p:nvPr/>
+        </p:nvSpPr>
+        <p:spPr>
+          <a:xfrm>
+            <a:off x="6736322" y="2577830"/>
+            <a:ext cx="2101174" cy="1614791"/>
+          </a:xfrm>
+          <a:prstGeom prst="rect">
+            <a:avLst/>
+          </a:prstGeom>
+        </p:spPr>
+        <p:style>
+          <a:lnRef idx="2">
+            <a:schemeClr val="accent1">
+              <a:shade val="15000"/>
+            </a:schemeClr>
+          </a:lnRef>
+          <a:fillRef idx="1">
+            <a:schemeClr val="accent1"/>
+          </a:fillRef>
+          <a:effectRef idx="0">
+            <a:schemeClr val="accent1"/>
+          </a:effectRef>
+          <a:fontRef idx="minor">
+            <a:schemeClr val="lt1"/>
+          </a:fontRef>
+        </p:style>
+        <p:txBody>
+          <a:bodyPr rtlCol="0" anchor="ctr"/>
+          <a:lstStyle/>
+          <a:p>
+            <a:pPr algn="ctr"/>
+            <a:r>
+              <a:rPr lang="en-GB"/>
+              <a:t>Results (3D, etc.)</a:t>
+            </a:r>
+          </a:p>
+        </p:txBody>
+      </p:sp>
+      <p:sp>
+        <p:nvSpPr>
+          <p:cNvPr id="28" name="Rectangle 27">
+            <a:extLst>
+              <a:ext uri="{FF2B5EF4-FFF2-40B4-BE49-F238E27FC236}">
+                <a16:creationId xmlns:a16="http://schemas.microsoft.com/office/drawing/2014/main" id="{5C734006-9E1A-E835-AE76-1775203D055C}"/>
+              </a:ext>
+            </a:extLst>
+          </p:cNvPr>
+          <p:cNvSpPr/>
+          <p:nvPr/>
+        </p:nvSpPr>
+        <p:spPr>
+          <a:xfrm>
+            <a:off x="3332186" y="5918661"/>
+            <a:ext cx="807396" cy="152085"/>
+          </a:xfrm>
+          <a:prstGeom prst="rect">
+            <a:avLst/>
+          </a:prstGeom>
+        </p:spPr>
+        <p:style>
+          <a:lnRef idx="2">
+            <a:schemeClr val="accent1">
+              <a:shade val="15000"/>
+            </a:schemeClr>
+          </a:lnRef>
+          <a:fillRef idx="1">
+            <a:schemeClr val="accent1"/>
+          </a:fillRef>
+          <a:effectRef idx="0">
+            <a:schemeClr val="accent1"/>
+          </a:effectRef>
+          <a:fontRef idx="minor">
+            <a:schemeClr val="lt1"/>
+          </a:fontRef>
+        </p:style>
+        <p:txBody>
+          <a:bodyPr rtlCol="0" anchor="ctr"/>
+          <a:lstStyle/>
+          <a:p>
+            <a:pPr algn="ctr"/>
+            <a:r>
+              <a:rPr lang="en-GB" sz="900" dirty="0"/>
+              <a:t>Options</a:t>
+            </a:r>
+          </a:p>
+        </p:txBody>
+      </p:sp>
+      <p:sp>
+        <p:nvSpPr>
+          <p:cNvPr id="14" name="Rectangle 13">
+            <a:extLst>
+              <a:ext uri="{FF2B5EF4-FFF2-40B4-BE49-F238E27FC236}">
+                <a16:creationId xmlns:a16="http://schemas.microsoft.com/office/drawing/2014/main" id="{A856B1ED-BFC6-8150-145F-39F579A13A24}"/>
+              </a:ext>
+            </a:extLst>
+          </p:cNvPr>
+          <p:cNvSpPr/>
+          <p:nvPr/>
+        </p:nvSpPr>
+        <p:spPr>
+          <a:xfrm>
+            <a:off x="3319513" y="5111826"/>
+            <a:ext cx="820069" cy="111266"/>
+          </a:xfrm>
+          <a:prstGeom prst="rect">
+            <a:avLst/>
+          </a:prstGeom>
+          <a:solidFill>
+            <a:srgbClr val="00B050"/>
+          </a:solidFill>
+          <a:ln>
+            <a:solidFill>
+              <a:schemeClr val="accent2">
+                <a:lumMod val="50000"/>
+              </a:schemeClr>
+            </a:solidFill>
+          </a:ln>
+        </p:spPr>
+        <p:style>
+          <a:lnRef idx="2">
+            <a:schemeClr val="accent1">
+              <a:shade val="15000"/>
+            </a:schemeClr>
+          </a:lnRef>
+          <a:fillRef idx="1">
+            <a:schemeClr val="accent1"/>
+          </a:fillRef>
+          <a:effectRef idx="0">
+            <a:schemeClr val="accent1"/>
+          </a:effectRef>
+          <a:fontRef idx="minor">
+            <a:schemeClr val="lt1"/>
+          </a:fontRef>
+        </p:style>
+        <p:txBody>
+          <a:bodyPr rtlCol="0" anchor="ctr"/>
+          <a:lstStyle/>
+          <a:p>
+            <a:pPr algn="ctr"/>
+            <a:r>
+              <a:rPr lang="en-GB" sz="600" dirty="0"/>
+              <a:t>Camera</a:t>
+            </a:r>
+          </a:p>
+        </p:txBody>
+      </p:sp>
+      <p:sp>
+        <p:nvSpPr>
+          <p:cNvPr id="29" name="Rectangle 28">
+            <a:extLst>
+              <a:ext uri="{FF2B5EF4-FFF2-40B4-BE49-F238E27FC236}">
+                <a16:creationId xmlns:a16="http://schemas.microsoft.com/office/drawing/2014/main" id="{7F98D288-0E18-48B6-BF6F-EAF81878AEB5}"/>
+              </a:ext>
+            </a:extLst>
+          </p:cNvPr>
+          <p:cNvSpPr/>
+          <p:nvPr/>
+        </p:nvSpPr>
+        <p:spPr>
+          <a:xfrm>
+            <a:off x="3319513" y="5265436"/>
+            <a:ext cx="820069" cy="111266"/>
+          </a:xfrm>
+          <a:prstGeom prst="rect">
+            <a:avLst/>
+          </a:prstGeom>
+          <a:solidFill>
+            <a:srgbClr val="FF0000"/>
+          </a:solidFill>
+          <a:ln>
+            <a:solidFill>
+              <a:schemeClr val="accent2">
+                <a:lumMod val="50000"/>
+              </a:schemeClr>
+            </a:solidFill>
+          </a:ln>
+        </p:spPr>
+        <p:style>
+          <a:lnRef idx="2">
+            <a:schemeClr val="accent1">
+              <a:shade val="15000"/>
+            </a:schemeClr>
+          </a:lnRef>
+          <a:fillRef idx="1">
+            <a:schemeClr val="accent1"/>
+          </a:fillRef>
+          <a:effectRef idx="0">
+            <a:schemeClr val="accent1"/>
+          </a:effectRef>
+          <a:fontRef idx="minor">
+            <a:schemeClr val="lt1"/>
+          </a:fontRef>
+        </p:style>
+        <p:txBody>
+          <a:bodyPr rtlCol="0" anchor="ctr"/>
+          <a:lstStyle/>
+          <a:p>
+            <a:pPr algn="ctr"/>
+            <a:r>
+              <a:rPr lang="en-GB" sz="600" dirty="0"/>
+              <a:t>Piezo</a:t>
+            </a:r>
+          </a:p>
+        </p:txBody>
+      </p:sp>
+      <p:sp>
+        <p:nvSpPr>
+          <p:cNvPr id="6" name="ZoneTexte 5">
+            <a:extLst>
+              <a:ext uri="{FF2B5EF4-FFF2-40B4-BE49-F238E27FC236}">
+                <a16:creationId xmlns:a16="http://schemas.microsoft.com/office/drawing/2014/main" id="{26AD65E5-717F-0138-5C95-82CA99117E82}"/>
+              </a:ext>
+            </a:extLst>
+          </p:cNvPr>
+          <p:cNvSpPr txBox="1"/>
+          <p:nvPr/>
+        </p:nvSpPr>
+        <p:spPr>
+          <a:xfrm>
+            <a:off x="3049668" y="1547991"/>
+            <a:ext cx="1196033" cy="307777"/>
+          </a:xfrm>
+          <a:prstGeom prst="rect">
+            <a:avLst/>
+          </a:prstGeom>
+          <a:noFill/>
+        </p:spPr>
+        <p:txBody>
+          <a:bodyPr wrap="none" rtlCol="0">
+            <a:spAutoFit/>
+          </a:bodyPr>
+          <a:lstStyle/>
+          <a:p>
+            <a:r>
+              <a:rPr lang="fr-FR" sz="1400" dirty="0" err="1"/>
+              <a:t>MainWindow</a:t>
+            </a:r>
+            <a:endParaRPr lang="fr-FR" sz="1400" dirty="0"/>
+          </a:p>
+        </p:txBody>
+      </p:sp>
+      <p:sp>
+        <p:nvSpPr>
+          <p:cNvPr id="7" name="ZoneTexte 6">
+            <a:extLst>
+              <a:ext uri="{FF2B5EF4-FFF2-40B4-BE49-F238E27FC236}">
+                <a16:creationId xmlns:a16="http://schemas.microsoft.com/office/drawing/2014/main" id="{1F63A6CC-C15B-CE78-BE27-55D24F86D8BD}"/>
+              </a:ext>
+            </a:extLst>
+          </p:cNvPr>
+          <p:cNvSpPr txBox="1"/>
+          <p:nvPr/>
+        </p:nvSpPr>
+        <p:spPr>
+          <a:xfrm>
+            <a:off x="1703905" y="1994819"/>
+            <a:ext cx="1055354" cy="307777"/>
+          </a:xfrm>
+          <a:prstGeom prst="rect">
+            <a:avLst/>
+          </a:prstGeom>
+          <a:noFill/>
+        </p:spPr>
+        <p:txBody>
+          <a:bodyPr wrap="none" rtlCol="0">
+            <a:spAutoFit/>
+          </a:bodyPr>
+          <a:lstStyle/>
+          <a:p>
+            <a:r>
+              <a:rPr lang="fr-FR" sz="1400" dirty="0" err="1"/>
+              <a:t>TitleWidget</a:t>
+            </a:r>
+            <a:endParaRPr lang="fr-FR" sz="1400" dirty="0"/>
+          </a:p>
+        </p:txBody>
+      </p:sp>
+      <p:sp>
+        <p:nvSpPr>
+          <p:cNvPr id="13" name="ZoneTexte 12">
+            <a:extLst>
+              <a:ext uri="{FF2B5EF4-FFF2-40B4-BE49-F238E27FC236}">
+                <a16:creationId xmlns:a16="http://schemas.microsoft.com/office/drawing/2014/main" id="{4B8C44F6-6926-DA62-13AB-AFA87D132C97}"/>
+              </a:ext>
+            </a:extLst>
+          </p:cNvPr>
+          <p:cNvSpPr txBox="1"/>
+          <p:nvPr/>
+        </p:nvSpPr>
+        <p:spPr>
+          <a:xfrm>
+            <a:off x="1713284" y="2577830"/>
+            <a:ext cx="1162754" cy="307777"/>
+          </a:xfrm>
+          <a:prstGeom prst="rect">
+            <a:avLst/>
+          </a:prstGeom>
+          <a:noFill/>
+        </p:spPr>
+        <p:txBody>
+          <a:bodyPr wrap="none" rtlCol="0">
+            <a:spAutoFit/>
+          </a:bodyPr>
+          <a:lstStyle/>
+          <a:p>
+            <a:r>
+              <a:rPr lang="fr-FR" sz="1400" dirty="0" err="1"/>
+              <a:t>MenuWidget</a:t>
+            </a:r>
+            <a:endParaRPr lang="fr-FR" sz="1400" dirty="0"/>
+          </a:p>
+        </p:txBody>
+      </p:sp>
+      <p:sp>
+        <p:nvSpPr>
+          <p:cNvPr id="32" name="ZoneTexte 31">
+            <a:extLst>
+              <a:ext uri="{FF2B5EF4-FFF2-40B4-BE49-F238E27FC236}">
+                <a16:creationId xmlns:a16="http://schemas.microsoft.com/office/drawing/2014/main" id="{B6FC1CF7-12B9-6F42-22D0-48E64812570B}"/>
+              </a:ext>
+            </a:extLst>
+          </p:cNvPr>
+          <p:cNvSpPr txBox="1"/>
+          <p:nvPr/>
+        </p:nvSpPr>
+        <p:spPr>
+          <a:xfrm>
+            <a:off x="4480114" y="2577829"/>
+            <a:ext cx="1346587" cy="307777"/>
+          </a:xfrm>
+          <a:prstGeom prst="rect">
+            <a:avLst/>
+          </a:prstGeom>
+          <a:noFill/>
+        </p:spPr>
+        <p:txBody>
+          <a:bodyPr wrap="none" rtlCol="0">
+            <a:spAutoFit/>
+          </a:bodyPr>
+          <a:lstStyle/>
+          <a:p>
+            <a:r>
+              <a:rPr lang="fr-FR" sz="1400" dirty="0" err="1"/>
+              <a:t>CameraWidget</a:t>
+            </a:r>
+            <a:endParaRPr lang="fr-FR" sz="1400" dirty="0"/>
+          </a:p>
+        </p:txBody>
+      </p:sp>
+      <p:sp>
+        <p:nvSpPr>
+          <p:cNvPr id="33" name="ZoneTexte 32">
+            <a:extLst>
+              <a:ext uri="{FF2B5EF4-FFF2-40B4-BE49-F238E27FC236}">
+                <a16:creationId xmlns:a16="http://schemas.microsoft.com/office/drawing/2014/main" id="{30C4B5FF-DD86-6AB9-EF19-3FF5C6335059}"/>
+              </a:ext>
+            </a:extLst>
+          </p:cNvPr>
+          <p:cNvSpPr txBox="1"/>
+          <p:nvPr/>
+        </p:nvSpPr>
+        <p:spPr>
+          <a:xfrm>
+            <a:off x="6824648" y="2602493"/>
+            <a:ext cx="1307922" cy="307777"/>
+          </a:xfrm>
+          <a:prstGeom prst="rect">
+            <a:avLst/>
+          </a:prstGeom>
+          <a:noFill/>
+        </p:spPr>
+        <p:txBody>
+          <a:bodyPr wrap="none" rtlCol="0">
+            <a:spAutoFit/>
+          </a:bodyPr>
+          <a:lstStyle/>
+          <a:p>
+            <a:r>
+              <a:rPr lang="fr-FR" sz="1400" dirty="0" err="1"/>
+              <a:t>ResultsWidget</a:t>
+            </a:r>
+            <a:endParaRPr lang="fr-FR" sz="1400" dirty="0"/>
+          </a:p>
+        </p:txBody>
+      </p:sp>
+      <p:sp>
+        <p:nvSpPr>
+          <p:cNvPr id="34" name="ZoneTexte 33">
+            <a:extLst>
+              <a:ext uri="{FF2B5EF4-FFF2-40B4-BE49-F238E27FC236}">
+                <a16:creationId xmlns:a16="http://schemas.microsoft.com/office/drawing/2014/main" id="{5C28DCFD-54D3-BE8C-0005-DF673FCF8FB3}"/>
+              </a:ext>
+            </a:extLst>
+          </p:cNvPr>
+          <p:cNvSpPr txBox="1"/>
+          <p:nvPr/>
+        </p:nvSpPr>
+        <p:spPr>
+          <a:xfrm>
+            <a:off x="4455255" y="4408335"/>
+            <a:ext cx="1781513" cy="307777"/>
+          </a:xfrm>
+          <a:prstGeom prst="rect">
+            <a:avLst/>
+          </a:prstGeom>
+          <a:noFill/>
+        </p:spPr>
+        <p:txBody>
+          <a:bodyPr wrap="none" rtlCol="0">
+            <a:spAutoFit/>
+          </a:bodyPr>
+          <a:lstStyle/>
+          <a:p>
+            <a:r>
+              <a:rPr lang="fr-FR" sz="1400" dirty="0" err="1"/>
+              <a:t>MenuOptionsWidget</a:t>
+            </a:r>
+            <a:endParaRPr lang="fr-FR" sz="1400" dirty="0"/>
+          </a:p>
+        </p:txBody>
+      </p:sp>
+      <p:sp>
+        <p:nvSpPr>
+          <p:cNvPr id="35" name="ZoneTexte 34">
+            <a:extLst>
+              <a:ext uri="{FF2B5EF4-FFF2-40B4-BE49-F238E27FC236}">
+                <a16:creationId xmlns:a16="http://schemas.microsoft.com/office/drawing/2014/main" id="{E7A34E21-408E-B77A-5711-6E2F38628F85}"/>
+              </a:ext>
+            </a:extLst>
+          </p:cNvPr>
+          <p:cNvSpPr txBox="1"/>
+          <p:nvPr/>
+        </p:nvSpPr>
+        <p:spPr>
+          <a:xfrm>
+            <a:off x="6743186" y="4408334"/>
+            <a:ext cx="2084481" cy="307777"/>
+          </a:xfrm>
+          <a:prstGeom prst="rect">
+            <a:avLst/>
+          </a:prstGeom>
+          <a:noFill/>
+        </p:spPr>
+        <p:txBody>
+          <a:bodyPr wrap="none" rtlCol="0">
+            <a:spAutoFit/>
+          </a:bodyPr>
+          <a:lstStyle/>
+          <a:p>
+            <a:r>
+              <a:rPr lang="fr-FR" sz="1400" dirty="0" err="1"/>
+              <a:t>SubMenuOptionsWidget</a:t>
+            </a:r>
+            <a:endParaRPr lang="fr-FR" sz="1400" dirty="0"/>
+          </a:p>
+        </p:txBody>
+      </p:sp>
+      <p:sp>
+        <p:nvSpPr>
+          <p:cNvPr id="36" name="Rectangle 35">
+            <a:extLst>
+              <a:ext uri="{FF2B5EF4-FFF2-40B4-BE49-F238E27FC236}">
+                <a16:creationId xmlns:a16="http://schemas.microsoft.com/office/drawing/2014/main" id="{8B0285D2-31D9-4F0F-A2F1-5C7E62BCB308}"/>
+              </a:ext>
+            </a:extLst>
+          </p:cNvPr>
+          <p:cNvSpPr/>
+          <p:nvPr/>
+        </p:nvSpPr>
+        <p:spPr>
+          <a:xfrm>
+            <a:off x="0" y="6550222"/>
+            <a:ext cx="2101174" cy="307777"/>
+          </a:xfrm>
+          <a:prstGeom prst="rect">
+            <a:avLst/>
+          </a:prstGeom>
+          <a:solidFill>
+            <a:srgbClr val="C00000"/>
+          </a:solidFill>
+          <a:ln>
+            <a:noFill/>
+          </a:ln>
+        </p:spPr>
+        <p:style>
+          <a:lnRef idx="2">
+            <a:schemeClr val="accent1">
+              <a:shade val="15000"/>
+            </a:schemeClr>
+          </a:lnRef>
+          <a:fillRef idx="1">
+            <a:schemeClr val="accent1"/>
+          </a:fillRef>
+          <a:effectRef idx="0">
+            <a:schemeClr val="accent1"/>
+          </a:effectRef>
+          <a:fontRef idx="minor">
+            <a:schemeClr val="lt1"/>
+          </a:fontRef>
+        </p:style>
+        <p:txBody>
+          <a:bodyPr rtlCol="0" anchor="ctr"/>
+          <a:lstStyle/>
+          <a:p>
+            <a:pPr algn="ctr"/>
+            <a:r>
+              <a:rPr lang="en-GB" sz="1400" b="1" dirty="0"/>
+              <a:t>Developer Info</a:t>
+            </a:r>
+          </a:p>
+        </p:txBody>
+      </p:sp>
+    </p:spTree>
+    <p:extLst>
+      <p:ext uri="{BB962C8B-B14F-4D97-AF65-F5344CB8AC3E}">
+        <p14:creationId xmlns:p14="http://schemas.microsoft.com/office/powerpoint/2010/main" val="626416332"/>
+      </p:ext>
+    </p:extLst>
+  </p:cSld>
+  <p:clrMapOvr>
+    <a:masterClrMapping/>
+  </p:clrMapOvr>
+</p:sld>
+</file>
+
+<file path=ppt/slides/slide4.xml><?xml version="1.0" encoding="utf-8"?>
 <p:sld xmlns:a="http://schemas.openxmlformats.org/drawingml/2006/main" xmlns:r="http://schemas.openxmlformats.org/officeDocument/2006/relationships" xmlns:p="http://schemas.openxmlformats.org/presentationml/2006/main">
   <p:cSld>
     <p:spTree>
@@ -14260,7 +17620,7 @@
 </p:sld>
 </file>
 
-<file path=ppt/slides/slide4.xml><?xml version="1.0" encoding="utf-8"?>
+<file path=ppt/slides/slide5.xml><?xml version="1.0" encoding="utf-8"?>
 <p:sld xmlns:a="http://schemas.openxmlformats.org/drawingml/2006/main" xmlns:r="http://schemas.openxmlformats.org/officeDocument/2006/relationships" xmlns:p="http://schemas.openxmlformats.org/presentationml/2006/main">
   <p:cSld>
     <p:spTree>
@@ -16254,7 +19614,7 @@
 </p:sld>
 </file>
 
-<file path=ppt/slides/slide5.xml><?xml version="1.0" encoding="utf-8"?>
+<file path=ppt/slides/slide6.xml><?xml version="1.0" encoding="utf-8"?>
 <p:sld xmlns:a="http://schemas.openxmlformats.org/drawingml/2006/main" xmlns:r="http://schemas.openxmlformats.org/officeDocument/2006/relationships" xmlns:p="http://schemas.openxmlformats.org/presentationml/2006/main">
   <p:cSld>
     <p:spTree>
@@ -18265,7 +21625,7 @@
 </p:sld>
 </file>
 
-<file path=ppt/slides/slide6.xml><?xml version="1.0" encoding="utf-8"?>
+<file path=ppt/slides/slide7.xml><?xml version="1.0" encoding="utf-8"?>
 <p:sld xmlns:a="http://schemas.openxmlformats.org/drawingml/2006/main" xmlns:r="http://schemas.openxmlformats.org/officeDocument/2006/relationships" xmlns:p="http://schemas.openxmlformats.org/presentationml/2006/main">
   <p:cSld>
     <p:spTree>
@@ -20187,7 +23547,7 @@
 </p:sld>
 </file>
 
-<file path=ppt/slides/slide7.xml><?xml version="1.0" encoding="utf-8"?>
+<file path=ppt/slides/slide8.xml><?xml version="1.0" encoding="utf-8"?>
 <p:sld xmlns:a="http://schemas.openxmlformats.org/drawingml/2006/main" xmlns:r="http://schemas.openxmlformats.org/officeDocument/2006/relationships" xmlns:p="http://schemas.openxmlformats.org/presentationml/2006/main">
   <p:cSld>
     <p:spTree>
@@ -23023,7 +26383,7 @@
 </p:sld>
 </file>
 
-<file path=ppt/slides/slide8.xml><?xml version="1.0" encoding="utf-8"?>
+<file path=ppt/slides/slide9.xml><?xml version="1.0" encoding="utf-8"?>
 <p:sld xmlns:a="http://schemas.openxmlformats.org/drawingml/2006/main" xmlns:r="http://schemas.openxmlformats.org/officeDocument/2006/relationships" xmlns:p="http://schemas.openxmlformats.org/presentationml/2006/main">
   <p:cSld>
     <p:spTree>
@@ -24656,1648 +28016,6 @@
     <p:extLst>
       <p:ext uri="{BB962C8B-B14F-4D97-AF65-F5344CB8AC3E}">
         <p14:creationId xmlns:p14="http://schemas.microsoft.com/office/powerpoint/2010/main" val="715736423"/>
-      </p:ext>
-    </p:extLst>
-  </p:cSld>
-  <p:clrMapOvr>
-    <a:masterClrMapping/>
-  </p:clrMapOvr>
-</p:sld>
-</file>
-
-<file path=ppt/slides/slide9.xml><?xml version="1.0" encoding="utf-8"?>
-<p:sld xmlns:a="http://schemas.openxmlformats.org/drawingml/2006/main" xmlns:r="http://schemas.openxmlformats.org/officeDocument/2006/relationships" xmlns:p="http://schemas.openxmlformats.org/presentationml/2006/main">
-  <p:cSld>
-    <p:spTree>
-      <p:nvGrpSpPr>
-        <p:cNvPr id="1" name=""/>
-        <p:cNvGrpSpPr/>
-        <p:nvPr/>
-      </p:nvGrpSpPr>
-      <p:grpSpPr>
-        <a:xfrm>
-          <a:off x="0" y="0"/>
-          <a:ext cx="0" cy="0"/>
-          <a:chOff x="0" y="0"/>
-          <a:chExt cx="0" cy="0"/>
-        </a:xfrm>
-      </p:grpSpPr>
-      <p:sp>
-        <p:nvSpPr>
-          <p:cNvPr id="2" name="Rectangle 1">
-            <a:extLst>
-              <a:ext uri="{FF2B5EF4-FFF2-40B4-BE49-F238E27FC236}">
-                <a16:creationId xmlns:a16="http://schemas.microsoft.com/office/drawing/2014/main" id="{F75D6ADA-AAB6-F043-CB6E-F399288D8DD1}"/>
-              </a:ext>
-            </a:extLst>
-          </p:cNvPr>
-          <p:cNvSpPr/>
-          <p:nvPr/>
-        </p:nvSpPr>
-        <p:spPr>
-          <a:xfrm>
-            <a:off x="673975" y="405113"/>
-            <a:ext cx="11020314" cy="937549"/>
-          </a:xfrm>
-          <a:prstGeom prst="rect">
-            <a:avLst/>
-          </a:prstGeom>
-          <a:solidFill>
-            <a:schemeClr val="bg1"/>
-          </a:solidFill>
-          <a:ln>
-            <a:solidFill>
-              <a:schemeClr val="bg1">
-                <a:lumMod val="95000"/>
-              </a:schemeClr>
-            </a:solidFill>
-          </a:ln>
-          <a:effectLst>
-            <a:outerShdw blurRad="50800" dist="38100" dir="2700000" algn="tl" rotWithShape="0">
-              <a:prstClr val="black">
-                <a:alpha val="40000"/>
-              </a:prstClr>
-            </a:outerShdw>
-          </a:effectLst>
-        </p:spPr>
-        <p:style>
-          <a:lnRef idx="2">
-            <a:schemeClr val="accent1">
-              <a:shade val="15000"/>
-            </a:schemeClr>
-          </a:lnRef>
-          <a:fillRef idx="1">
-            <a:schemeClr val="accent1"/>
-          </a:fillRef>
-          <a:effectRef idx="0">
-            <a:schemeClr val="accent1"/>
-          </a:effectRef>
-          <a:fontRef idx="minor">
-            <a:schemeClr val="lt1"/>
-          </a:fontRef>
-        </p:style>
-        <p:txBody>
-          <a:bodyPr rtlCol="0" anchor="ctr"/>
-          <a:lstStyle/>
-          <a:p>
-            <a:pPr algn="ctr"/>
-            <a:endParaRPr lang="en-GB"/>
-          </a:p>
-        </p:txBody>
-      </p:sp>
-      <p:sp>
-        <p:nvSpPr>
-          <p:cNvPr id="3" name="Titre 1">
-            <a:extLst>
-              <a:ext uri="{FF2B5EF4-FFF2-40B4-BE49-F238E27FC236}">
-                <a16:creationId xmlns:a16="http://schemas.microsoft.com/office/drawing/2014/main" id="{A4A5F139-AC29-758F-C615-C493F4D748AE}"/>
-              </a:ext>
-            </a:extLst>
-          </p:cNvPr>
-          <p:cNvSpPr txBox="1">
-            <a:spLocks/>
-          </p:cNvSpPr>
-          <p:nvPr/>
-        </p:nvSpPr>
-        <p:spPr>
-          <a:xfrm>
-            <a:off x="907225" y="583365"/>
-            <a:ext cx="8970548" cy="701426"/>
-          </a:xfrm>
-          <a:prstGeom prst="rect">
-            <a:avLst/>
-          </a:prstGeom>
-        </p:spPr>
-        <p:txBody>
-          <a:bodyPr>
-            <a:normAutofit/>
-          </a:bodyPr>
-          <a:lstStyle>
-            <a:lvl1pPr algn="l" defTabSz="914400" rtl="0" eaLnBrk="1" latinLnBrk="0" hangingPunct="1">
-              <a:lnSpc>
-                <a:spcPct val="90000"/>
-              </a:lnSpc>
-              <a:spcBef>
-                <a:spcPct val="0"/>
-              </a:spcBef>
-              <a:buNone/>
-              <a:defRPr sz="4400" kern="1200">
-                <a:solidFill>
-                  <a:schemeClr val="tx1"/>
-                </a:solidFill>
-                <a:latin typeface="+mj-lt"/>
-                <a:ea typeface="+mj-ea"/>
-                <a:cs typeface="+mj-cs"/>
-              </a:defRPr>
-            </a:lvl1pPr>
-          </a:lstStyle>
-          <a:p>
-            <a:r>
-              <a:rPr lang="en-GB" sz="4000" dirty="0"/>
-              <a:t>GUI Structure – </a:t>
-            </a:r>
-            <a:r>
-              <a:rPr lang="en-GB" sz="4000" dirty="0" err="1"/>
-              <a:t>Analyzes</a:t>
-            </a:r>
-            <a:endParaRPr lang="en-GB" sz="4000" dirty="0"/>
-          </a:p>
-        </p:txBody>
-      </p:sp>
-      <p:sp>
-        <p:nvSpPr>
-          <p:cNvPr id="4" name="Rectangle 3">
-            <a:extLst>
-              <a:ext uri="{FF2B5EF4-FFF2-40B4-BE49-F238E27FC236}">
-                <a16:creationId xmlns:a16="http://schemas.microsoft.com/office/drawing/2014/main" id="{F5D0D397-33AA-9E12-A9CA-D84D64F8BF5A}"/>
-              </a:ext>
-            </a:extLst>
-          </p:cNvPr>
-          <p:cNvSpPr/>
-          <p:nvPr/>
-        </p:nvSpPr>
-        <p:spPr>
-          <a:xfrm>
-            <a:off x="619125" y="500258"/>
-            <a:ext cx="124142" cy="749808"/>
-          </a:xfrm>
-          <a:prstGeom prst="rect">
-            <a:avLst/>
-          </a:prstGeom>
-          <a:solidFill>
-            <a:srgbClr val="002060"/>
-          </a:solidFill>
-          <a:ln>
-            <a:noFill/>
-          </a:ln>
-        </p:spPr>
-        <p:style>
-          <a:lnRef idx="2">
-            <a:schemeClr val="accent1">
-              <a:shade val="15000"/>
-            </a:schemeClr>
-          </a:lnRef>
-          <a:fillRef idx="1">
-            <a:schemeClr val="accent1"/>
-          </a:fillRef>
-          <a:effectRef idx="0">
-            <a:schemeClr val="accent1"/>
-          </a:effectRef>
-          <a:fontRef idx="minor">
-            <a:schemeClr val="lt1"/>
-          </a:fontRef>
-        </p:style>
-        <p:txBody>
-          <a:bodyPr rtlCol="0" anchor="ctr"/>
-          <a:lstStyle/>
-          <a:p>
-            <a:pPr algn="ctr"/>
-            <a:endParaRPr lang="en-GB"/>
-          </a:p>
-        </p:txBody>
-      </p:sp>
-      <p:pic>
-        <p:nvPicPr>
-          <p:cNvPr id="5" name="Image 4" descr="Une image contenant texte&#10;&#10;Description générée automatiquement">
-            <a:extLst>
-              <a:ext uri="{FF2B5EF4-FFF2-40B4-BE49-F238E27FC236}">
-                <a16:creationId xmlns:a16="http://schemas.microsoft.com/office/drawing/2014/main" id="{49942C35-4594-19BD-6B47-52CFC3C32CF4}"/>
-              </a:ext>
-            </a:extLst>
-          </p:cNvPr>
-          <p:cNvPicPr>
-            <a:picLocks noChangeAspect="1"/>
-          </p:cNvPicPr>
-          <p:nvPr/>
-        </p:nvPicPr>
-        <p:blipFill>
-          <a:blip r:embed="rId2" cstate="print">
-            <a:extLst>
-              <a:ext uri="{28A0092B-C50C-407E-A947-70E740481C1C}">
-                <a14:useLocalDpi xmlns:a14="http://schemas.microsoft.com/office/drawing/2010/main" val="0"/>
-              </a:ext>
-            </a:extLst>
-          </a:blip>
-          <a:stretch>
-            <a:fillRect/>
-          </a:stretch>
-        </p:blipFill>
-        <p:spPr>
-          <a:xfrm>
-            <a:off x="9808481" y="509288"/>
-            <a:ext cx="1825291" cy="749808"/>
-          </a:xfrm>
-          <a:prstGeom prst="rect">
-            <a:avLst/>
-          </a:prstGeom>
-        </p:spPr>
-      </p:pic>
-      <p:sp>
-        <p:nvSpPr>
-          <p:cNvPr id="8" name="Rectangle 7">
-            <a:extLst>
-              <a:ext uri="{FF2B5EF4-FFF2-40B4-BE49-F238E27FC236}">
-                <a16:creationId xmlns:a16="http://schemas.microsoft.com/office/drawing/2014/main" id="{460E0AE5-5658-7DCD-7499-267A44C28FEF}"/>
-              </a:ext>
-            </a:extLst>
-          </p:cNvPr>
-          <p:cNvSpPr>
-            <a:spLocks noChangeAspect="1"/>
-          </p:cNvSpPr>
-          <p:nvPr/>
-        </p:nvSpPr>
-        <p:spPr>
-          <a:xfrm>
-            <a:off x="3107700" y="1897572"/>
-            <a:ext cx="5976600" cy="4377063"/>
-          </a:xfrm>
-          <a:prstGeom prst="rect">
-            <a:avLst/>
-          </a:prstGeom>
-          <a:solidFill>
-            <a:schemeClr val="bg1">
-              <a:lumMod val="85000"/>
-            </a:schemeClr>
-          </a:solidFill>
-          <a:ln>
-            <a:solidFill>
-              <a:schemeClr val="tx1"/>
-            </a:solidFill>
-          </a:ln>
-        </p:spPr>
-        <p:style>
-          <a:lnRef idx="2">
-            <a:schemeClr val="accent1">
-              <a:shade val="15000"/>
-            </a:schemeClr>
-          </a:lnRef>
-          <a:fillRef idx="1">
-            <a:schemeClr val="accent1"/>
-          </a:fillRef>
-          <a:effectRef idx="0">
-            <a:schemeClr val="accent1"/>
-          </a:effectRef>
-          <a:fontRef idx="minor">
-            <a:schemeClr val="lt1"/>
-          </a:fontRef>
-        </p:style>
-        <p:txBody>
-          <a:bodyPr rtlCol="0" anchor="ctr"/>
-          <a:lstStyle/>
-          <a:p>
-            <a:pPr algn="ctr"/>
-            <a:endParaRPr lang="en-GB"/>
-          </a:p>
-        </p:txBody>
-      </p:sp>
-      <p:sp>
-        <p:nvSpPr>
-          <p:cNvPr id="9" name="Rectangle 8">
-            <a:extLst>
-              <a:ext uri="{FF2B5EF4-FFF2-40B4-BE49-F238E27FC236}">
-                <a16:creationId xmlns:a16="http://schemas.microsoft.com/office/drawing/2014/main" id="{5E736380-219B-4C44-B0FC-929C7FA2220D}"/>
-              </a:ext>
-            </a:extLst>
-          </p:cNvPr>
-          <p:cNvSpPr/>
-          <p:nvPr/>
-        </p:nvSpPr>
-        <p:spPr>
-          <a:xfrm>
-            <a:off x="3232677" y="2439531"/>
-            <a:ext cx="1006415" cy="3709807"/>
-          </a:xfrm>
-          <a:prstGeom prst="rect">
-            <a:avLst/>
-          </a:prstGeom>
-          <a:solidFill>
-            <a:schemeClr val="accent1">
-              <a:lumMod val="75000"/>
-            </a:schemeClr>
-          </a:solidFill>
-        </p:spPr>
-        <p:style>
-          <a:lnRef idx="2">
-            <a:schemeClr val="accent1">
-              <a:shade val="15000"/>
-            </a:schemeClr>
-          </a:lnRef>
-          <a:fillRef idx="1">
-            <a:schemeClr val="accent1"/>
-          </a:fillRef>
-          <a:effectRef idx="0">
-            <a:schemeClr val="accent1"/>
-          </a:effectRef>
-          <a:fontRef idx="minor">
-            <a:schemeClr val="lt1"/>
-          </a:fontRef>
-        </p:style>
-        <p:txBody>
-          <a:bodyPr rtlCol="0" anchor="ctr"/>
-          <a:lstStyle/>
-          <a:p>
-            <a:pPr algn="ctr"/>
-            <a:endParaRPr lang="en-GB"/>
-          </a:p>
-        </p:txBody>
-      </p:sp>
-      <p:pic>
-        <p:nvPicPr>
-          <p:cNvPr id="10" name="Image 9" descr="Une image contenant texte&#10;&#10;Description générée automatiquement">
-            <a:extLst>
-              <a:ext uri="{FF2B5EF4-FFF2-40B4-BE49-F238E27FC236}">
-                <a16:creationId xmlns:a16="http://schemas.microsoft.com/office/drawing/2014/main" id="{68B053F6-7A83-C788-FD81-B34F9816FB81}"/>
-              </a:ext>
-            </a:extLst>
-          </p:cNvPr>
-          <p:cNvPicPr>
-            <a:picLocks noChangeAspect="1"/>
-          </p:cNvPicPr>
-          <p:nvPr/>
-        </p:nvPicPr>
-        <p:blipFill>
-          <a:blip r:embed="rId2" cstate="print">
-            <a:extLst>
-              <a:ext uri="{28A0092B-C50C-407E-A947-70E740481C1C}">
-                <a14:useLocalDpi xmlns:a14="http://schemas.microsoft.com/office/drawing/2010/main" val="0"/>
-              </a:ext>
-            </a:extLst>
-          </a:blip>
-          <a:stretch>
-            <a:fillRect/>
-          </a:stretch>
-        </p:blipFill>
-        <p:spPr>
-          <a:xfrm>
-            <a:off x="7964337" y="1959646"/>
-            <a:ext cx="1017093" cy="417810"/>
-          </a:xfrm>
-          <a:prstGeom prst="rect">
-            <a:avLst/>
-          </a:prstGeom>
-        </p:spPr>
-      </p:pic>
-      <p:sp>
-        <p:nvSpPr>
-          <p:cNvPr id="11" name="ZoneTexte 10">
-            <a:extLst>
-              <a:ext uri="{FF2B5EF4-FFF2-40B4-BE49-F238E27FC236}">
-                <a16:creationId xmlns:a16="http://schemas.microsoft.com/office/drawing/2014/main" id="{B4ADC043-5392-B0D0-EB9D-96916CBA7A6E}"/>
-              </a:ext>
-            </a:extLst>
-          </p:cNvPr>
-          <p:cNvSpPr txBox="1"/>
-          <p:nvPr/>
-        </p:nvSpPr>
-        <p:spPr>
-          <a:xfrm>
-            <a:off x="3232678" y="1986028"/>
-            <a:ext cx="4316136" cy="369332"/>
-          </a:xfrm>
-          <a:prstGeom prst="rect">
-            <a:avLst/>
-          </a:prstGeom>
-          <a:solidFill>
-            <a:schemeClr val="bg1">
-              <a:lumMod val="75000"/>
-            </a:schemeClr>
-          </a:solidFill>
-        </p:spPr>
-        <p:txBody>
-          <a:bodyPr wrap="square" rtlCol="0">
-            <a:spAutoFit/>
-          </a:bodyPr>
-          <a:lstStyle/>
-          <a:p>
-            <a:r>
-              <a:rPr lang="en-GB" dirty="0" err="1"/>
-              <a:t>Zygo</a:t>
-            </a:r>
-            <a:r>
-              <a:rPr lang="en-GB" dirty="0"/>
-              <a:t> </a:t>
-            </a:r>
-            <a:r>
-              <a:rPr lang="en-GB" dirty="0" err="1"/>
-              <a:t>Labwork</a:t>
-            </a:r>
-            <a:endParaRPr lang="en-GB" dirty="0"/>
-          </a:p>
-        </p:txBody>
-      </p:sp>
-      <p:sp>
-        <p:nvSpPr>
-          <p:cNvPr id="12" name="Rectangle 11">
-            <a:extLst>
-              <a:ext uri="{FF2B5EF4-FFF2-40B4-BE49-F238E27FC236}">
-                <a16:creationId xmlns:a16="http://schemas.microsoft.com/office/drawing/2014/main" id="{A4BDAFBB-5CC0-9E89-BE7A-AA38E3057AB4}"/>
-              </a:ext>
-            </a:extLst>
-          </p:cNvPr>
-          <p:cNvSpPr/>
-          <p:nvPr/>
-        </p:nvSpPr>
-        <p:spPr>
-          <a:xfrm>
-            <a:off x="4353210" y="2439531"/>
-            <a:ext cx="4605359" cy="3709807"/>
-          </a:xfrm>
-          <a:prstGeom prst="rect">
-            <a:avLst/>
-          </a:prstGeom>
-          <a:solidFill>
-            <a:schemeClr val="accent1">
-              <a:lumMod val="75000"/>
-            </a:schemeClr>
-          </a:solidFill>
-        </p:spPr>
-        <p:style>
-          <a:lnRef idx="2">
-            <a:schemeClr val="accent1">
-              <a:shade val="15000"/>
-            </a:schemeClr>
-          </a:lnRef>
-          <a:fillRef idx="1">
-            <a:schemeClr val="accent1"/>
-          </a:fillRef>
-          <a:effectRef idx="0">
-            <a:schemeClr val="accent1"/>
-          </a:effectRef>
-          <a:fontRef idx="minor">
-            <a:schemeClr val="lt1"/>
-          </a:fontRef>
-        </p:style>
-        <p:txBody>
-          <a:bodyPr rtlCol="0" anchor="ctr"/>
-          <a:lstStyle/>
-          <a:p>
-            <a:pPr algn="ctr"/>
-            <a:endParaRPr lang="en-GB"/>
-          </a:p>
-        </p:txBody>
-      </p:sp>
-      <p:sp>
-        <p:nvSpPr>
-          <p:cNvPr id="27" name="Rectangle 26">
-            <a:extLst>
-              <a:ext uri="{FF2B5EF4-FFF2-40B4-BE49-F238E27FC236}">
-                <a16:creationId xmlns:a16="http://schemas.microsoft.com/office/drawing/2014/main" id="{6A1B3D5E-5DB5-F2EE-CF52-5BD3A33BDBFA}"/>
-              </a:ext>
-            </a:extLst>
-          </p:cNvPr>
-          <p:cNvSpPr/>
-          <p:nvPr/>
-        </p:nvSpPr>
-        <p:spPr>
-          <a:xfrm>
-            <a:off x="4422437" y="4320054"/>
-            <a:ext cx="4522067" cy="1752164"/>
-          </a:xfrm>
-          <a:prstGeom prst="rect">
-            <a:avLst/>
-          </a:prstGeom>
-          <a:solidFill>
-            <a:schemeClr val="accent1">
-              <a:lumMod val="50000"/>
-            </a:schemeClr>
-          </a:solidFill>
-        </p:spPr>
-        <p:style>
-          <a:lnRef idx="2">
-            <a:schemeClr val="accent1">
-              <a:shade val="15000"/>
-            </a:schemeClr>
-          </a:lnRef>
-          <a:fillRef idx="1">
-            <a:schemeClr val="accent1"/>
-          </a:fillRef>
-          <a:effectRef idx="0">
-            <a:schemeClr val="accent1"/>
-          </a:effectRef>
-          <a:fontRef idx="minor">
-            <a:schemeClr val="lt1"/>
-          </a:fontRef>
-        </p:style>
-        <p:txBody>
-          <a:bodyPr rtlCol="0" anchor="ctr"/>
-          <a:lstStyle/>
-          <a:p>
-            <a:pPr algn="ctr"/>
-            <a:endParaRPr lang="en-GB" dirty="0"/>
-          </a:p>
-        </p:txBody>
-      </p:sp>
-      <p:sp>
-        <p:nvSpPr>
-          <p:cNvPr id="18" name="Rectangle 17">
-            <a:extLst>
-              <a:ext uri="{FF2B5EF4-FFF2-40B4-BE49-F238E27FC236}">
-                <a16:creationId xmlns:a16="http://schemas.microsoft.com/office/drawing/2014/main" id="{4759C709-D346-785A-6163-73564A95113E}"/>
-              </a:ext>
-            </a:extLst>
-          </p:cNvPr>
-          <p:cNvSpPr/>
-          <p:nvPr/>
-        </p:nvSpPr>
-        <p:spPr>
-          <a:xfrm>
-            <a:off x="4494179" y="4383040"/>
-            <a:ext cx="2101174" cy="1614791"/>
-          </a:xfrm>
-          <a:prstGeom prst="rect">
-            <a:avLst/>
-          </a:prstGeom>
-          <a:solidFill>
-            <a:schemeClr val="accent1">
-              <a:lumMod val="75000"/>
-            </a:schemeClr>
-          </a:solidFill>
-        </p:spPr>
-        <p:style>
-          <a:lnRef idx="2">
-            <a:schemeClr val="accent1">
-              <a:shade val="15000"/>
-            </a:schemeClr>
-          </a:lnRef>
-          <a:fillRef idx="1">
-            <a:schemeClr val="accent1"/>
-          </a:fillRef>
-          <a:effectRef idx="0">
-            <a:schemeClr val="accent1"/>
-          </a:effectRef>
-          <a:fontRef idx="minor">
-            <a:schemeClr val="lt1"/>
-          </a:fontRef>
-        </p:style>
-        <p:txBody>
-          <a:bodyPr rtlCol="0" anchor="ctr"/>
-          <a:lstStyle/>
-          <a:p>
-            <a:pPr algn="ctr"/>
-            <a:endParaRPr lang="en-GB"/>
-          </a:p>
-        </p:txBody>
-      </p:sp>
-      <p:sp>
-        <p:nvSpPr>
-          <p:cNvPr id="19" name="Rectangle 18">
-            <a:extLst>
-              <a:ext uri="{FF2B5EF4-FFF2-40B4-BE49-F238E27FC236}">
-                <a16:creationId xmlns:a16="http://schemas.microsoft.com/office/drawing/2014/main" id="{9720BA6B-A063-7087-97A3-299949DE5261}"/>
-              </a:ext>
-            </a:extLst>
-          </p:cNvPr>
-          <p:cNvSpPr/>
-          <p:nvPr/>
-        </p:nvSpPr>
-        <p:spPr>
-          <a:xfrm>
-            <a:off x="6736322" y="4383039"/>
-            <a:ext cx="2101174" cy="1614791"/>
-          </a:xfrm>
-          <a:prstGeom prst="rect">
-            <a:avLst/>
-          </a:prstGeom>
-          <a:solidFill>
-            <a:schemeClr val="accent1">
-              <a:lumMod val="75000"/>
-            </a:schemeClr>
-          </a:solidFill>
-        </p:spPr>
-        <p:style>
-          <a:lnRef idx="2">
-            <a:schemeClr val="accent1">
-              <a:shade val="15000"/>
-            </a:schemeClr>
-          </a:lnRef>
-          <a:fillRef idx="1">
-            <a:schemeClr val="accent1"/>
-          </a:fillRef>
-          <a:effectRef idx="0">
-            <a:schemeClr val="accent1"/>
-          </a:effectRef>
-          <a:fontRef idx="minor">
-            <a:schemeClr val="lt1"/>
-          </a:fontRef>
-        </p:style>
-        <p:txBody>
-          <a:bodyPr rtlCol="0" anchor="ctr"/>
-          <a:lstStyle/>
-          <a:p>
-            <a:pPr algn="ctr"/>
-            <a:endParaRPr lang="en-GB"/>
-          </a:p>
-        </p:txBody>
-      </p:sp>
-      <p:sp>
-        <p:nvSpPr>
-          <p:cNvPr id="20" name="Rectangle 19">
-            <a:extLst>
-              <a:ext uri="{FF2B5EF4-FFF2-40B4-BE49-F238E27FC236}">
-                <a16:creationId xmlns:a16="http://schemas.microsoft.com/office/drawing/2014/main" id="{E373C534-C8DD-F79C-F7EB-EFBC5C6A8EAB}"/>
-              </a:ext>
-            </a:extLst>
-          </p:cNvPr>
-          <p:cNvSpPr/>
-          <p:nvPr/>
-        </p:nvSpPr>
-        <p:spPr>
-          <a:xfrm>
-            <a:off x="3332186" y="2772150"/>
-            <a:ext cx="807396" cy="369884"/>
-          </a:xfrm>
-          <a:prstGeom prst="rect">
-            <a:avLst/>
-          </a:prstGeom>
-        </p:spPr>
-        <p:style>
-          <a:lnRef idx="2">
-            <a:schemeClr val="accent1">
-              <a:shade val="15000"/>
-            </a:schemeClr>
-          </a:lnRef>
-          <a:fillRef idx="1">
-            <a:schemeClr val="accent1"/>
-          </a:fillRef>
-          <a:effectRef idx="0">
-            <a:schemeClr val="accent1"/>
-          </a:effectRef>
-          <a:fontRef idx="minor">
-            <a:schemeClr val="lt1"/>
-          </a:fontRef>
-        </p:style>
-        <p:txBody>
-          <a:bodyPr rtlCol="0" anchor="ctr"/>
-          <a:lstStyle/>
-          <a:p>
-            <a:pPr algn="ctr"/>
-            <a:r>
-              <a:rPr lang="en-GB" sz="900" dirty="0"/>
-              <a:t>Camera Settings</a:t>
-            </a:r>
-          </a:p>
-        </p:txBody>
-      </p:sp>
-      <p:sp>
-        <p:nvSpPr>
-          <p:cNvPr id="21" name="ZoneTexte 20">
-            <a:extLst>
-              <a:ext uri="{FF2B5EF4-FFF2-40B4-BE49-F238E27FC236}">
-                <a16:creationId xmlns:a16="http://schemas.microsoft.com/office/drawing/2014/main" id="{E7100B7E-599C-2024-B941-06357F4DA65B}"/>
-              </a:ext>
-            </a:extLst>
-          </p:cNvPr>
-          <p:cNvSpPr txBox="1"/>
-          <p:nvPr/>
-        </p:nvSpPr>
-        <p:spPr>
-          <a:xfrm>
-            <a:off x="3232677" y="2470169"/>
-            <a:ext cx="1006415" cy="261610"/>
-          </a:xfrm>
-          <a:prstGeom prst="rect">
-            <a:avLst/>
-          </a:prstGeom>
-          <a:noFill/>
-        </p:spPr>
-        <p:txBody>
-          <a:bodyPr wrap="square" rtlCol="0">
-            <a:spAutoFit/>
-          </a:bodyPr>
-          <a:lstStyle/>
-          <a:p>
-            <a:pPr algn="ctr"/>
-            <a:r>
-              <a:rPr lang="en-GB" sz="1100">
-                <a:solidFill>
-                  <a:schemeClr val="bg1"/>
-                </a:solidFill>
-              </a:rPr>
-              <a:t>Menu</a:t>
-            </a:r>
-          </a:p>
-        </p:txBody>
-      </p:sp>
-      <p:sp>
-        <p:nvSpPr>
-          <p:cNvPr id="22" name="Rectangle 21">
-            <a:extLst>
-              <a:ext uri="{FF2B5EF4-FFF2-40B4-BE49-F238E27FC236}">
-                <a16:creationId xmlns:a16="http://schemas.microsoft.com/office/drawing/2014/main" id="{3AD85595-2BF2-FF3A-A10B-4FF6A450F797}"/>
-              </a:ext>
-            </a:extLst>
-          </p:cNvPr>
-          <p:cNvSpPr/>
-          <p:nvPr/>
-        </p:nvSpPr>
-        <p:spPr>
-          <a:xfrm>
-            <a:off x="3332186" y="3266639"/>
-            <a:ext cx="807396" cy="369884"/>
-          </a:xfrm>
-          <a:prstGeom prst="rect">
-            <a:avLst/>
-          </a:prstGeom>
-        </p:spPr>
-        <p:style>
-          <a:lnRef idx="2">
-            <a:schemeClr val="accent1">
-              <a:shade val="15000"/>
-            </a:schemeClr>
-          </a:lnRef>
-          <a:fillRef idx="1">
-            <a:schemeClr val="accent1"/>
-          </a:fillRef>
-          <a:effectRef idx="0">
-            <a:schemeClr val="accent1"/>
-          </a:effectRef>
-          <a:fontRef idx="minor">
-            <a:schemeClr val="lt1"/>
-          </a:fontRef>
-        </p:style>
-        <p:txBody>
-          <a:bodyPr rtlCol="0" anchor="ctr"/>
-          <a:lstStyle/>
-          <a:p>
-            <a:pPr algn="ctr"/>
-            <a:r>
-              <a:rPr lang="en-GB" sz="900"/>
-              <a:t>Masks</a:t>
-            </a:r>
-          </a:p>
-        </p:txBody>
-      </p:sp>
-      <p:sp>
-        <p:nvSpPr>
-          <p:cNvPr id="23" name="ZoneTexte 22">
-            <a:extLst>
-              <a:ext uri="{FF2B5EF4-FFF2-40B4-BE49-F238E27FC236}">
-                <a16:creationId xmlns:a16="http://schemas.microsoft.com/office/drawing/2014/main" id="{61D74ADE-B32A-830F-4CEC-7FCB75F8AA0F}"/>
-              </a:ext>
-            </a:extLst>
-          </p:cNvPr>
-          <p:cNvSpPr txBox="1"/>
-          <p:nvPr/>
-        </p:nvSpPr>
-        <p:spPr>
-          <a:xfrm>
-            <a:off x="7548814" y="2019706"/>
-            <a:ext cx="415523" cy="369332"/>
-          </a:xfrm>
-          <a:prstGeom prst="rect">
-            <a:avLst/>
-          </a:prstGeom>
-          <a:noFill/>
-        </p:spPr>
-        <p:txBody>
-          <a:bodyPr wrap="square" rtlCol="0">
-            <a:spAutoFit/>
-          </a:bodyPr>
-          <a:lstStyle/>
-          <a:p>
-            <a:r>
-              <a:rPr lang="en-GB"/>
-              <a:t>🇬🇧</a:t>
-            </a:r>
-          </a:p>
-        </p:txBody>
-      </p:sp>
-      <p:sp>
-        <p:nvSpPr>
-          <p:cNvPr id="24" name="Rectangle 23">
-            <a:extLst>
-              <a:ext uri="{FF2B5EF4-FFF2-40B4-BE49-F238E27FC236}">
-                <a16:creationId xmlns:a16="http://schemas.microsoft.com/office/drawing/2014/main" id="{108624DB-69A5-6C8A-8EAF-56EEC079C717}"/>
-              </a:ext>
-            </a:extLst>
-          </p:cNvPr>
-          <p:cNvSpPr/>
-          <p:nvPr/>
-        </p:nvSpPr>
-        <p:spPr>
-          <a:xfrm>
-            <a:off x="3332186" y="3761128"/>
-            <a:ext cx="807396" cy="369884"/>
-          </a:xfrm>
-          <a:prstGeom prst="rect">
-            <a:avLst/>
-          </a:prstGeom>
-        </p:spPr>
-        <p:style>
-          <a:lnRef idx="2">
-            <a:schemeClr val="accent1">
-              <a:shade val="15000"/>
-            </a:schemeClr>
-          </a:lnRef>
-          <a:fillRef idx="1">
-            <a:schemeClr val="accent1"/>
-          </a:fillRef>
-          <a:effectRef idx="0">
-            <a:schemeClr val="accent1"/>
-          </a:effectRef>
-          <a:fontRef idx="minor">
-            <a:schemeClr val="lt1"/>
-          </a:fontRef>
-        </p:style>
-        <p:txBody>
-          <a:bodyPr rtlCol="0" anchor="ctr"/>
-          <a:lstStyle/>
-          <a:p>
-            <a:pPr algn="ctr"/>
-            <a:r>
-              <a:rPr lang="en-GB" sz="900"/>
-              <a:t>Acquisition</a:t>
-            </a:r>
-          </a:p>
-        </p:txBody>
-      </p:sp>
-      <p:sp>
-        <p:nvSpPr>
-          <p:cNvPr id="25" name="Rectangle 24">
-            <a:extLst>
-              <a:ext uri="{FF2B5EF4-FFF2-40B4-BE49-F238E27FC236}">
-                <a16:creationId xmlns:a16="http://schemas.microsoft.com/office/drawing/2014/main" id="{3FDD1BDD-38CE-838E-59D8-72B6E6562C51}"/>
-              </a:ext>
-            </a:extLst>
-          </p:cNvPr>
-          <p:cNvSpPr/>
-          <p:nvPr/>
-        </p:nvSpPr>
-        <p:spPr>
-          <a:xfrm>
-            <a:off x="3332186" y="4255616"/>
-            <a:ext cx="807396" cy="369884"/>
-          </a:xfrm>
-          <a:prstGeom prst="rect">
-            <a:avLst/>
-          </a:prstGeom>
-          <a:solidFill>
-            <a:schemeClr val="accent2"/>
-          </a:solidFill>
-        </p:spPr>
-        <p:style>
-          <a:lnRef idx="2">
-            <a:schemeClr val="accent1">
-              <a:shade val="15000"/>
-            </a:schemeClr>
-          </a:lnRef>
-          <a:fillRef idx="1">
-            <a:schemeClr val="accent1"/>
-          </a:fillRef>
-          <a:effectRef idx="0">
-            <a:schemeClr val="accent1"/>
-          </a:effectRef>
-          <a:fontRef idx="minor">
-            <a:schemeClr val="lt1"/>
-          </a:fontRef>
-        </p:style>
-        <p:txBody>
-          <a:bodyPr rtlCol="0" anchor="ctr"/>
-          <a:lstStyle/>
-          <a:p>
-            <a:pPr algn="ctr"/>
-            <a:r>
-              <a:rPr lang="en-GB" sz="900" dirty="0" err="1"/>
-              <a:t>Analyzes</a:t>
-            </a:r>
-            <a:endParaRPr lang="en-GB" sz="900" dirty="0"/>
-          </a:p>
-        </p:txBody>
-      </p:sp>
-      <p:sp>
-        <p:nvSpPr>
-          <p:cNvPr id="26" name="Rectangle 25">
-            <a:extLst>
-              <a:ext uri="{FF2B5EF4-FFF2-40B4-BE49-F238E27FC236}">
-                <a16:creationId xmlns:a16="http://schemas.microsoft.com/office/drawing/2014/main" id="{CFCB9DBE-6247-71E3-E641-7441C394B66A}"/>
-              </a:ext>
-            </a:extLst>
-          </p:cNvPr>
-          <p:cNvSpPr/>
-          <p:nvPr/>
-        </p:nvSpPr>
-        <p:spPr>
-          <a:xfrm>
-            <a:off x="4422437" y="2503452"/>
-            <a:ext cx="4522067" cy="1752164"/>
-          </a:xfrm>
-          <a:prstGeom prst="rect">
-            <a:avLst/>
-          </a:prstGeom>
-          <a:solidFill>
-            <a:schemeClr val="accent1">
-              <a:lumMod val="50000"/>
-            </a:schemeClr>
-          </a:solidFill>
-        </p:spPr>
-        <p:style>
-          <a:lnRef idx="2">
-            <a:schemeClr val="accent1">
-              <a:shade val="15000"/>
-            </a:schemeClr>
-          </a:lnRef>
-          <a:fillRef idx="1">
-            <a:schemeClr val="accent1"/>
-          </a:fillRef>
-          <a:effectRef idx="0">
-            <a:schemeClr val="accent1"/>
-          </a:effectRef>
-          <a:fontRef idx="minor">
-            <a:schemeClr val="lt1"/>
-          </a:fontRef>
-        </p:style>
-        <p:txBody>
-          <a:bodyPr rtlCol="0" anchor="ctr"/>
-          <a:lstStyle/>
-          <a:p>
-            <a:pPr algn="ctr"/>
-            <a:endParaRPr lang="en-GB"/>
-          </a:p>
-        </p:txBody>
-      </p:sp>
-      <p:sp>
-        <p:nvSpPr>
-          <p:cNvPr id="16" name="Rectangle 15">
-            <a:extLst>
-              <a:ext uri="{FF2B5EF4-FFF2-40B4-BE49-F238E27FC236}">
-                <a16:creationId xmlns:a16="http://schemas.microsoft.com/office/drawing/2014/main" id="{741BC18A-9467-613C-664E-1FD7B0CE641A}"/>
-              </a:ext>
-            </a:extLst>
-          </p:cNvPr>
-          <p:cNvSpPr/>
-          <p:nvPr/>
-        </p:nvSpPr>
-        <p:spPr>
-          <a:xfrm>
-            <a:off x="4494179" y="2577830"/>
-            <a:ext cx="2101174" cy="1614791"/>
-          </a:xfrm>
-          <a:prstGeom prst="rect">
-            <a:avLst/>
-          </a:prstGeom>
-          <a:solidFill>
-            <a:schemeClr val="accent1">
-              <a:lumMod val="75000"/>
-            </a:schemeClr>
-          </a:solidFill>
-        </p:spPr>
-        <p:style>
-          <a:lnRef idx="2">
-            <a:schemeClr val="accent1">
-              <a:shade val="15000"/>
-            </a:schemeClr>
-          </a:lnRef>
-          <a:fillRef idx="1">
-            <a:schemeClr val="accent1"/>
-          </a:fillRef>
-          <a:effectRef idx="0">
-            <a:schemeClr val="accent1"/>
-          </a:effectRef>
-          <a:fontRef idx="minor">
-            <a:schemeClr val="lt1"/>
-          </a:fontRef>
-        </p:style>
-        <p:txBody>
-          <a:bodyPr rtlCol="0" anchor="ctr"/>
-          <a:lstStyle/>
-          <a:p>
-            <a:pPr algn="ctr"/>
-            <a:endParaRPr lang="en-GB" dirty="0"/>
-          </a:p>
-        </p:txBody>
-      </p:sp>
-      <p:sp>
-        <p:nvSpPr>
-          <p:cNvPr id="17" name="Rectangle 16">
-            <a:extLst>
-              <a:ext uri="{FF2B5EF4-FFF2-40B4-BE49-F238E27FC236}">
-                <a16:creationId xmlns:a16="http://schemas.microsoft.com/office/drawing/2014/main" id="{EDC2533B-822C-D311-96BF-A7B5C3778ED0}"/>
-              </a:ext>
-            </a:extLst>
-          </p:cNvPr>
-          <p:cNvSpPr/>
-          <p:nvPr/>
-        </p:nvSpPr>
-        <p:spPr>
-          <a:xfrm>
-            <a:off x="6736322" y="2577830"/>
-            <a:ext cx="2101174" cy="1614791"/>
-          </a:xfrm>
-          <a:prstGeom prst="rect">
-            <a:avLst/>
-          </a:prstGeom>
-        </p:spPr>
-        <p:style>
-          <a:lnRef idx="2">
-            <a:schemeClr val="accent1">
-              <a:shade val="15000"/>
-            </a:schemeClr>
-          </a:lnRef>
-          <a:fillRef idx="1">
-            <a:schemeClr val="accent1"/>
-          </a:fillRef>
-          <a:effectRef idx="0">
-            <a:schemeClr val="accent1"/>
-          </a:effectRef>
-          <a:fontRef idx="minor">
-            <a:schemeClr val="lt1"/>
-          </a:fontRef>
-        </p:style>
-        <p:txBody>
-          <a:bodyPr rtlCol="0" anchor="ctr"/>
-          <a:lstStyle/>
-          <a:p>
-            <a:pPr algn="ctr"/>
-            <a:r>
-              <a:rPr lang="en-GB"/>
-              <a:t>Results (3D, etc.)</a:t>
-            </a:r>
-          </a:p>
-        </p:txBody>
-      </p:sp>
-      <p:sp>
-        <p:nvSpPr>
-          <p:cNvPr id="28" name="Rectangle 27">
-            <a:extLst>
-              <a:ext uri="{FF2B5EF4-FFF2-40B4-BE49-F238E27FC236}">
-                <a16:creationId xmlns:a16="http://schemas.microsoft.com/office/drawing/2014/main" id="{5C734006-9E1A-E835-AE76-1775203D055C}"/>
-              </a:ext>
-            </a:extLst>
-          </p:cNvPr>
-          <p:cNvSpPr/>
-          <p:nvPr/>
-        </p:nvSpPr>
-        <p:spPr>
-          <a:xfrm>
-            <a:off x="3332186" y="5918661"/>
-            <a:ext cx="807396" cy="152085"/>
-          </a:xfrm>
-          <a:prstGeom prst="rect">
-            <a:avLst/>
-          </a:prstGeom>
-        </p:spPr>
-        <p:style>
-          <a:lnRef idx="2">
-            <a:schemeClr val="accent1">
-              <a:shade val="15000"/>
-            </a:schemeClr>
-          </a:lnRef>
-          <a:fillRef idx="1">
-            <a:schemeClr val="accent1"/>
-          </a:fillRef>
-          <a:effectRef idx="0">
-            <a:schemeClr val="accent1"/>
-          </a:effectRef>
-          <a:fontRef idx="minor">
-            <a:schemeClr val="lt1"/>
-          </a:fontRef>
-        </p:style>
-        <p:txBody>
-          <a:bodyPr rtlCol="0" anchor="ctr"/>
-          <a:lstStyle/>
-          <a:p>
-            <a:pPr algn="ctr"/>
-            <a:r>
-              <a:rPr lang="en-GB" sz="900" dirty="0"/>
-              <a:t>Options</a:t>
-            </a:r>
-          </a:p>
-        </p:txBody>
-      </p:sp>
-      <p:sp>
-        <p:nvSpPr>
-          <p:cNvPr id="6" name="Rectangle 5">
-            <a:extLst>
-              <a:ext uri="{FF2B5EF4-FFF2-40B4-BE49-F238E27FC236}">
-                <a16:creationId xmlns:a16="http://schemas.microsoft.com/office/drawing/2014/main" id="{05042E50-0A91-B6EA-8464-01D780F5D586}"/>
-              </a:ext>
-            </a:extLst>
-          </p:cNvPr>
-          <p:cNvSpPr/>
-          <p:nvPr/>
-        </p:nvSpPr>
-        <p:spPr>
-          <a:xfrm>
-            <a:off x="4567271" y="3266639"/>
-            <a:ext cx="1956518" cy="169277"/>
-          </a:xfrm>
-          <a:prstGeom prst="rect">
-            <a:avLst/>
-          </a:prstGeom>
-          <a:solidFill>
-            <a:schemeClr val="accent2"/>
-          </a:solidFill>
-          <a:ln>
-            <a:solidFill>
-              <a:schemeClr val="accent2">
-                <a:lumMod val="50000"/>
-              </a:schemeClr>
-            </a:solidFill>
-          </a:ln>
-        </p:spPr>
-        <p:style>
-          <a:lnRef idx="2">
-            <a:schemeClr val="accent1">
-              <a:shade val="15000"/>
-            </a:schemeClr>
-          </a:lnRef>
-          <a:fillRef idx="1">
-            <a:schemeClr val="accent1"/>
-          </a:fillRef>
-          <a:effectRef idx="0">
-            <a:schemeClr val="accent1"/>
-          </a:effectRef>
-          <a:fontRef idx="minor">
-            <a:schemeClr val="lt1"/>
-          </a:fontRef>
-        </p:style>
-        <p:txBody>
-          <a:bodyPr rtlCol="0" anchor="ctr"/>
-          <a:lstStyle/>
-          <a:p>
-            <a:pPr algn="ctr"/>
-            <a:r>
-              <a:rPr lang="en-GB" sz="600" dirty="0"/>
-              <a:t>Seidel &amp; Zernike Coefficients</a:t>
-            </a:r>
-          </a:p>
-        </p:txBody>
-      </p:sp>
-      <p:sp>
-        <p:nvSpPr>
-          <p:cNvPr id="7" name="ZoneTexte 6">
-            <a:extLst>
-              <a:ext uri="{FF2B5EF4-FFF2-40B4-BE49-F238E27FC236}">
-                <a16:creationId xmlns:a16="http://schemas.microsoft.com/office/drawing/2014/main" id="{18771F20-BAA9-3C2A-807C-7535C7E4EBFB}"/>
-              </a:ext>
-            </a:extLst>
-          </p:cNvPr>
-          <p:cNvSpPr txBox="1"/>
-          <p:nvPr/>
-        </p:nvSpPr>
-        <p:spPr>
-          <a:xfrm>
-            <a:off x="4567271" y="2627587"/>
-            <a:ext cx="1006415" cy="169277"/>
-          </a:xfrm>
-          <a:prstGeom prst="rect">
-            <a:avLst/>
-          </a:prstGeom>
-          <a:noFill/>
-        </p:spPr>
-        <p:txBody>
-          <a:bodyPr wrap="square" lIns="0" tIns="0" rtlCol="0">
-            <a:spAutoFit/>
-          </a:bodyPr>
-          <a:lstStyle/>
-          <a:p>
-            <a:r>
-              <a:rPr lang="en-GB" sz="800" b="1" dirty="0" err="1">
-                <a:solidFill>
-                  <a:schemeClr val="bg1"/>
-                </a:solidFill>
-              </a:rPr>
-              <a:t>Analyzes</a:t>
-            </a:r>
-            <a:endParaRPr lang="en-GB" sz="800" b="1" dirty="0">
-              <a:solidFill>
-                <a:schemeClr val="bg1"/>
-              </a:solidFill>
-            </a:endParaRPr>
-          </a:p>
-        </p:txBody>
-      </p:sp>
-      <p:sp>
-        <p:nvSpPr>
-          <p:cNvPr id="14" name="Rectangle 13">
-            <a:extLst>
-              <a:ext uri="{FF2B5EF4-FFF2-40B4-BE49-F238E27FC236}">
-                <a16:creationId xmlns:a16="http://schemas.microsoft.com/office/drawing/2014/main" id="{A7E0AC25-F62B-EC3F-FDE9-3A5D103C3321}"/>
-              </a:ext>
-            </a:extLst>
-          </p:cNvPr>
-          <p:cNvSpPr/>
-          <p:nvPr/>
-        </p:nvSpPr>
-        <p:spPr>
-          <a:xfrm>
-            <a:off x="4567271" y="3484878"/>
-            <a:ext cx="1956518" cy="169277"/>
-          </a:xfrm>
-          <a:prstGeom prst="rect">
-            <a:avLst/>
-          </a:prstGeom>
-          <a:solidFill>
-            <a:schemeClr val="accent1"/>
-          </a:solidFill>
-          <a:ln>
-            <a:solidFill>
-              <a:schemeClr val="accent1">
-                <a:lumMod val="50000"/>
-              </a:schemeClr>
-            </a:solidFill>
-          </a:ln>
-        </p:spPr>
-        <p:style>
-          <a:lnRef idx="2">
-            <a:schemeClr val="accent1">
-              <a:shade val="15000"/>
-            </a:schemeClr>
-          </a:lnRef>
-          <a:fillRef idx="1">
-            <a:schemeClr val="accent1"/>
-          </a:fillRef>
-          <a:effectRef idx="0">
-            <a:schemeClr val="accent1"/>
-          </a:effectRef>
-          <a:fontRef idx="minor">
-            <a:schemeClr val="lt1"/>
-          </a:fontRef>
-        </p:style>
-        <p:txBody>
-          <a:bodyPr rtlCol="0" anchor="ctr"/>
-          <a:lstStyle/>
-          <a:p>
-            <a:pPr algn="ctr"/>
-            <a:r>
-              <a:rPr lang="en-GB" sz="600" dirty="0"/>
-              <a:t>Spot Diagram</a:t>
-            </a:r>
-          </a:p>
-        </p:txBody>
-      </p:sp>
-      <p:sp>
-        <p:nvSpPr>
-          <p:cNvPr id="15" name="Rectangle 14">
-            <a:extLst>
-              <a:ext uri="{FF2B5EF4-FFF2-40B4-BE49-F238E27FC236}">
-                <a16:creationId xmlns:a16="http://schemas.microsoft.com/office/drawing/2014/main" id="{DF6D5906-7FFE-C858-DFC5-FDEFD41B26F3}"/>
-              </a:ext>
-            </a:extLst>
-          </p:cNvPr>
-          <p:cNvSpPr/>
-          <p:nvPr/>
-        </p:nvSpPr>
-        <p:spPr>
-          <a:xfrm>
-            <a:off x="4567271" y="3703117"/>
-            <a:ext cx="1956518" cy="169277"/>
-          </a:xfrm>
-          <a:prstGeom prst="rect">
-            <a:avLst/>
-          </a:prstGeom>
-          <a:solidFill>
-            <a:schemeClr val="accent1"/>
-          </a:solidFill>
-          <a:ln>
-            <a:solidFill>
-              <a:schemeClr val="accent1">
-                <a:lumMod val="50000"/>
-              </a:schemeClr>
-            </a:solidFill>
-          </a:ln>
-        </p:spPr>
-        <p:style>
-          <a:lnRef idx="2">
-            <a:schemeClr val="accent1">
-              <a:shade val="15000"/>
-            </a:schemeClr>
-          </a:lnRef>
-          <a:fillRef idx="1">
-            <a:schemeClr val="accent1"/>
-          </a:fillRef>
-          <a:effectRef idx="0">
-            <a:schemeClr val="accent1"/>
-          </a:effectRef>
-          <a:fontRef idx="minor">
-            <a:schemeClr val="lt1"/>
-          </a:fontRef>
-        </p:style>
-        <p:txBody>
-          <a:bodyPr rtlCol="0" anchor="ctr"/>
-          <a:lstStyle/>
-          <a:p>
-            <a:pPr algn="ctr"/>
-            <a:r>
-              <a:rPr lang="en-GB" sz="600" dirty="0"/>
-              <a:t>PSF</a:t>
-            </a:r>
-          </a:p>
-        </p:txBody>
-      </p:sp>
-      <p:sp>
-        <p:nvSpPr>
-          <p:cNvPr id="29" name="Rectangle 28">
-            <a:extLst>
-              <a:ext uri="{FF2B5EF4-FFF2-40B4-BE49-F238E27FC236}">
-                <a16:creationId xmlns:a16="http://schemas.microsoft.com/office/drawing/2014/main" id="{199D439B-65CE-8665-9A47-8B292CD34966}"/>
-              </a:ext>
-            </a:extLst>
-          </p:cNvPr>
-          <p:cNvSpPr/>
-          <p:nvPr/>
-        </p:nvSpPr>
-        <p:spPr>
-          <a:xfrm>
-            <a:off x="4567271" y="3921356"/>
-            <a:ext cx="1956518" cy="169277"/>
-          </a:xfrm>
-          <a:prstGeom prst="rect">
-            <a:avLst/>
-          </a:prstGeom>
-          <a:solidFill>
-            <a:schemeClr val="accent1"/>
-          </a:solidFill>
-          <a:ln>
-            <a:solidFill>
-              <a:schemeClr val="accent1">
-                <a:lumMod val="50000"/>
-              </a:schemeClr>
-            </a:solidFill>
-          </a:ln>
-        </p:spPr>
-        <p:style>
-          <a:lnRef idx="2">
-            <a:schemeClr val="accent1">
-              <a:shade val="15000"/>
-            </a:schemeClr>
-          </a:lnRef>
-          <a:fillRef idx="1">
-            <a:schemeClr val="accent1"/>
-          </a:fillRef>
-          <a:effectRef idx="0">
-            <a:schemeClr val="accent1"/>
-          </a:effectRef>
-          <a:fontRef idx="minor">
-            <a:schemeClr val="lt1"/>
-          </a:fontRef>
-        </p:style>
-        <p:txBody>
-          <a:bodyPr rtlCol="0" anchor="ctr"/>
-          <a:lstStyle/>
-          <a:p>
-            <a:pPr algn="ctr"/>
-            <a:r>
-              <a:rPr lang="en-GB" sz="600" dirty="0"/>
-              <a:t>MTF</a:t>
-            </a:r>
-          </a:p>
-        </p:txBody>
-      </p:sp>
-      <p:grpSp>
-        <p:nvGrpSpPr>
-          <p:cNvPr id="30" name="Groupe 29">
-            <a:extLst>
-              <a:ext uri="{FF2B5EF4-FFF2-40B4-BE49-F238E27FC236}">
-                <a16:creationId xmlns:a16="http://schemas.microsoft.com/office/drawing/2014/main" id="{7EF07226-D2F2-C550-223D-EAF98B4C870E}"/>
-              </a:ext>
-            </a:extLst>
-          </p:cNvPr>
-          <p:cNvGrpSpPr/>
-          <p:nvPr/>
-        </p:nvGrpSpPr>
-        <p:grpSpPr>
-          <a:xfrm>
-            <a:off x="4653394" y="2819907"/>
-            <a:ext cx="1840584" cy="169277"/>
-            <a:chOff x="4634863" y="4944364"/>
-            <a:chExt cx="1840584" cy="169277"/>
-          </a:xfrm>
-        </p:grpSpPr>
-        <p:sp>
-          <p:nvSpPr>
-            <p:cNvPr id="31" name="Rectangle 30">
-              <a:extLst>
-                <a:ext uri="{FF2B5EF4-FFF2-40B4-BE49-F238E27FC236}">
-                  <a16:creationId xmlns:a16="http://schemas.microsoft.com/office/drawing/2014/main" id="{E9FFA447-1B96-D42A-F9CA-411C7D03B925}"/>
-                </a:ext>
-              </a:extLst>
-            </p:cNvPr>
-            <p:cNvSpPr/>
-            <p:nvPr/>
-          </p:nvSpPr>
-          <p:spPr>
-            <a:xfrm>
-              <a:off x="5291528" y="4944364"/>
-              <a:ext cx="1183919" cy="169277"/>
-            </a:xfrm>
-            <a:prstGeom prst="rect">
-              <a:avLst/>
-            </a:prstGeom>
-            <a:solidFill>
-              <a:schemeClr val="accent2">
-                <a:lumMod val="20000"/>
-                <a:lumOff val="80000"/>
-              </a:schemeClr>
-            </a:solidFill>
-            <a:ln>
-              <a:solidFill>
-                <a:schemeClr val="accent2">
-                  <a:lumMod val="50000"/>
-                </a:schemeClr>
-              </a:solidFill>
-            </a:ln>
-          </p:spPr>
-          <p:style>
-            <a:lnRef idx="2">
-              <a:schemeClr val="accent1">
-                <a:shade val="15000"/>
-              </a:schemeClr>
-            </a:lnRef>
-            <a:fillRef idx="1">
-              <a:schemeClr val="accent1"/>
-            </a:fillRef>
-            <a:effectRef idx="0">
-              <a:schemeClr val="accent1"/>
-            </a:effectRef>
-            <a:fontRef idx="minor">
-              <a:schemeClr val="lt1"/>
-            </a:fontRef>
-          </p:style>
-          <p:txBody>
-            <a:bodyPr rtlCol="0" anchor="ctr"/>
-            <a:lstStyle/>
-            <a:p>
-              <a:r>
-                <a:rPr lang="en-GB" sz="600" dirty="0">
-                  <a:solidFill>
-                    <a:schemeClr val="tx1"/>
-                  </a:solidFill>
-                </a:rPr>
-                <a:t>4.5</a:t>
-              </a:r>
-            </a:p>
-          </p:txBody>
-        </p:sp>
-        <p:sp>
-          <p:nvSpPr>
-            <p:cNvPr id="32" name="ZoneTexte 31">
-              <a:extLst>
-                <a:ext uri="{FF2B5EF4-FFF2-40B4-BE49-F238E27FC236}">
-                  <a16:creationId xmlns:a16="http://schemas.microsoft.com/office/drawing/2014/main" id="{167A1556-74EE-7ADC-5B0A-036C894804A4}"/>
-                </a:ext>
-              </a:extLst>
-            </p:cNvPr>
-            <p:cNvSpPr txBox="1"/>
-            <p:nvPr/>
-          </p:nvSpPr>
-          <p:spPr>
-            <a:xfrm>
-              <a:off x="4634863" y="4967447"/>
-              <a:ext cx="1006415" cy="123111"/>
-            </a:xfrm>
-            <a:prstGeom prst="rect">
-              <a:avLst/>
-            </a:prstGeom>
-            <a:noFill/>
-          </p:spPr>
-          <p:txBody>
-            <a:bodyPr wrap="square" lIns="0" tIns="0" rIns="0" bIns="0" rtlCol="0">
-              <a:spAutoFit/>
-            </a:bodyPr>
-            <a:lstStyle/>
-            <a:p>
-              <a:r>
-                <a:rPr lang="en-GB" sz="800" dirty="0">
-                  <a:solidFill>
-                    <a:schemeClr val="accent2"/>
-                  </a:solidFill>
-                </a:rPr>
-                <a:t>N</a:t>
-              </a:r>
-            </a:p>
-          </p:txBody>
-        </p:sp>
-      </p:grpSp>
-      <p:grpSp>
-        <p:nvGrpSpPr>
-          <p:cNvPr id="33" name="Groupe 32">
-            <a:extLst>
-              <a:ext uri="{FF2B5EF4-FFF2-40B4-BE49-F238E27FC236}">
-                <a16:creationId xmlns:a16="http://schemas.microsoft.com/office/drawing/2014/main" id="{23B5DA05-2A1B-E6A1-8D44-5C813B0AC150}"/>
-              </a:ext>
-            </a:extLst>
-          </p:cNvPr>
-          <p:cNvGrpSpPr/>
-          <p:nvPr/>
-        </p:nvGrpSpPr>
-        <p:grpSpPr>
-          <a:xfrm>
-            <a:off x="4653394" y="3036567"/>
-            <a:ext cx="1840584" cy="169277"/>
-            <a:chOff x="4634863" y="4944364"/>
-            <a:chExt cx="1840584" cy="169277"/>
-          </a:xfrm>
-        </p:grpSpPr>
-        <p:sp>
-          <p:nvSpPr>
-            <p:cNvPr id="34" name="Rectangle 33">
-              <a:extLst>
-                <a:ext uri="{FF2B5EF4-FFF2-40B4-BE49-F238E27FC236}">
-                  <a16:creationId xmlns:a16="http://schemas.microsoft.com/office/drawing/2014/main" id="{7AB64E67-14DD-ED03-7EB7-A4314DCC39F2}"/>
-                </a:ext>
-              </a:extLst>
-            </p:cNvPr>
-            <p:cNvSpPr/>
-            <p:nvPr/>
-          </p:nvSpPr>
-          <p:spPr>
-            <a:xfrm>
-              <a:off x="5291528" y="4944364"/>
-              <a:ext cx="1183919" cy="169277"/>
-            </a:xfrm>
-            <a:prstGeom prst="rect">
-              <a:avLst/>
-            </a:prstGeom>
-            <a:solidFill>
-              <a:schemeClr val="accent2">
-                <a:lumMod val="20000"/>
-                <a:lumOff val="80000"/>
-              </a:schemeClr>
-            </a:solidFill>
-            <a:ln>
-              <a:solidFill>
-                <a:schemeClr val="accent2">
-                  <a:lumMod val="50000"/>
-                </a:schemeClr>
-              </a:solidFill>
-            </a:ln>
-          </p:spPr>
-          <p:style>
-            <a:lnRef idx="2">
-              <a:schemeClr val="accent1">
-                <a:shade val="15000"/>
-              </a:schemeClr>
-            </a:lnRef>
-            <a:fillRef idx="1">
-              <a:schemeClr val="accent1"/>
-            </a:fillRef>
-            <a:effectRef idx="0">
-              <a:schemeClr val="accent1"/>
-            </a:effectRef>
-            <a:fontRef idx="minor">
-              <a:schemeClr val="lt1"/>
-            </a:fontRef>
-          </p:style>
-          <p:txBody>
-            <a:bodyPr rtlCol="0" anchor="ctr"/>
-            <a:lstStyle/>
-            <a:p>
-              <a:r>
-                <a:rPr lang="en-GB" sz="600" dirty="0">
-                  <a:solidFill>
-                    <a:schemeClr val="tx1"/>
-                  </a:solidFill>
-                </a:rPr>
-                <a:t>150</a:t>
-              </a:r>
-            </a:p>
-          </p:txBody>
-        </p:sp>
-        <p:sp>
-          <p:nvSpPr>
-            <p:cNvPr id="35" name="ZoneTexte 34">
-              <a:extLst>
-                <a:ext uri="{FF2B5EF4-FFF2-40B4-BE49-F238E27FC236}">
-                  <a16:creationId xmlns:a16="http://schemas.microsoft.com/office/drawing/2014/main" id="{377E730B-3B9D-90DF-2C51-2C811B327D55}"/>
-                </a:ext>
-              </a:extLst>
-            </p:cNvPr>
-            <p:cNvSpPr txBox="1"/>
-            <p:nvPr/>
-          </p:nvSpPr>
-          <p:spPr>
-            <a:xfrm>
-              <a:off x="4634863" y="4967447"/>
-              <a:ext cx="1006415" cy="123111"/>
-            </a:xfrm>
-            <a:prstGeom prst="rect">
-              <a:avLst/>
-            </a:prstGeom>
-            <a:noFill/>
-          </p:spPr>
-          <p:txBody>
-            <a:bodyPr wrap="square" lIns="0" tIns="0" rIns="0" bIns="0" rtlCol="0">
-              <a:spAutoFit/>
-            </a:bodyPr>
-            <a:lstStyle/>
-            <a:p>
-              <a:r>
-                <a:rPr lang="en-GB" sz="800" dirty="0">
-                  <a:solidFill>
-                    <a:schemeClr val="accent2"/>
-                  </a:solidFill>
-                </a:rPr>
-                <a:t>f’ (mm)</a:t>
-              </a:r>
-            </a:p>
-          </p:txBody>
-        </p:sp>
-      </p:grpSp>
-    </p:spTree>
-    <p:extLst>
-      <p:ext uri="{BB962C8B-B14F-4D97-AF65-F5344CB8AC3E}">
-        <p14:creationId xmlns:p14="http://schemas.microsoft.com/office/powerpoint/2010/main" val="1166227331"/>
       </p:ext>
     </p:extLst>
   </p:cSld>

--- a/applis/Zygo-labwork/Structure_of_the_app.pptx
+++ b/applis/Zygo-labwork/Structure_of_the_app.pptx
@@ -4543,6 +4543,224 @@
                 </a:solidFill>
               </a:rPr>
               <a:t>Dorian MENDES (2024)</a:t>
+            </a:r>
+          </a:p>
+        </p:txBody>
+      </p:sp>
+      <p:sp>
+        <p:nvSpPr>
+          <p:cNvPr id="11" name="Triangle isocèle 10">
+            <a:extLst>
+              <a:ext uri="{FF2B5EF4-FFF2-40B4-BE49-F238E27FC236}">
+                <a16:creationId xmlns:a16="http://schemas.microsoft.com/office/drawing/2014/main" id="{02BB72CE-3B37-B8A7-F080-E1660F87AE09}"/>
+              </a:ext>
+            </a:extLst>
+          </p:cNvPr>
+          <p:cNvSpPr/>
+          <p:nvPr/>
+        </p:nvSpPr>
+        <p:spPr>
+          <a:xfrm rot="5400000">
+            <a:off x="1070940" y="2748804"/>
+            <a:ext cx="238982" cy="202356"/>
+          </a:xfrm>
+          <a:prstGeom prst="triangle">
+            <a:avLst/>
+          </a:prstGeom>
+          <a:solidFill>
+            <a:schemeClr val="tx1">
+              <a:lumMod val="50000"/>
+              <a:lumOff val="50000"/>
+            </a:schemeClr>
+          </a:solidFill>
+          <a:ln>
+            <a:noFill/>
+          </a:ln>
+        </p:spPr>
+        <p:style>
+          <a:lnRef idx="2">
+            <a:schemeClr val="accent1">
+              <a:shade val="50000"/>
+            </a:schemeClr>
+          </a:lnRef>
+          <a:fillRef idx="1">
+            <a:schemeClr val="accent1"/>
+          </a:fillRef>
+          <a:effectRef idx="0">
+            <a:schemeClr val="accent1"/>
+          </a:effectRef>
+          <a:fontRef idx="minor">
+            <a:schemeClr val="lt1"/>
+          </a:fontRef>
+        </p:style>
+        <p:txBody>
+          <a:bodyPr rtlCol="0" anchor="ctr"/>
+          <a:lstStyle/>
+          <a:p>
+            <a:pPr algn="ctr"/>
+            <a:endParaRPr lang="fr-FR">
+              <a:solidFill>
+                <a:schemeClr val="tx1">
+                  <a:lumMod val="95000"/>
+                  <a:lumOff val="5000"/>
+                </a:schemeClr>
+              </a:solidFill>
+            </a:endParaRPr>
+          </a:p>
+        </p:txBody>
+      </p:sp>
+      <p:sp>
+        <p:nvSpPr>
+          <p:cNvPr id="12" name="ZoneTexte 11">
+            <a:extLst>
+              <a:ext uri="{FF2B5EF4-FFF2-40B4-BE49-F238E27FC236}">
+                <a16:creationId xmlns:a16="http://schemas.microsoft.com/office/drawing/2014/main" id="{2CCB0213-86A4-98D6-A7E8-B1987AD55A8A}"/>
+              </a:ext>
+            </a:extLst>
+          </p:cNvPr>
+          <p:cNvSpPr txBox="1"/>
+          <p:nvPr/>
+        </p:nvSpPr>
+        <p:spPr>
+          <a:xfrm>
+            <a:off x="1370266" y="2679167"/>
+            <a:ext cx="6932486" cy="369332"/>
+          </a:xfrm>
+          <a:prstGeom prst="rect">
+            <a:avLst/>
+          </a:prstGeom>
+          <a:noFill/>
+        </p:spPr>
+        <p:txBody>
+          <a:bodyPr wrap="square">
+            <a:spAutoFit/>
+          </a:bodyPr>
+          <a:lstStyle/>
+          <a:p>
+            <a:r>
+              <a:rPr lang="fr-FR" dirty="0">
+                <a:solidFill>
+                  <a:schemeClr val="tx1">
+                    <a:lumMod val="95000"/>
+                    <a:lumOff val="5000"/>
+                  </a:schemeClr>
+                </a:solidFill>
+                <a:latin typeface="Arial" panose="020B0604020202020204" pitchFamily="34" charset="0"/>
+              </a:rPr>
+              <a:t>API Python IDS-</a:t>
+            </a:r>
+            <a:r>
+              <a:rPr lang="fr-FR" dirty="0" err="1">
+                <a:solidFill>
+                  <a:schemeClr val="tx1">
+                    <a:lumMod val="95000"/>
+                    <a:lumOff val="5000"/>
+                  </a:schemeClr>
+                </a:solidFill>
+                <a:latin typeface="Arial" panose="020B0604020202020204" pitchFamily="34" charset="0"/>
+              </a:rPr>
+              <a:t>peak</a:t>
+            </a:r>
+            <a:r>
+              <a:rPr lang="fr-FR" dirty="0">
+                <a:solidFill>
+                  <a:schemeClr val="tx1">
+                    <a:lumMod val="95000"/>
+                    <a:lumOff val="5000"/>
+                  </a:schemeClr>
+                </a:solidFill>
+                <a:latin typeface="Arial" panose="020B0604020202020204" pitchFamily="34" charset="0"/>
+              </a:rPr>
+              <a:t> and IDS-</a:t>
+            </a:r>
+            <a:r>
+              <a:rPr lang="fr-FR" dirty="0" err="1">
+                <a:solidFill>
+                  <a:schemeClr val="tx1">
+                    <a:lumMod val="95000"/>
+                    <a:lumOff val="5000"/>
+                  </a:schemeClr>
+                </a:solidFill>
+                <a:latin typeface="Arial" panose="020B0604020202020204" pitchFamily="34" charset="0"/>
+              </a:rPr>
+              <a:t>peak</a:t>
+            </a:r>
+            <a:r>
+              <a:rPr lang="fr-FR" dirty="0">
+                <a:solidFill>
+                  <a:schemeClr val="tx1">
+                    <a:lumMod val="95000"/>
+                    <a:lumOff val="5000"/>
+                  </a:schemeClr>
+                </a:solidFill>
+                <a:latin typeface="Arial" panose="020B0604020202020204" pitchFamily="34" charset="0"/>
+              </a:rPr>
+              <a:t>-IPL</a:t>
+            </a:r>
+            <a:endParaRPr lang="fr-FR" dirty="0">
+              <a:solidFill>
+                <a:schemeClr val="tx1">
+                  <a:lumMod val="95000"/>
+                  <a:lumOff val="5000"/>
+                </a:schemeClr>
+              </a:solidFill>
+            </a:endParaRPr>
+          </a:p>
+        </p:txBody>
+      </p:sp>
+      <p:sp>
+        <p:nvSpPr>
+          <p:cNvPr id="13" name="Rectangle 12">
+            <a:extLst>
+              <a:ext uri="{FF2B5EF4-FFF2-40B4-BE49-F238E27FC236}">
+                <a16:creationId xmlns:a16="http://schemas.microsoft.com/office/drawing/2014/main" id="{A2D34893-5F79-E81D-F7EC-6C2FE24DC0A1}"/>
+              </a:ext>
+            </a:extLst>
+          </p:cNvPr>
+          <p:cNvSpPr/>
+          <p:nvPr/>
+        </p:nvSpPr>
+        <p:spPr>
+          <a:xfrm>
+            <a:off x="0" y="6550222"/>
+            <a:ext cx="2101174" cy="307777"/>
+          </a:xfrm>
+          <a:prstGeom prst="rect">
+            <a:avLst/>
+          </a:prstGeom>
+          <a:solidFill>
+            <a:schemeClr val="accent4">
+              <a:lumMod val="75000"/>
+            </a:schemeClr>
+          </a:solidFill>
+          <a:ln>
+            <a:noFill/>
+          </a:ln>
+        </p:spPr>
+        <p:style>
+          <a:lnRef idx="2">
+            <a:schemeClr val="accent1">
+              <a:shade val="15000"/>
+            </a:schemeClr>
+          </a:lnRef>
+          <a:fillRef idx="1">
+            <a:schemeClr val="accent1"/>
+          </a:fillRef>
+          <a:effectRef idx="0">
+            <a:schemeClr val="accent1"/>
+          </a:effectRef>
+          <a:fontRef idx="minor">
+            <a:schemeClr val="lt1"/>
+          </a:fontRef>
+        </p:style>
+        <p:txBody>
+          <a:bodyPr rtlCol="0" anchor="ctr"/>
+          <a:lstStyle/>
+          <a:p>
+            <a:pPr algn="ctr"/>
+            <a:r>
+              <a:rPr lang="en-GB" sz="1400" b="1" dirty="0"/>
+              <a:t>Installation Info</a:t>
             </a:r>
           </a:p>
         </p:txBody>

--- a/applis/Zygo-labwork/Structure_of_the_app.pptx
+++ b/applis/Zygo-labwork/Structure_of_the_app.pptx
@@ -210,7 +210,7 @@
           <a:p>
             <a:fld id="{81A43072-CEF2-0346-96A0-32EE5758D126}" type="datetimeFigureOut">
               <a:rPr lang="fr-FR" smtClean="0"/>
-              <a:t>03/06/2024</a:t>
+              <a:t>04/06/2024</a:t>
             </a:fld>
             <a:endParaRPr lang="fr-FR"/>
           </a:p>
@@ -792,7 +792,7 @@
           <a:p>
             <a:fld id="{97239575-19C7-4932-B466-D6A5BCD29D08}" type="datetimeFigureOut">
               <a:rPr lang="fr-FR" smtClean="0"/>
-              <a:t>03/06/2024</a:t>
+              <a:t>04/06/2024</a:t>
             </a:fld>
             <a:endParaRPr lang="fr-FR"/>
           </a:p>
@@ -990,7 +990,7 @@
           <a:p>
             <a:fld id="{97239575-19C7-4932-B466-D6A5BCD29D08}" type="datetimeFigureOut">
               <a:rPr lang="fr-FR" smtClean="0"/>
-              <a:t>03/06/2024</a:t>
+              <a:t>04/06/2024</a:t>
             </a:fld>
             <a:endParaRPr lang="fr-FR"/>
           </a:p>
@@ -1198,7 +1198,7 @@
           <a:p>
             <a:fld id="{97239575-19C7-4932-B466-D6A5BCD29D08}" type="datetimeFigureOut">
               <a:rPr lang="fr-FR" smtClean="0"/>
-              <a:t>03/06/2024</a:t>
+              <a:t>04/06/2024</a:t>
             </a:fld>
             <a:endParaRPr lang="fr-FR"/>
           </a:p>
@@ -1396,7 +1396,7 @@
           <a:p>
             <a:fld id="{97239575-19C7-4932-B466-D6A5BCD29D08}" type="datetimeFigureOut">
               <a:rPr lang="fr-FR" smtClean="0"/>
-              <a:t>03/06/2024</a:t>
+              <a:t>04/06/2024</a:t>
             </a:fld>
             <a:endParaRPr lang="fr-FR"/>
           </a:p>
@@ -1671,7 +1671,7 @@
           <a:p>
             <a:fld id="{97239575-19C7-4932-B466-D6A5BCD29D08}" type="datetimeFigureOut">
               <a:rPr lang="fr-FR" smtClean="0"/>
-              <a:t>03/06/2024</a:t>
+              <a:t>04/06/2024</a:t>
             </a:fld>
             <a:endParaRPr lang="fr-FR"/>
           </a:p>
@@ -1936,7 +1936,7 @@
           <a:p>
             <a:fld id="{97239575-19C7-4932-B466-D6A5BCD29D08}" type="datetimeFigureOut">
               <a:rPr lang="fr-FR" smtClean="0"/>
-              <a:t>03/06/2024</a:t>
+              <a:t>04/06/2024</a:t>
             </a:fld>
             <a:endParaRPr lang="fr-FR"/>
           </a:p>
@@ -2348,7 +2348,7 @@
           <a:p>
             <a:fld id="{97239575-19C7-4932-B466-D6A5BCD29D08}" type="datetimeFigureOut">
               <a:rPr lang="fr-FR" smtClean="0"/>
-              <a:t>03/06/2024</a:t>
+              <a:t>04/06/2024</a:t>
             </a:fld>
             <a:endParaRPr lang="fr-FR"/>
           </a:p>
@@ -2489,7 +2489,7 @@
           <a:p>
             <a:fld id="{97239575-19C7-4932-B466-D6A5BCD29D08}" type="datetimeFigureOut">
               <a:rPr lang="fr-FR" smtClean="0"/>
-              <a:t>03/06/2024</a:t>
+              <a:t>04/06/2024</a:t>
             </a:fld>
             <a:endParaRPr lang="fr-FR"/>
           </a:p>
@@ -2602,7 +2602,7 @@
           <a:p>
             <a:fld id="{97239575-19C7-4932-B466-D6A5BCD29D08}" type="datetimeFigureOut">
               <a:rPr lang="fr-FR" smtClean="0"/>
-              <a:t>03/06/2024</a:t>
+              <a:t>04/06/2024</a:t>
             </a:fld>
             <a:endParaRPr lang="fr-FR"/>
           </a:p>
@@ -2913,7 +2913,7 @@
           <a:p>
             <a:fld id="{97239575-19C7-4932-B466-D6A5BCD29D08}" type="datetimeFigureOut">
               <a:rPr lang="fr-FR" smtClean="0"/>
-              <a:t>03/06/2024</a:t>
+              <a:t>04/06/2024</a:t>
             </a:fld>
             <a:endParaRPr lang="fr-FR"/>
           </a:p>
@@ -3201,7 +3201,7 @@
           <a:p>
             <a:fld id="{97239575-19C7-4932-B466-D6A5BCD29D08}" type="datetimeFigureOut">
               <a:rPr lang="fr-FR" smtClean="0"/>
-              <a:t>03/06/2024</a:t>
+              <a:t>04/06/2024</a:t>
             </a:fld>
             <a:endParaRPr lang="fr-FR"/>
           </a:p>
@@ -3442,7 +3442,7 @@
           <a:p>
             <a:fld id="{97239575-19C7-4932-B466-D6A5BCD29D08}" type="datetimeFigureOut">
               <a:rPr lang="fr-FR" smtClean="0"/>
-              <a:t>03/06/2024</a:t>
+              <a:t>04/06/2024</a:t>
             </a:fld>
             <a:endParaRPr lang="fr-FR"/>
           </a:p>
@@ -20387,7 +20387,7 @@
           <a:lstStyle/>
           <a:p>
             <a:pPr algn="ctr"/>
-            <a:endParaRPr lang="en-GB"/>
+            <a:endParaRPr lang="en-GB" dirty="0"/>
           </a:p>
         </p:txBody>
       </p:sp>
@@ -21162,199 +21162,6 @@
       </p:grpSp>
       <p:grpSp>
         <p:nvGrpSpPr>
-          <p:cNvPr id="43" name="Groupe 42">
-            <a:extLst>
-              <a:ext uri="{FF2B5EF4-FFF2-40B4-BE49-F238E27FC236}">
-                <a16:creationId xmlns:a16="http://schemas.microsoft.com/office/drawing/2014/main" id="{BD956F0D-D305-ED66-23CB-307F7BBE6458}"/>
-              </a:ext>
-            </a:extLst>
-          </p:cNvPr>
-          <p:cNvGrpSpPr/>
-          <p:nvPr/>
-        </p:nvGrpSpPr>
-        <p:grpSpPr>
-          <a:xfrm>
-            <a:off x="4572964" y="5217598"/>
-            <a:ext cx="1940120" cy="123111"/>
-            <a:chOff x="4572964" y="4633881"/>
-            <a:chExt cx="1940120" cy="123111"/>
-          </a:xfrm>
-        </p:grpSpPr>
-        <p:grpSp>
-          <p:nvGrpSpPr>
-            <p:cNvPr id="44" name="Groupe 43">
-              <a:extLst>
-                <a:ext uri="{FF2B5EF4-FFF2-40B4-BE49-F238E27FC236}">
-                  <a16:creationId xmlns:a16="http://schemas.microsoft.com/office/drawing/2014/main" id="{72D94446-C879-BCB1-7FDA-31CC8BB97D06}"/>
-                </a:ext>
-              </a:extLst>
-            </p:cNvPr>
-            <p:cNvGrpSpPr/>
-            <p:nvPr/>
-          </p:nvGrpSpPr>
-          <p:grpSpPr>
-            <a:xfrm>
-              <a:off x="5678915" y="4653052"/>
-              <a:ext cx="834169" cy="84769"/>
-              <a:chOff x="743267" y="2545704"/>
-              <a:chExt cx="1799636" cy="182880"/>
-            </a:xfrm>
-          </p:grpSpPr>
-          <p:sp>
-            <p:nvSpPr>
-              <p:cNvPr id="46" name="Rectangle : coins arrondis 45">
-                <a:extLst>
-                  <a:ext uri="{FF2B5EF4-FFF2-40B4-BE49-F238E27FC236}">
-                    <a16:creationId xmlns:a16="http://schemas.microsoft.com/office/drawing/2014/main" id="{07DD493E-9928-CBAF-E99D-EA0FA2B22177}"/>
-                  </a:ext>
-                </a:extLst>
-              </p:cNvPr>
-              <p:cNvSpPr/>
-              <p:nvPr/>
-            </p:nvSpPr>
-            <p:spPr>
-              <a:xfrm>
-                <a:off x="743267" y="2614285"/>
-                <a:ext cx="1799636" cy="45719"/>
-              </a:xfrm>
-              <a:prstGeom prst="roundRect">
-                <a:avLst>
-                  <a:gd name="adj" fmla="val 50000"/>
-                </a:avLst>
-              </a:prstGeom>
-              <a:solidFill>
-                <a:schemeClr val="accent2"/>
-              </a:solidFill>
-              <a:ln>
-                <a:noFill/>
-              </a:ln>
-            </p:spPr>
-            <p:style>
-              <a:lnRef idx="2">
-                <a:schemeClr val="accent1">
-                  <a:shade val="15000"/>
-                </a:schemeClr>
-              </a:lnRef>
-              <a:fillRef idx="1">
-                <a:schemeClr val="accent1"/>
-              </a:fillRef>
-              <a:effectRef idx="0">
-                <a:schemeClr val="accent1"/>
-              </a:effectRef>
-              <a:fontRef idx="minor">
-                <a:schemeClr val="lt1"/>
-              </a:fontRef>
-            </p:style>
-            <p:txBody>
-              <a:bodyPr rtlCol="0" anchor="ctr"/>
-              <a:lstStyle/>
-              <a:p>
-                <a:pPr algn="ctr"/>
-                <a:endParaRPr lang="fr-FR"/>
-              </a:p>
-            </p:txBody>
-          </p:sp>
-          <p:sp>
-            <p:nvSpPr>
-              <p:cNvPr id="47" name="Ellipse 46">
-                <a:extLst>
-                  <a:ext uri="{FF2B5EF4-FFF2-40B4-BE49-F238E27FC236}">
-                    <a16:creationId xmlns:a16="http://schemas.microsoft.com/office/drawing/2014/main" id="{899B5227-1DE1-912F-9CA2-CF0420402B7A}"/>
-                  </a:ext>
-                </a:extLst>
-              </p:cNvPr>
-              <p:cNvSpPr>
-                <a:spLocks noChangeAspect="1"/>
-              </p:cNvSpPr>
-              <p:nvPr/>
-            </p:nvSpPr>
-            <p:spPr>
-              <a:xfrm>
-                <a:off x="907225" y="2545704"/>
-                <a:ext cx="182880" cy="182880"/>
-              </a:xfrm>
-              <a:prstGeom prst="ellipse">
-                <a:avLst/>
-              </a:prstGeom>
-              <a:solidFill>
-                <a:schemeClr val="accent2"/>
-              </a:solidFill>
-              <a:ln>
-                <a:solidFill>
-                  <a:schemeClr val="accent2">
-                    <a:lumMod val="50000"/>
-                  </a:schemeClr>
-                </a:solidFill>
-              </a:ln>
-            </p:spPr>
-            <p:style>
-              <a:lnRef idx="2">
-                <a:schemeClr val="accent1">
-                  <a:shade val="15000"/>
-                </a:schemeClr>
-              </a:lnRef>
-              <a:fillRef idx="1">
-                <a:schemeClr val="accent1"/>
-              </a:fillRef>
-              <a:effectRef idx="0">
-                <a:schemeClr val="accent1"/>
-              </a:effectRef>
-              <a:fontRef idx="minor">
-                <a:schemeClr val="lt1"/>
-              </a:fontRef>
-            </p:style>
-            <p:txBody>
-              <a:bodyPr rtlCol="0" anchor="ctr"/>
-              <a:lstStyle/>
-              <a:p>
-                <a:pPr algn="ctr"/>
-                <a:endParaRPr lang="fr-FR"/>
-              </a:p>
-            </p:txBody>
-          </p:sp>
-        </p:grpSp>
-        <p:sp>
-          <p:nvSpPr>
-            <p:cNvPr id="45" name="ZoneTexte 44">
-              <a:extLst>
-                <a:ext uri="{FF2B5EF4-FFF2-40B4-BE49-F238E27FC236}">
-                  <a16:creationId xmlns:a16="http://schemas.microsoft.com/office/drawing/2014/main" id="{762452CF-83FE-FA60-A7A7-B6F698A0648B}"/>
-                </a:ext>
-              </a:extLst>
-            </p:cNvPr>
-            <p:cNvSpPr txBox="1"/>
-            <p:nvPr/>
-          </p:nvSpPr>
-          <p:spPr>
-            <a:xfrm>
-              <a:off x="4572964" y="4633881"/>
-              <a:ext cx="1006415" cy="123111"/>
-            </a:xfrm>
-            <a:prstGeom prst="rect">
-              <a:avLst/>
-            </a:prstGeom>
-            <a:noFill/>
-          </p:spPr>
-          <p:txBody>
-            <a:bodyPr wrap="square" lIns="0" tIns="0" rIns="0" bIns="0" rtlCol="0">
-              <a:spAutoFit/>
-            </a:bodyPr>
-            <a:lstStyle/>
-            <a:p>
-              <a:r>
-                <a:rPr lang="en-GB" sz="800" dirty="0">
-                  <a:solidFill>
-                    <a:schemeClr val="accent2"/>
-                  </a:solidFill>
-                </a:rPr>
-                <a:t>FPS: xx</a:t>
-              </a:r>
-            </a:p>
-          </p:txBody>
-        </p:sp>
-      </p:grpSp>
-      <p:grpSp>
-        <p:nvGrpSpPr>
           <p:cNvPr id="48" name="Groupe 47">
             <a:extLst>
               <a:ext uri="{FF2B5EF4-FFF2-40B4-BE49-F238E27FC236}">
@@ -21546,71 +21353,12 @@
           </p:txBody>
         </p:sp>
       </p:grpSp>
-      <p:sp>
-        <p:nvSpPr>
-          <p:cNvPr id="53" name="Rectangle 52">
-            <a:extLst>
-              <a:ext uri="{FF2B5EF4-FFF2-40B4-BE49-F238E27FC236}">
-                <a16:creationId xmlns:a16="http://schemas.microsoft.com/office/drawing/2014/main" id="{929A1EB8-3401-97D1-0F0B-1BF5016F8A5D}"/>
-              </a:ext>
-            </a:extLst>
-          </p:cNvPr>
-          <p:cNvSpPr/>
-          <p:nvPr/>
-        </p:nvSpPr>
-        <p:spPr>
-          <a:xfrm>
-            <a:off x="5678914" y="4674755"/>
-            <a:ext cx="834169" cy="169277"/>
-          </a:xfrm>
-          <a:prstGeom prst="rect">
-            <a:avLst/>
-          </a:prstGeom>
-          <a:solidFill>
-            <a:schemeClr val="accent2"/>
-          </a:solidFill>
-          <a:ln>
-            <a:solidFill>
-              <a:schemeClr val="accent2">
-                <a:lumMod val="50000"/>
-              </a:schemeClr>
-            </a:solidFill>
-          </a:ln>
-        </p:spPr>
-        <p:style>
-          <a:lnRef idx="2">
-            <a:schemeClr val="accent1">
-              <a:shade val="15000"/>
-            </a:schemeClr>
-          </a:lnRef>
-          <a:fillRef idx="1">
-            <a:schemeClr val="accent1"/>
-          </a:fillRef>
-          <a:effectRef idx="0">
-            <a:schemeClr val="accent1"/>
-          </a:effectRef>
-          <a:fontRef idx="minor">
-            <a:schemeClr val="lt1"/>
-          </a:fontRef>
-        </p:style>
-        <p:txBody>
-          <a:bodyPr rtlCol="0" anchor="ctr"/>
-          <a:lstStyle/>
-          <a:p>
-            <a:pPr algn="ctr"/>
-            <a:r>
-              <a:rPr lang="en-GB" sz="600" dirty="0"/>
-              <a:t>Connect</a:t>
-            </a:r>
-          </a:p>
-        </p:txBody>
-      </p:sp>
       <p:grpSp>
         <p:nvGrpSpPr>
-          <p:cNvPr id="56" name="Groupe 55">
-            <a:extLst>
-              <a:ext uri="{FF2B5EF4-FFF2-40B4-BE49-F238E27FC236}">
-                <a16:creationId xmlns:a16="http://schemas.microsoft.com/office/drawing/2014/main" id="{DAF12B8B-B054-65D7-E0A2-2367F74E3DE6}"/>
+          <p:cNvPr id="36" name="Groupe 35">
+            <a:extLst>
+              <a:ext uri="{FF2B5EF4-FFF2-40B4-BE49-F238E27FC236}">
+                <a16:creationId xmlns:a16="http://schemas.microsoft.com/office/drawing/2014/main" id="{0A4488F0-117F-B277-509A-C40587D6A486}"/>
               </a:ext>
             </a:extLst>
           </p:cNvPr>
@@ -21619,18 +21367,18 @@
         </p:nvGrpSpPr>
         <p:grpSpPr>
           <a:xfrm>
-            <a:off x="4556577" y="4680523"/>
-            <a:ext cx="1022802" cy="169277"/>
-            <a:chOff x="4556577" y="4600696"/>
-            <a:chExt cx="1022802" cy="169277"/>
+            <a:off x="4572964" y="4752682"/>
+            <a:ext cx="1840584" cy="169277"/>
+            <a:chOff x="4634863" y="4944364"/>
+            <a:chExt cx="1840584" cy="169277"/>
           </a:xfrm>
         </p:grpSpPr>
         <p:sp>
           <p:nvSpPr>
-            <p:cNvPr id="54" name="Rectangle 53">
+            <p:cNvPr id="37" name="Rectangle 36">
               <a:extLst>
                 <a:ext uri="{FF2B5EF4-FFF2-40B4-BE49-F238E27FC236}">
-                  <a16:creationId xmlns:a16="http://schemas.microsoft.com/office/drawing/2014/main" id="{D87F7622-3A8E-7B6B-5F40-43DF58D9630B}"/>
+                  <a16:creationId xmlns:a16="http://schemas.microsoft.com/office/drawing/2014/main" id="{58C2E191-3EBF-E956-5041-4F6AF1D66D1C}"/>
                 </a:ext>
               </a:extLst>
             </p:cNvPr>
@@ -21639,8 +21387,8 @@
           </p:nvSpPr>
           <p:spPr>
             <a:xfrm>
-              <a:off x="4556577" y="4600696"/>
-              <a:ext cx="1022802" cy="169277"/>
+              <a:off x="5291528" y="4944364"/>
+              <a:ext cx="1183919" cy="169277"/>
             </a:xfrm>
             <a:prstGeom prst="rect">
               <a:avLst/>
@@ -21685,151 +21433,64 @@
                     <a:schemeClr val="tx1"/>
                   </a:solidFill>
                 </a:rPr>
-                <a:t>COM….</a:t>
+                <a:t>IDS-xxx </a:t>
               </a:r>
+              <a:r>
+                <a:rPr lang="en-GB" sz="600" dirty="0" err="1">
+                  <a:solidFill>
+                    <a:schemeClr val="tx1"/>
+                  </a:solidFill>
+                </a:rPr>
+                <a:t>xxxxxx</a:t>
+              </a:r>
+              <a:endParaRPr lang="en-GB" sz="600" dirty="0">
+                <a:solidFill>
+                  <a:schemeClr val="tx1"/>
+                </a:solidFill>
+              </a:endParaRPr>
             </a:p>
           </p:txBody>
         </p:sp>
         <p:sp>
           <p:nvSpPr>
-            <p:cNvPr id="55" name="Triangle 54">
+            <p:cNvPr id="38" name="ZoneTexte 37">
               <a:extLst>
                 <a:ext uri="{FF2B5EF4-FFF2-40B4-BE49-F238E27FC236}">
-                  <a16:creationId xmlns:a16="http://schemas.microsoft.com/office/drawing/2014/main" id="{005B152D-00F5-8407-80DD-866712EBC785}"/>
+                  <a16:creationId xmlns:a16="http://schemas.microsoft.com/office/drawing/2014/main" id="{6035D7AD-BB11-A807-47A3-5D18A4A496BE}"/>
                 </a:ext>
               </a:extLst>
             </p:cNvPr>
-            <p:cNvSpPr/>
+            <p:cNvSpPr txBox="1"/>
             <p:nvPr/>
           </p:nvSpPr>
           <p:spPr>
-            <a:xfrm flipV="1">
-              <a:off x="5463679" y="4668705"/>
-              <a:ext cx="60566" cy="52212"/>
+            <a:xfrm>
+              <a:off x="4634863" y="4967447"/>
+              <a:ext cx="1006415" cy="123111"/>
             </a:xfrm>
-            <a:prstGeom prst="triangle">
+            <a:prstGeom prst="rect">
               <a:avLst/>
             </a:prstGeom>
-            <a:solidFill>
-              <a:schemeClr val="accent2">
-                <a:lumMod val="50000"/>
-              </a:schemeClr>
-            </a:solidFill>
-            <a:ln>
-              <a:noFill/>
-            </a:ln>
+            <a:noFill/>
           </p:spPr>
-          <p:style>
-            <a:lnRef idx="2">
-              <a:schemeClr val="accent1">
-                <a:shade val="15000"/>
-              </a:schemeClr>
-            </a:lnRef>
-            <a:fillRef idx="1">
-              <a:schemeClr val="accent1"/>
-            </a:fillRef>
-            <a:effectRef idx="0">
-              <a:schemeClr val="accent1"/>
-            </a:effectRef>
-            <a:fontRef idx="minor">
-              <a:schemeClr val="lt1"/>
-            </a:fontRef>
-          </p:style>
           <p:txBody>
-            <a:bodyPr rtlCol="0" anchor="ctr"/>
+            <a:bodyPr wrap="square" lIns="0" tIns="0" rIns="0" bIns="0" rtlCol="0">
+              <a:spAutoFit/>
+            </a:bodyPr>
             <a:lstStyle/>
             <a:p>
-              <a:pPr algn="ctr"/>
-              <a:endParaRPr lang="fr-FR"/>
+              <a:r>
+                <a:rPr lang="en-GB" sz="800" dirty="0">
+                  <a:solidFill>
+                    <a:schemeClr val="accent2"/>
+                  </a:solidFill>
+                </a:rPr>
+                <a:t>Camera ID</a:t>
+              </a:r>
             </a:p>
           </p:txBody>
         </p:sp>
       </p:grpSp>
-      <p:cxnSp>
-        <p:nvCxnSpPr>
-          <p:cNvPr id="6" name="Connecteur droit avec flèche 5">
-            <a:extLst>
-              <a:ext uri="{FF2B5EF4-FFF2-40B4-BE49-F238E27FC236}">
-                <a16:creationId xmlns:a16="http://schemas.microsoft.com/office/drawing/2014/main" id="{6A5C0590-E775-90D9-0F24-510C1590F5D1}"/>
-              </a:ext>
-            </a:extLst>
-          </p:cNvPr>
-          <p:cNvCxnSpPr>
-            <a:cxnSpLocks/>
-            <a:stCxn id="7" idx="3"/>
-            <a:endCxn id="45" idx="1"/>
-          </p:cNvCxnSpPr>
-          <p:nvPr/>
-        </p:nvCxnSpPr>
-        <p:spPr>
-          <a:xfrm flipV="1">
-            <a:off x="2756821" y="5279154"/>
-            <a:ext cx="1816143" cy="10596"/>
-          </a:xfrm>
-          <a:prstGeom prst="straightConnector1">
-            <a:avLst/>
-          </a:prstGeom>
-          <a:ln>
-            <a:solidFill>
-              <a:schemeClr val="tx1"/>
-            </a:solidFill>
-            <a:tailEnd type="triangle"/>
-          </a:ln>
-        </p:spPr>
-        <p:style>
-          <a:lnRef idx="2">
-            <a:schemeClr val="accent1"/>
-          </a:lnRef>
-          <a:fillRef idx="0">
-            <a:schemeClr val="accent1"/>
-          </a:fillRef>
-          <a:effectRef idx="1">
-            <a:schemeClr val="accent1"/>
-          </a:effectRef>
-          <a:fontRef idx="minor">
-            <a:schemeClr val="tx1"/>
-          </a:fontRef>
-        </p:style>
-      </p:cxnSp>
-      <p:sp>
-        <p:nvSpPr>
-          <p:cNvPr id="7" name="ZoneTexte 6">
-            <a:extLst>
-              <a:ext uri="{FF2B5EF4-FFF2-40B4-BE49-F238E27FC236}">
-                <a16:creationId xmlns:a16="http://schemas.microsoft.com/office/drawing/2014/main" id="{B127059F-2FF4-8574-5728-11CA235EA003}"/>
-              </a:ext>
-            </a:extLst>
-          </p:cNvPr>
-          <p:cNvSpPr txBox="1"/>
-          <p:nvPr/>
-        </p:nvSpPr>
-        <p:spPr>
-          <a:xfrm>
-            <a:off x="1167027" y="5135861"/>
-            <a:ext cx="1589794" cy="307777"/>
-          </a:xfrm>
-          <a:prstGeom prst="rect">
-            <a:avLst/>
-          </a:prstGeom>
-          <a:noFill/>
-        </p:spPr>
-        <p:txBody>
-          <a:bodyPr wrap="none" rtlCol="0">
-            <a:spAutoFit/>
-          </a:bodyPr>
-          <a:lstStyle/>
-          <a:p>
-            <a:r>
-              <a:rPr lang="fr-FR" sz="1400" dirty="0" err="1"/>
-              <a:t>Really</a:t>
-            </a:r>
-            <a:r>
-              <a:rPr lang="fr-FR" sz="1400" dirty="0"/>
-              <a:t> important ?</a:t>
-            </a:r>
-          </a:p>
-        </p:txBody>
-      </p:sp>
     </p:spTree>
     <p:extLst>
       <p:ext uri="{BB962C8B-B14F-4D97-AF65-F5344CB8AC3E}">

--- a/applis/Zygo-labwork/Structure_of_the_app.pptx
+++ b/applis/Zygo-labwork/Structure_of_the_app.pptx
@@ -13622,124 +13622,6 @@
           </a:p>
         </p:txBody>
       </p:sp>
-      <p:sp>
-        <p:nvSpPr>
-          <p:cNvPr id="14" name="Rectangle 13">
-            <a:extLst>
-              <a:ext uri="{FF2B5EF4-FFF2-40B4-BE49-F238E27FC236}">
-                <a16:creationId xmlns:a16="http://schemas.microsoft.com/office/drawing/2014/main" id="{A856B1ED-BFC6-8150-145F-39F579A13A24}"/>
-              </a:ext>
-            </a:extLst>
-          </p:cNvPr>
-          <p:cNvSpPr/>
-          <p:nvPr/>
-        </p:nvSpPr>
-        <p:spPr>
-          <a:xfrm>
-            <a:off x="3319513" y="5111826"/>
-            <a:ext cx="820069" cy="111266"/>
-          </a:xfrm>
-          <a:prstGeom prst="rect">
-            <a:avLst/>
-          </a:prstGeom>
-          <a:solidFill>
-            <a:srgbClr val="00B050"/>
-          </a:solidFill>
-          <a:ln>
-            <a:solidFill>
-              <a:schemeClr val="accent2">
-                <a:lumMod val="50000"/>
-              </a:schemeClr>
-            </a:solidFill>
-          </a:ln>
-        </p:spPr>
-        <p:style>
-          <a:lnRef idx="2">
-            <a:schemeClr val="accent1">
-              <a:shade val="15000"/>
-            </a:schemeClr>
-          </a:lnRef>
-          <a:fillRef idx="1">
-            <a:schemeClr val="accent1"/>
-          </a:fillRef>
-          <a:effectRef idx="0">
-            <a:schemeClr val="accent1"/>
-          </a:effectRef>
-          <a:fontRef idx="minor">
-            <a:schemeClr val="lt1"/>
-          </a:fontRef>
-        </p:style>
-        <p:txBody>
-          <a:bodyPr rtlCol="0" anchor="ctr"/>
-          <a:lstStyle/>
-          <a:p>
-            <a:pPr algn="ctr"/>
-            <a:r>
-              <a:rPr lang="en-GB" sz="600" dirty="0"/>
-              <a:t>Camera</a:t>
-            </a:r>
-          </a:p>
-        </p:txBody>
-      </p:sp>
-      <p:sp>
-        <p:nvSpPr>
-          <p:cNvPr id="29" name="Rectangle 28">
-            <a:extLst>
-              <a:ext uri="{FF2B5EF4-FFF2-40B4-BE49-F238E27FC236}">
-                <a16:creationId xmlns:a16="http://schemas.microsoft.com/office/drawing/2014/main" id="{7F98D288-0E18-48B6-BF6F-EAF81878AEB5}"/>
-              </a:ext>
-            </a:extLst>
-          </p:cNvPr>
-          <p:cNvSpPr/>
-          <p:nvPr/>
-        </p:nvSpPr>
-        <p:spPr>
-          <a:xfrm>
-            <a:off x="3319513" y="5265436"/>
-            <a:ext cx="820069" cy="111266"/>
-          </a:xfrm>
-          <a:prstGeom prst="rect">
-            <a:avLst/>
-          </a:prstGeom>
-          <a:solidFill>
-            <a:srgbClr val="FF0000"/>
-          </a:solidFill>
-          <a:ln>
-            <a:solidFill>
-              <a:schemeClr val="accent2">
-                <a:lumMod val="50000"/>
-              </a:schemeClr>
-            </a:solidFill>
-          </a:ln>
-        </p:spPr>
-        <p:style>
-          <a:lnRef idx="2">
-            <a:schemeClr val="accent1">
-              <a:shade val="15000"/>
-            </a:schemeClr>
-          </a:lnRef>
-          <a:fillRef idx="1">
-            <a:schemeClr val="accent1"/>
-          </a:fillRef>
-          <a:effectRef idx="0">
-            <a:schemeClr val="accent1"/>
-          </a:effectRef>
-          <a:fontRef idx="minor">
-            <a:schemeClr val="lt1"/>
-          </a:fontRef>
-        </p:style>
-        <p:txBody>
-          <a:bodyPr rtlCol="0" anchor="ctr"/>
-          <a:lstStyle/>
-          <a:p>
-            <a:pPr algn="ctr"/>
-            <a:r>
-              <a:rPr lang="en-GB" sz="600" dirty="0"/>
-              <a:t>Piezo</a:t>
-            </a:r>
-          </a:p>
-        </p:txBody>
-      </p:sp>
       <p:cxnSp>
         <p:nvCxnSpPr>
           <p:cNvPr id="30" name="Connecteur droit avec flèche 29">
@@ -16148,41 +16030,6 @@
             <a:r>
               <a:rPr lang="en-GB" sz="900"/>
               <a:t>Masks</a:t>
-            </a:r>
-          </a:p>
-        </p:txBody>
-      </p:sp>
-      <p:sp>
-        <p:nvSpPr>
-          <p:cNvPr id="23" name="ZoneTexte 22">
-            <a:extLst>
-              <a:ext uri="{FF2B5EF4-FFF2-40B4-BE49-F238E27FC236}">
-                <a16:creationId xmlns:a16="http://schemas.microsoft.com/office/drawing/2014/main" id="{61D74ADE-B32A-830F-4CEC-7FCB75F8AA0F}"/>
-              </a:ext>
-            </a:extLst>
-          </p:cNvPr>
-          <p:cNvSpPr txBox="1"/>
-          <p:nvPr/>
-        </p:nvSpPr>
-        <p:spPr>
-          <a:xfrm>
-            <a:off x="7548814" y="2019706"/>
-            <a:ext cx="415523" cy="369332"/>
-          </a:xfrm>
-          <a:prstGeom prst="rect">
-            <a:avLst/>
-          </a:prstGeom>
-          <a:noFill/>
-        </p:spPr>
-        <p:txBody>
-          <a:bodyPr wrap="square" rtlCol="0">
-            <a:spAutoFit/>
-          </a:bodyPr>
-          <a:lstStyle/>
-          <a:p>
-            <a:r>
-              <a:rPr lang="en-GB"/>
-              <a:t>🇬🇧</a:t>
             </a:r>
           </a:p>
         </p:txBody>
@@ -17825,6 +17672,124 @@
           </p:txBody>
         </p:sp>
       </p:grpSp>
+      <p:sp>
+        <p:nvSpPr>
+          <p:cNvPr id="7" name="Rectangle 6">
+            <a:extLst>
+              <a:ext uri="{FF2B5EF4-FFF2-40B4-BE49-F238E27FC236}">
+                <a16:creationId xmlns:a16="http://schemas.microsoft.com/office/drawing/2014/main" id="{11C423B3-E4DA-4822-78C0-C5B577C2CA5B}"/>
+              </a:ext>
+            </a:extLst>
+          </p:cNvPr>
+          <p:cNvSpPr/>
+          <p:nvPr/>
+        </p:nvSpPr>
+        <p:spPr>
+          <a:xfrm>
+            <a:off x="6828886" y="5595543"/>
+            <a:ext cx="820069" cy="111266"/>
+          </a:xfrm>
+          <a:prstGeom prst="rect">
+            <a:avLst/>
+          </a:prstGeom>
+          <a:solidFill>
+            <a:srgbClr val="00B050"/>
+          </a:solidFill>
+          <a:ln>
+            <a:solidFill>
+              <a:schemeClr val="accent2">
+                <a:lumMod val="50000"/>
+              </a:schemeClr>
+            </a:solidFill>
+          </a:ln>
+        </p:spPr>
+        <p:style>
+          <a:lnRef idx="2">
+            <a:schemeClr val="accent1">
+              <a:shade val="15000"/>
+            </a:schemeClr>
+          </a:lnRef>
+          <a:fillRef idx="1">
+            <a:schemeClr val="accent1"/>
+          </a:fillRef>
+          <a:effectRef idx="0">
+            <a:schemeClr val="accent1"/>
+          </a:effectRef>
+          <a:fontRef idx="minor">
+            <a:schemeClr val="lt1"/>
+          </a:fontRef>
+        </p:style>
+        <p:txBody>
+          <a:bodyPr rtlCol="0" anchor="ctr"/>
+          <a:lstStyle/>
+          <a:p>
+            <a:pPr algn="ctr"/>
+            <a:r>
+              <a:rPr lang="en-GB" sz="600" dirty="0"/>
+              <a:t>Camera</a:t>
+            </a:r>
+          </a:p>
+        </p:txBody>
+      </p:sp>
+      <p:sp>
+        <p:nvSpPr>
+          <p:cNvPr id="13" name="Rectangle 12">
+            <a:extLst>
+              <a:ext uri="{FF2B5EF4-FFF2-40B4-BE49-F238E27FC236}">
+                <a16:creationId xmlns:a16="http://schemas.microsoft.com/office/drawing/2014/main" id="{963C8002-8A6E-04F1-9127-904A99029A67}"/>
+              </a:ext>
+            </a:extLst>
+          </p:cNvPr>
+          <p:cNvSpPr/>
+          <p:nvPr/>
+        </p:nvSpPr>
+        <p:spPr>
+          <a:xfrm>
+            <a:off x="6828886" y="5749153"/>
+            <a:ext cx="820069" cy="111266"/>
+          </a:xfrm>
+          <a:prstGeom prst="rect">
+            <a:avLst/>
+          </a:prstGeom>
+          <a:solidFill>
+            <a:srgbClr val="FF0000"/>
+          </a:solidFill>
+          <a:ln>
+            <a:solidFill>
+              <a:schemeClr val="accent2">
+                <a:lumMod val="50000"/>
+              </a:schemeClr>
+            </a:solidFill>
+          </a:ln>
+        </p:spPr>
+        <p:style>
+          <a:lnRef idx="2">
+            <a:schemeClr val="accent1">
+              <a:shade val="15000"/>
+            </a:schemeClr>
+          </a:lnRef>
+          <a:fillRef idx="1">
+            <a:schemeClr val="accent1"/>
+          </a:fillRef>
+          <a:effectRef idx="0">
+            <a:schemeClr val="accent1"/>
+          </a:effectRef>
+          <a:fontRef idx="minor">
+            <a:schemeClr val="lt1"/>
+          </a:fontRef>
+        </p:style>
+        <p:txBody>
+          <a:bodyPr rtlCol="0" anchor="ctr"/>
+          <a:lstStyle/>
+          <a:p>
+            <a:pPr algn="ctr"/>
+            <a:r>
+              <a:rPr lang="en-GB" sz="600" dirty="0"/>
+              <a:t>Piezo</a:t>
+            </a:r>
+          </a:p>
+        </p:txBody>
+      </p:sp>
     </p:spTree>
     <p:extLst>
       <p:ext uri="{BB962C8B-B14F-4D97-AF65-F5344CB8AC3E}">

--- a/applis/Zygo-labwork/Structure_of_the_app.pptx
+++ b/applis/Zygo-labwork/Structure_of_the_app.pptx
@@ -6407,6 +6407,758 @@
           </p:txBody>
         </p:sp>
       </p:grpSp>
+      <p:graphicFrame>
+        <p:nvGraphicFramePr>
+          <p:cNvPr id="13" name="Tableau 12">
+            <a:extLst>
+              <a:ext uri="{FF2B5EF4-FFF2-40B4-BE49-F238E27FC236}">
+                <a16:creationId xmlns:a16="http://schemas.microsoft.com/office/drawing/2014/main" id="{3D14650D-0974-0D9E-4C71-B59158C789B3}"/>
+              </a:ext>
+            </a:extLst>
+          </p:cNvPr>
+          <p:cNvGraphicFramePr>
+            <a:graphicFrameLocks noGrp="1"/>
+          </p:cNvGraphicFramePr>
+          <p:nvPr>
+            <p:extLst>
+              <p:ext uri="{D42A27DB-BD31-4B8C-83A1-F6EECF244321}">
+                <p14:modId xmlns:p14="http://schemas.microsoft.com/office/powerpoint/2010/main" val="887141976"/>
+              </p:ext>
+            </p:extLst>
+          </p:nvPr>
+        </p:nvGraphicFramePr>
+        <p:xfrm>
+          <a:off x="4602902" y="4810526"/>
+          <a:ext cx="1883728" cy="748596"/>
+        </p:xfrm>
+        <a:graphic>
+          <a:graphicData uri="http://schemas.openxmlformats.org/drawingml/2006/table">
+            <a:tbl>
+              <a:tblPr firstRow="1">
+                <a:tableStyleId>{284E427A-3D55-4303-BF80-6455036E1DE7}</a:tableStyleId>
+              </a:tblPr>
+              <a:tblGrid>
+                <a:gridCol w="269104">
+                  <a:extLst>
+                    <a:ext uri="{9D8B030D-6E8A-4147-A177-3AD203B41FA5}">
+                      <a16:colId xmlns:a16="http://schemas.microsoft.com/office/drawing/2014/main" val="3629675326"/>
+                    </a:ext>
+                  </a:extLst>
+                </a:gridCol>
+                <a:gridCol w="269104">
+                  <a:extLst>
+                    <a:ext uri="{9D8B030D-6E8A-4147-A177-3AD203B41FA5}">
+                      <a16:colId xmlns:a16="http://schemas.microsoft.com/office/drawing/2014/main" val="1638662622"/>
+                    </a:ext>
+                  </a:extLst>
+                </a:gridCol>
+                <a:gridCol w="269104">
+                  <a:extLst>
+                    <a:ext uri="{9D8B030D-6E8A-4147-A177-3AD203B41FA5}">
+                      <a16:colId xmlns:a16="http://schemas.microsoft.com/office/drawing/2014/main" val="3571151943"/>
+                    </a:ext>
+                  </a:extLst>
+                </a:gridCol>
+                <a:gridCol w="269104">
+                  <a:extLst>
+                    <a:ext uri="{9D8B030D-6E8A-4147-A177-3AD203B41FA5}">
+                      <a16:colId xmlns:a16="http://schemas.microsoft.com/office/drawing/2014/main" val="1566257407"/>
+                    </a:ext>
+                  </a:extLst>
+                </a:gridCol>
+                <a:gridCol w="269104">
+                  <a:extLst>
+                    <a:ext uri="{9D8B030D-6E8A-4147-A177-3AD203B41FA5}">
+                      <a16:colId xmlns:a16="http://schemas.microsoft.com/office/drawing/2014/main" val="684904652"/>
+                    </a:ext>
+                  </a:extLst>
+                </a:gridCol>
+                <a:gridCol w="269104">
+                  <a:extLst>
+                    <a:ext uri="{9D8B030D-6E8A-4147-A177-3AD203B41FA5}">
+                      <a16:colId xmlns:a16="http://schemas.microsoft.com/office/drawing/2014/main" val="2045673248"/>
+                    </a:ext>
+                  </a:extLst>
+                </a:gridCol>
+                <a:gridCol w="269104">
+                  <a:extLst>
+                    <a:ext uri="{9D8B030D-6E8A-4147-A177-3AD203B41FA5}">
+                      <a16:colId xmlns:a16="http://schemas.microsoft.com/office/drawing/2014/main" val="4108038552"/>
+                    </a:ext>
+                  </a:extLst>
+                </a:gridCol>
+              </a:tblGrid>
+              <a:tr h="249532">
+                <a:tc>
+                  <a:txBody>
+                    <a:bodyPr/>
+                    <a:lstStyle/>
+                    <a:p>
+                      <a:pPr algn="ctr"/>
+                      <a:endParaRPr lang="fr-FR" sz="600" b="0" dirty="0"/>
+                    </a:p>
+                  </a:txBody>
+                  <a:tcPr marL="0" marR="0" marT="0" marB="0" anchor="ctr"/>
+                </a:tc>
+                <a:tc>
+                  <a:txBody>
+                    <a:bodyPr/>
+                    <a:lstStyle/>
+                    <a:p>
+                      <a:pPr algn="ctr"/>
+                      <a:endParaRPr lang="fr-FR" sz="600" b="0" dirty="0"/>
+                    </a:p>
+                  </a:txBody>
+                  <a:tcPr marL="0" marR="0" marT="0" marB="0" anchor="ctr"/>
+                </a:tc>
+                <a:tc>
+                  <a:txBody>
+                    <a:bodyPr/>
+                    <a:lstStyle/>
+                    <a:p>
+                      <a:pPr algn="ctr"/>
+                      <a:endParaRPr lang="fr-FR" sz="600" b="0" dirty="0"/>
+                    </a:p>
+                  </a:txBody>
+                  <a:tcPr marL="0" marR="0" marT="0" marB="0" anchor="ctr"/>
+                </a:tc>
+                <a:tc>
+                  <a:txBody>
+                    <a:bodyPr/>
+                    <a:lstStyle/>
+                    <a:p>
+                      <a:pPr algn="ctr"/>
+                      <a:endParaRPr lang="fr-FR" sz="600" b="0" dirty="0"/>
+                    </a:p>
+                  </a:txBody>
+                  <a:tcPr marL="0" marR="0" marT="0" marB="0" anchor="ctr"/>
+                </a:tc>
+                <a:tc>
+                  <a:txBody>
+                    <a:bodyPr/>
+                    <a:lstStyle/>
+                    <a:p>
+                      <a:pPr algn="ctr"/>
+                      <a:endParaRPr lang="fr-FR" sz="600" b="0" dirty="0"/>
+                    </a:p>
+                  </a:txBody>
+                  <a:tcPr marL="0" marR="0" marT="0" marB="0" anchor="ctr"/>
+                </a:tc>
+                <a:tc>
+                  <a:txBody>
+                    <a:bodyPr/>
+                    <a:lstStyle/>
+                    <a:p>
+                      <a:pPr algn="ctr"/>
+                      <a:endParaRPr lang="fr-FR" sz="600" b="0" dirty="0"/>
+                    </a:p>
+                  </a:txBody>
+                  <a:tcPr marL="0" marR="0" marT="0" marB="0" anchor="ctr"/>
+                </a:tc>
+                <a:tc>
+                  <a:txBody>
+                    <a:bodyPr/>
+                    <a:lstStyle/>
+                    <a:p>
+                      <a:pPr algn="ctr"/>
+                      <a:endParaRPr lang="fr-FR" sz="600" b="0" dirty="0"/>
+                    </a:p>
+                  </a:txBody>
+                  <a:tcPr marL="0" marR="0" marT="0" marB="0" anchor="ctr"/>
+                </a:tc>
+                <a:extLst>
+                  <a:ext uri="{0D108BD9-81ED-4DB2-BD59-A6C34878D82A}">
+                    <a16:rowId xmlns:a16="http://schemas.microsoft.com/office/drawing/2014/main" val="401024579"/>
+                  </a:ext>
+                </a:extLst>
+              </a:tr>
+              <a:tr h="249532">
+                <a:tc>
+                  <a:txBody>
+                    <a:bodyPr/>
+                    <a:lstStyle/>
+                    <a:p>
+                      <a:pPr algn="ctr"/>
+                      <a:endParaRPr lang="fr-FR" sz="600" b="0" dirty="0"/>
+                    </a:p>
+                  </a:txBody>
+                  <a:tcPr marL="0" marR="0" marT="0" marB="0" anchor="ctr"/>
+                </a:tc>
+                <a:tc>
+                  <a:txBody>
+                    <a:bodyPr/>
+                    <a:lstStyle/>
+                    <a:p>
+                      <a:pPr algn="ctr"/>
+                      <a:endParaRPr lang="fr-FR" sz="600" b="0" dirty="0"/>
+                    </a:p>
+                  </a:txBody>
+                  <a:tcPr marL="0" marR="0" marT="0" marB="0" anchor="ctr"/>
+                </a:tc>
+                <a:tc>
+                  <a:txBody>
+                    <a:bodyPr/>
+                    <a:lstStyle/>
+                    <a:p>
+                      <a:pPr algn="ctr"/>
+                      <a:endParaRPr lang="fr-FR" sz="600" b="0" dirty="0"/>
+                    </a:p>
+                  </a:txBody>
+                  <a:tcPr marL="0" marR="0" marT="0" marB="0" anchor="ctr"/>
+                </a:tc>
+                <a:tc>
+                  <a:txBody>
+                    <a:bodyPr/>
+                    <a:lstStyle/>
+                    <a:p>
+                      <a:pPr algn="ctr"/>
+                      <a:endParaRPr lang="fr-FR" sz="600" b="0" dirty="0"/>
+                    </a:p>
+                  </a:txBody>
+                  <a:tcPr marL="0" marR="0" marT="0" marB="0" anchor="ctr"/>
+                </a:tc>
+                <a:tc>
+                  <a:txBody>
+                    <a:bodyPr/>
+                    <a:lstStyle/>
+                    <a:p>
+                      <a:pPr algn="ctr"/>
+                      <a:endParaRPr lang="fr-FR" sz="600" b="0" dirty="0"/>
+                    </a:p>
+                  </a:txBody>
+                  <a:tcPr marL="0" marR="0" marT="0" marB="0" anchor="ctr"/>
+                </a:tc>
+                <a:tc>
+                  <a:txBody>
+                    <a:bodyPr/>
+                    <a:lstStyle/>
+                    <a:p>
+                      <a:pPr algn="ctr"/>
+                      <a:endParaRPr lang="fr-FR" sz="600" b="0" dirty="0"/>
+                    </a:p>
+                  </a:txBody>
+                  <a:tcPr marL="0" marR="0" marT="0" marB="0" anchor="ctr"/>
+                </a:tc>
+                <a:tc>
+                  <a:txBody>
+                    <a:bodyPr/>
+                    <a:lstStyle/>
+                    <a:p>
+                      <a:pPr algn="ctr"/>
+                      <a:endParaRPr lang="fr-FR" sz="600" b="0"/>
+                    </a:p>
+                  </a:txBody>
+                  <a:tcPr marL="0" marR="0" marT="0" marB="0" anchor="ctr"/>
+                </a:tc>
+                <a:extLst>
+                  <a:ext uri="{0D108BD9-81ED-4DB2-BD59-A6C34878D82A}">
+                    <a16:rowId xmlns:a16="http://schemas.microsoft.com/office/drawing/2014/main" val="464496667"/>
+                  </a:ext>
+                </a:extLst>
+              </a:tr>
+              <a:tr h="249532">
+                <a:tc>
+                  <a:txBody>
+                    <a:bodyPr/>
+                    <a:lstStyle/>
+                    <a:p>
+                      <a:pPr algn="ctr"/>
+                      <a:endParaRPr lang="fr-FR" sz="600" b="0" dirty="0"/>
+                    </a:p>
+                  </a:txBody>
+                  <a:tcPr marL="0" marR="0" marT="0" marB="0" anchor="ctr"/>
+                </a:tc>
+                <a:tc>
+                  <a:txBody>
+                    <a:bodyPr/>
+                    <a:lstStyle/>
+                    <a:p>
+                      <a:pPr algn="ctr"/>
+                      <a:endParaRPr lang="fr-FR" sz="600" b="0"/>
+                    </a:p>
+                  </a:txBody>
+                  <a:tcPr marL="0" marR="0" marT="0" marB="0" anchor="ctr"/>
+                </a:tc>
+                <a:tc>
+                  <a:txBody>
+                    <a:bodyPr/>
+                    <a:lstStyle/>
+                    <a:p>
+                      <a:pPr algn="ctr"/>
+                      <a:endParaRPr lang="fr-FR" sz="600" b="0"/>
+                    </a:p>
+                  </a:txBody>
+                  <a:tcPr marL="0" marR="0" marT="0" marB="0" anchor="ctr"/>
+                </a:tc>
+                <a:tc>
+                  <a:txBody>
+                    <a:bodyPr/>
+                    <a:lstStyle/>
+                    <a:p>
+                      <a:pPr algn="ctr"/>
+                      <a:endParaRPr lang="fr-FR" sz="600" b="0"/>
+                    </a:p>
+                  </a:txBody>
+                  <a:tcPr marL="0" marR="0" marT="0" marB="0" anchor="ctr"/>
+                </a:tc>
+                <a:tc>
+                  <a:txBody>
+                    <a:bodyPr/>
+                    <a:lstStyle/>
+                    <a:p>
+                      <a:pPr algn="ctr"/>
+                      <a:endParaRPr lang="fr-FR" sz="600" b="0"/>
+                    </a:p>
+                  </a:txBody>
+                  <a:tcPr marL="0" marR="0" marT="0" marB="0" anchor="ctr"/>
+                </a:tc>
+                <a:tc>
+                  <a:txBody>
+                    <a:bodyPr/>
+                    <a:lstStyle/>
+                    <a:p>
+                      <a:pPr algn="ctr"/>
+                      <a:endParaRPr lang="fr-FR" sz="600" b="0" dirty="0"/>
+                    </a:p>
+                  </a:txBody>
+                  <a:tcPr marL="0" marR="0" marT="0" marB="0" anchor="ctr"/>
+                </a:tc>
+                <a:tc>
+                  <a:txBody>
+                    <a:bodyPr/>
+                    <a:lstStyle/>
+                    <a:p>
+                      <a:pPr algn="ctr"/>
+                      <a:endParaRPr lang="fr-FR" sz="600" b="0" dirty="0"/>
+                    </a:p>
+                  </a:txBody>
+                  <a:tcPr marL="0" marR="0" marT="0" marB="0" anchor="ctr"/>
+                </a:tc>
+                <a:extLst>
+                  <a:ext uri="{0D108BD9-81ED-4DB2-BD59-A6C34878D82A}">
+                    <a16:rowId xmlns:a16="http://schemas.microsoft.com/office/drawing/2014/main" val="169265387"/>
+                  </a:ext>
+                </a:extLst>
+              </a:tr>
+            </a:tbl>
+          </a:graphicData>
+        </a:graphic>
+      </p:graphicFrame>
+      <p:graphicFrame>
+        <p:nvGraphicFramePr>
+          <p:cNvPr id="36" name="Tableau 35">
+            <a:extLst>
+              <a:ext uri="{FF2B5EF4-FFF2-40B4-BE49-F238E27FC236}">
+                <a16:creationId xmlns:a16="http://schemas.microsoft.com/office/drawing/2014/main" id="{0BF9E167-860A-ADE6-9DA5-F9ADBE894A66}"/>
+              </a:ext>
+            </a:extLst>
+          </p:cNvPr>
+          <p:cNvGraphicFramePr>
+            <a:graphicFrameLocks noGrp="1"/>
+          </p:cNvGraphicFramePr>
+          <p:nvPr>
+            <p:extLst>
+              <p:ext uri="{D42A27DB-BD31-4B8C-83A1-F6EECF244321}">
+                <p14:modId xmlns:p14="http://schemas.microsoft.com/office/powerpoint/2010/main" val="295148436"/>
+              </p:ext>
+            </p:extLst>
+          </p:nvPr>
+        </p:nvGraphicFramePr>
+        <p:xfrm>
+          <a:off x="6845045" y="4810526"/>
+          <a:ext cx="1883728" cy="748596"/>
+        </p:xfrm>
+        <a:graphic>
+          <a:graphicData uri="http://schemas.openxmlformats.org/drawingml/2006/table">
+            <a:tbl>
+              <a:tblPr firstRow="1">
+                <a:tableStyleId>{284E427A-3D55-4303-BF80-6455036E1DE7}</a:tableStyleId>
+              </a:tblPr>
+              <a:tblGrid>
+                <a:gridCol w="269104">
+                  <a:extLst>
+                    <a:ext uri="{9D8B030D-6E8A-4147-A177-3AD203B41FA5}">
+                      <a16:colId xmlns:a16="http://schemas.microsoft.com/office/drawing/2014/main" val="3629675326"/>
+                    </a:ext>
+                  </a:extLst>
+                </a:gridCol>
+                <a:gridCol w="269104">
+                  <a:extLst>
+                    <a:ext uri="{9D8B030D-6E8A-4147-A177-3AD203B41FA5}">
+                      <a16:colId xmlns:a16="http://schemas.microsoft.com/office/drawing/2014/main" val="1638662622"/>
+                    </a:ext>
+                  </a:extLst>
+                </a:gridCol>
+                <a:gridCol w="269104">
+                  <a:extLst>
+                    <a:ext uri="{9D8B030D-6E8A-4147-A177-3AD203B41FA5}">
+                      <a16:colId xmlns:a16="http://schemas.microsoft.com/office/drawing/2014/main" val="3571151943"/>
+                    </a:ext>
+                  </a:extLst>
+                </a:gridCol>
+                <a:gridCol w="269104">
+                  <a:extLst>
+                    <a:ext uri="{9D8B030D-6E8A-4147-A177-3AD203B41FA5}">
+                      <a16:colId xmlns:a16="http://schemas.microsoft.com/office/drawing/2014/main" val="1566257407"/>
+                    </a:ext>
+                  </a:extLst>
+                </a:gridCol>
+                <a:gridCol w="269104">
+                  <a:extLst>
+                    <a:ext uri="{9D8B030D-6E8A-4147-A177-3AD203B41FA5}">
+                      <a16:colId xmlns:a16="http://schemas.microsoft.com/office/drawing/2014/main" val="684904652"/>
+                    </a:ext>
+                  </a:extLst>
+                </a:gridCol>
+                <a:gridCol w="269104">
+                  <a:extLst>
+                    <a:ext uri="{9D8B030D-6E8A-4147-A177-3AD203B41FA5}">
+                      <a16:colId xmlns:a16="http://schemas.microsoft.com/office/drawing/2014/main" val="2045673248"/>
+                    </a:ext>
+                  </a:extLst>
+                </a:gridCol>
+                <a:gridCol w="269104">
+                  <a:extLst>
+                    <a:ext uri="{9D8B030D-6E8A-4147-A177-3AD203B41FA5}">
+                      <a16:colId xmlns:a16="http://schemas.microsoft.com/office/drawing/2014/main" val="4108038552"/>
+                    </a:ext>
+                  </a:extLst>
+                </a:gridCol>
+              </a:tblGrid>
+              <a:tr h="249532">
+                <a:tc>
+                  <a:txBody>
+                    <a:bodyPr/>
+                    <a:lstStyle/>
+                    <a:p>
+                      <a:pPr algn="ctr"/>
+                      <a:endParaRPr lang="fr-FR" sz="600" b="0" dirty="0"/>
+                    </a:p>
+                  </a:txBody>
+                  <a:tcPr marL="0" marR="0" marT="0" marB="0" anchor="ctr"/>
+                </a:tc>
+                <a:tc>
+                  <a:txBody>
+                    <a:bodyPr/>
+                    <a:lstStyle/>
+                    <a:p>
+                      <a:pPr algn="ctr"/>
+                      <a:endParaRPr lang="fr-FR" sz="600" b="0" dirty="0"/>
+                    </a:p>
+                  </a:txBody>
+                  <a:tcPr marL="0" marR="0" marT="0" marB="0" anchor="ctr"/>
+                </a:tc>
+                <a:tc>
+                  <a:txBody>
+                    <a:bodyPr/>
+                    <a:lstStyle/>
+                    <a:p>
+                      <a:pPr algn="ctr"/>
+                      <a:endParaRPr lang="fr-FR" sz="600" b="0" dirty="0"/>
+                    </a:p>
+                  </a:txBody>
+                  <a:tcPr marL="0" marR="0" marT="0" marB="0" anchor="ctr"/>
+                </a:tc>
+                <a:tc>
+                  <a:txBody>
+                    <a:bodyPr/>
+                    <a:lstStyle/>
+                    <a:p>
+                      <a:pPr algn="ctr"/>
+                      <a:endParaRPr lang="fr-FR" sz="600" b="0" dirty="0"/>
+                    </a:p>
+                  </a:txBody>
+                  <a:tcPr marL="0" marR="0" marT="0" marB="0" anchor="ctr"/>
+                </a:tc>
+                <a:tc>
+                  <a:txBody>
+                    <a:bodyPr/>
+                    <a:lstStyle/>
+                    <a:p>
+                      <a:pPr algn="ctr"/>
+                      <a:endParaRPr lang="fr-FR" sz="600" b="0" dirty="0"/>
+                    </a:p>
+                  </a:txBody>
+                  <a:tcPr marL="0" marR="0" marT="0" marB="0" anchor="ctr"/>
+                </a:tc>
+                <a:tc>
+                  <a:txBody>
+                    <a:bodyPr/>
+                    <a:lstStyle/>
+                    <a:p>
+                      <a:pPr algn="ctr"/>
+                      <a:endParaRPr lang="fr-FR" sz="600" b="0" dirty="0"/>
+                    </a:p>
+                  </a:txBody>
+                  <a:tcPr marL="0" marR="0" marT="0" marB="0" anchor="ctr"/>
+                </a:tc>
+                <a:tc>
+                  <a:txBody>
+                    <a:bodyPr/>
+                    <a:lstStyle/>
+                    <a:p>
+                      <a:pPr algn="ctr"/>
+                      <a:endParaRPr lang="fr-FR" sz="600" b="0" dirty="0"/>
+                    </a:p>
+                  </a:txBody>
+                  <a:tcPr marL="0" marR="0" marT="0" marB="0" anchor="ctr"/>
+                </a:tc>
+                <a:extLst>
+                  <a:ext uri="{0D108BD9-81ED-4DB2-BD59-A6C34878D82A}">
+                    <a16:rowId xmlns:a16="http://schemas.microsoft.com/office/drawing/2014/main" val="401024579"/>
+                  </a:ext>
+                </a:extLst>
+              </a:tr>
+              <a:tr h="249532">
+                <a:tc>
+                  <a:txBody>
+                    <a:bodyPr/>
+                    <a:lstStyle/>
+                    <a:p>
+                      <a:pPr algn="ctr"/>
+                      <a:endParaRPr lang="fr-FR" sz="600" b="0" dirty="0"/>
+                    </a:p>
+                  </a:txBody>
+                  <a:tcPr marL="0" marR="0" marT="0" marB="0" anchor="ctr"/>
+                </a:tc>
+                <a:tc>
+                  <a:txBody>
+                    <a:bodyPr/>
+                    <a:lstStyle/>
+                    <a:p>
+                      <a:pPr algn="ctr"/>
+                      <a:endParaRPr lang="fr-FR" sz="600" b="0" dirty="0"/>
+                    </a:p>
+                  </a:txBody>
+                  <a:tcPr marL="0" marR="0" marT="0" marB="0" anchor="ctr"/>
+                </a:tc>
+                <a:tc>
+                  <a:txBody>
+                    <a:bodyPr/>
+                    <a:lstStyle/>
+                    <a:p>
+                      <a:pPr algn="ctr"/>
+                      <a:endParaRPr lang="fr-FR" sz="600" b="0" dirty="0"/>
+                    </a:p>
+                  </a:txBody>
+                  <a:tcPr marL="0" marR="0" marT="0" marB="0" anchor="ctr"/>
+                </a:tc>
+                <a:tc>
+                  <a:txBody>
+                    <a:bodyPr/>
+                    <a:lstStyle/>
+                    <a:p>
+                      <a:pPr algn="ctr"/>
+                      <a:endParaRPr lang="fr-FR" sz="600" b="0"/>
+                    </a:p>
+                  </a:txBody>
+                  <a:tcPr marL="0" marR="0" marT="0" marB="0" anchor="ctr"/>
+                </a:tc>
+                <a:tc>
+                  <a:txBody>
+                    <a:bodyPr/>
+                    <a:lstStyle/>
+                    <a:p>
+                      <a:pPr algn="ctr"/>
+                      <a:endParaRPr lang="fr-FR" sz="600" b="0"/>
+                    </a:p>
+                  </a:txBody>
+                  <a:tcPr marL="0" marR="0" marT="0" marB="0" anchor="ctr"/>
+                </a:tc>
+                <a:tc>
+                  <a:txBody>
+                    <a:bodyPr/>
+                    <a:lstStyle/>
+                    <a:p>
+                      <a:pPr algn="ctr"/>
+                      <a:endParaRPr lang="fr-FR" sz="600" b="0"/>
+                    </a:p>
+                  </a:txBody>
+                  <a:tcPr marL="0" marR="0" marT="0" marB="0" anchor="ctr"/>
+                </a:tc>
+                <a:tc>
+                  <a:txBody>
+                    <a:bodyPr/>
+                    <a:lstStyle/>
+                    <a:p>
+                      <a:pPr algn="ctr"/>
+                      <a:endParaRPr lang="fr-FR" sz="600" b="0"/>
+                    </a:p>
+                  </a:txBody>
+                  <a:tcPr marL="0" marR="0" marT="0" marB="0" anchor="ctr"/>
+                </a:tc>
+                <a:extLst>
+                  <a:ext uri="{0D108BD9-81ED-4DB2-BD59-A6C34878D82A}">
+                    <a16:rowId xmlns:a16="http://schemas.microsoft.com/office/drawing/2014/main" val="464496667"/>
+                  </a:ext>
+                </a:extLst>
+              </a:tr>
+              <a:tr h="249532">
+                <a:tc>
+                  <a:txBody>
+                    <a:bodyPr/>
+                    <a:lstStyle/>
+                    <a:p>
+                      <a:pPr algn="ctr"/>
+                      <a:endParaRPr lang="fr-FR" sz="600" b="0" dirty="0"/>
+                    </a:p>
+                  </a:txBody>
+                  <a:tcPr marL="0" marR="0" marT="0" marB="0" anchor="ctr"/>
+                </a:tc>
+                <a:tc>
+                  <a:txBody>
+                    <a:bodyPr/>
+                    <a:lstStyle/>
+                    <a:p>
+                      <a:pPr algn="ctr"/>
+                      <a:endParaRPr lang="fr-FR" sz="600" b="0"/>
+                    </a:p>
+                  </a:txBody>
+                  <a:tcPr marL="0" marR="0" marT="0" marB="0" anchor="ctr"/>
+                </a:tc>
+                <a:tc>
+                  <a:txBody>
+                    <a:bodyPr/>
+                    <a:lstStyle/>
+                    <a:p>
+                      <a:pPr algn="ctr"/>
+                      <a:endParaRPr lang="fr-FR" sz="600" b="0" dirty="0"/>
+                    </a:p>
+                  </a:txBody>
+                  <a:tcPr marL="0" marR="0" marT="0" marB="0" anchor="ctr"/>
+                </a:tc>
+                <a:tc>
+                  <a:txBody>
+                    <a:bodyPr/>
+                    <a:lstStyle/>
+                    <a:p>
+                      <a:pPr algn="ctr"/>
+                      <a:endParaRPr lang="fr-FR" sz="600" b="0" dirty="0"/>
+                    </a:p>
+                  </a:txBody>
+                  <a:tcPr marL="0" marR="0" marT="0" marB="0" anchor="ctr"/>
+                </a:tc>
+                <a:tc>
+                  <a:txBody>
+                    <a:bodyPr/>
+                    <a:lstStyle/>
+                    <a:p>
+                      <a:pPr algn="ctr"/>
+                      <a:endParaRPr lang="fr-FR" sz="600" b="0" dirty="0"/>
+                    </a:p>
+                  </a:txBody>
+                  <a:tcPr marL="0" marR="0" marT="0" marB="0" anchor="ctr"/>
+                </a:tc>
+                <a:tc>
+                  <a:txBody>
+                    <a:bodyPr/>
+                    <a:lstStyle/>
+                    <a:p>
+                      <a:pPr algn="ctr"/>
+                      <a:endParaRPr lang="fr-FR" sz="600" b="0" dirty="0"/>
+                    </a:p>
+                  </a:txBody>
+                  <a:tcPr marL="0" marR="0" marT="0" marB="0" anchor="ctr"/>
+                </a:tc>
+                <a:tc>
+                  <a:txBody>
+                    <a:bodyPr/>
+                    <a:lstStyle/>
+                    <a:p>
+                      <a:pPr algn="ctr"/>
+                      <a:endParaRPr lang="fr-FR" sz="600" b="0" dirty="0"/>
+                    </a:p>
+                  </a:txBody>
+                  <a:tcPr marL="0" marR="0" marT="0" marB="0" anchor="ctr"/>
+                </a:tc>
+                <a:extLst>
+                  <a:ext uri="{0D108BD9-81ED-4DB2-BD59-A6C34878D82A}">
+                    <a16:rowId xmlns:a16="http://schemas.microsoft.com/office/drawing/2014/main" val="169265387"/>
+                  </a:ext>
+                </a:extLst>
+              </a:tr>
+            </a:tbl>
+          </a:graphicData>
+        </a:graphic>
+      </p:graphicFrame>
+      <p:sp>
+        <p:nvSpPr>
+          <p:cNvPr id="37" name="ZoneTexte 36">
+            <a:extLst>
+              <a:ext uri="{FF2B5EF4-FFF2-40B4-BE49-F238E27FC236}">
+                <a16:creationId xmlns:a16="http://schemas.microsoft.com/office/drawing/2014/main" id="{024520E0-77F3-AA10-56D5-C8BB32BBC371}"/>
+              </a:ext>
+            </a:extLst>
+          </p:cNvPr>
+          <p:cNvSpPr txBox="1"/>
+          <p:nvPr/>
+        </p:nvSpPr>
+        <p:spPr>
+          <a:xfrm>
+            <a:off x="4574636" y="4452477"/>
+            <a:ext cx="1006415" cy="169277"/>
+          </a:xfrm>
+          <a:prstGeom prst="rect">
+            <a:avLst/>
+          </a:prstGeom>
+          <a:noFill/>
+        </p:spPr>
+        <p:txBody>
+          <a:bodyPr wrap="square" lIns="0" tIns="0" rtlCol="0">
+            <a:spAutoFit/>
+          </a:bodyPr>
+          <a:lstStyle/>
+          <a:p>
+            <a:r>
+              <a:rPr lang="en-GB" sz="800" b="1" dirty="0">
+                <a:solidFill>
+                  <a:schemeClr val="accent2"/>
+                </a:solidFill>
+              </a:rPr>
+              <a:t>Seidel coefficients</a:t>
+            </a:r>
+          </a:p>
+        </p:txBody>
+      </p:sp>
+      <p:sp>
+        <p:nvSpPr>
+          <p:cNvPr id="38" name="ZoneTexte 37">
+            <a:extLst>
+              <a:ext uri="{FF2B5EF4-FFF2-40B4-BE49-F238E27FC236}">
+                <a16:creationId xmlns:a16="http://schemas.microsoft.com/office/drawing/2014/main" id="{7D42AD2F-B674-F830-2C2B-C54B149AED4F}"/>
+              </a:ext>
+            </a:extLst>
+          </p:cNvPr>
+          <p:cNvSpPr txBox="1"/>
+          <p:nvPr/>
+        </p:nvSpPr>
+        <p:spPr>
+          <a:xfrm>
+            <a:off x="6845045" y="4452476"/>
+            <a:ext cx="1498855" cy="169277"/>
+          </a:xfrm>
+          <a:prstGeom prst="rect">
+            <a:avLst/>
+          </a:prstGeom>
+          <a:noFill/>
+        </p:spPr>
+        <p:txBody>
+          <a:bodyPr wrap="square" lIns="0" tIns="0" rtlCol="0">
+            <a:spAutoFit/>
+          </a:bodyPr>
+          <a:lstStyle/>
+          <a:p>
+            <a:r>
+              <a:rPr lang="en-GB" sz="800" b="1" dirty="0">
+                <a:solidFill>
+                  <a:schemeClr val="accent2"/>
+                </a:solidFill>
+              </a:rPr>
+              <a:t>Zernike coefficients</a:t>
+            </a:r>
+          </a:p>
+        </p:txBody>
+      </p:sp>
     </p:spTree>
     <p:extLst>
       <p:ext uri="{BB962C8B-B14F-4D97-AF65-F5344CB8AC3E}">
@@ -25629,13 +26381,13 @@
           <p:nvPr>
             <p:extLst>
               <p:ext uri="{D42A27DB-BD31-4B8C-83A1-F6EECF244321}">
-                <p14:modId xmlns:p14="http://schemas.microsoft.com/office/powerpoint/2010/main" val="2035504600"/>
+                <p14:modId xmlns:p14="http://schemas.microsoft.com/office/powerpoint/2010/main" val="1543241449"/>
               </p:ext>
             </p:extLst>
           </p:nvPr>
         </p:nvGraphicFramePr>
         <p:xfrm>
-          <a:off x="6857146" y="4498366"/>
+          <a:off x="6857146" y="4681246"/>
           <a:ext cx="1883728" cy="748596"/>
         </p:xfrm>
         <a:graphic>
@@ -25990,7 +26742,7 @@
         </p:nvGrpSpPr>
         <p:grpSpPr>
           <a:xfrm>
-            <a:off x="7718072" y="5339128"/>
+            <a:off x="7718072" y="5522008"/>
             <a:ext cx="1022802" cy="169277"/>
             <a:chOff x="4556577" y="4600696"/>
             <a:chExt cx="1022802" cy="169277"/>
@@ -26130,7 +26882,7 @@
         </p:nvSpPr>
         <p:spPr>
           <a:xfrm>
-            <a:off x="6918197" y="5371467"/>
+            <a:off x="6918197" y="5554347"/>
             <a:ext cx="1006415" cy="123111"/>
           </a:xfrm>
           <a:prstGeom prst="rect">
@@ -26210,6 +26962,45 @@
             <a:r>
               <a:rPr lang="en-GB" sz="600" dirty="0"/>
               <a:t>Print all results</a:t>
+            </a:r>
+          </a:p>
+        </p:txBody>
+      </p:sp>
+      <p:sp>
+        <p:nvSpPr>
+          <p:cNvPr id="7" name="ZoneTexte 6">
+            <a:extLst>
+              <a:ext uri="{FF2B5EF4-FFF2-40B4-BE49-F238E27FC236}">
+                <a16:creationId xmlns:a16="http://schemas.microsoft.com/office/drawing/2014/main" id="{8F246501-CDD8-A349-6CB4-523290AD1085}"/>
+              </a:ext>
+            </a:extLst>
+          </p:cNvPr>
+          <p:cNvSpPr txBox="1"/>
+          <p:nvPr/>
+        </p:nvSpPr>
+        <p:spPr>
+          <a:xfrm>
+            <a:off x="6804079" y="4432800"/>
+            <a:ext cx="1006415" cy="169277"/>
+          </a:xfrm>
+          <a:prstGeom prst="rect">
+            <a:avLst/>
+          </a:prstGeom>
+          <a:noFill/>
+        </p:spPr>
+        <p:txBody>
+          <a:bodyPr wrap="square" lIns="0" tIns="0" rtlCol="0">
+            <a:spAutoFit/>
+          </a:bodyPr>
+          <a:lstStyle/>
+          <a:p>
+            <a:r>
+              <a:rPr lang="en-GB" sz="800" b="1" dirty="0">
+                <a:solidFill>
+                  <a:schemeClr val="accent2"/>
+                </a:solidFill>
+              </a:rPr>
+              <a:t>Results</a:t>
             </a:r>
           </a:p>
         </p:txBody>

--- a/applis/Zygo-labwork/Structure_of_the_app.pptx
+++ b/applis/Zygo-labwork/Structure_of_the_app.pptx
@@ -26381,13 +26381,13 @@
           <p:nvPr>
             <p:extLst>
               <p:ext uri="{D42A27DB-BD31-4B8C-83A1-F6EECF244321}">
-                <p14:modId xmlns:p14="http://schemas.microsoft.com/office/powerpoint/2010/main" val="1543241449"/>
+                <p14:modId xmlns:p14="http://schemas.microsoft.com/office/powerpoint/2010/main" val="2471823493"/>
               </p:ext>
             </p:extLst>
           </p:nvPr>
         </p:nvGraphicFramePr>
         <p:xfrm>
-          <a:off x="6857146" y="4681246"/>
+          <a:off x="6857146" y="4909199"/>
           <a:ext cx="1883728" cy="748596"/>
         </p:xfrm>
         <a:graphic>
@@ -26742,7 +26742,7 @@
         </p:nvGrpSpPr>
         <p:grpSpPr>
           <a:xfrm>
-            <a:off x="7718072" y="5522008"/>
+            <a:off x="7718072" y="4638263"/>
             <a:ext cx="1022802" cy="169277"/>
             <a:chOff x="4556577" y="4600696"/>
             <a:chExt cx="1022802" cy="169277"/>
@@ -26882,7 +26882,7 @@
         </p:nvSpPr>
         <p:spPr>
           <a:xfrm>
-            <a:off x="6918197" y="5554347"/>
+            <a:off x="6918197" y="4670602"/>
             <a:ext cx="1006415" cy="123111"/>
           </a:xfrm>
           <a:prstGeom prst="rect">

--- a/applis/Zygo-labwork/Structure_of_the_app.pptx
+++ b/applis/Zygo-labwork/Structure_of_the_app.pptx
@@ -14294,170 +14294,6 @@
           </a:p>
         </p:txBody>
       </p:sp>
-      <p:cxnSp>
-        <p:nvCxnSpPr>
-          <p:cNvPr id="15" name="Connecteur droit avec flèche 14">
-            <a:extLst>
-              <a:ext uri="{FF2B5EF4-FFF2-40B4-BE49-F238E27FC236}">
-                <a16:creationId xmlns:a16="http://schemas.microsoft.com/office/drawing/2014/main" id="{1589A9C9-BBAB-13D9-ECBE-6943AB886047}"/>
-              </a:ext>
-            </a:extLst>
-          </p:cNvPr>
-          <p:cNvCxnSpPr>
-            <a:cxnSpLocks/>
-          </p:cNvCxnSpPr>
-          <p:nvPr/>
-        </p:nvCxnSpPr>
-        <p:spPr>
-          <a:xfrm flipH="1">
-            <a:off x="8056457" y="2213806"/>
-            <a:ext cx="1500293" cy="0"/>
-          </a:xfrm>
-          <a:prstGeom prst="straightConnector1">
-            <a:avLst/>
-          </a:prstGeom>
-          <a:ln>
-            <a:solidFill>
-              <a:schemeClr val="tx1"/>
-            </a:solidFill>
-            <a:tailEnd type="triangle"/>
-          </a:ln>
-        </p:spPr>
-        <p:style>
-          <a:lnRef idx="2">
-            <a:schemeClr val="accent1"/>
-          </a:lnRef>
-          <a:fillRef idx="0">
-            <a:schemeClr val="accent1"/>
-          </a:fillRef>
-          <a:effectRef idx="1">
-            <a:schemeClr val="accent1"/>
-          </a:effectRef>
-          <a:fontRef idx="minor">
-            <a:schemeClr val="tx1"/>
-          </a:fontRef>
-        </p:style>
-      </p:cxnSp>
-      <p:sp>
-        <p:nvSpPr>
-          <p:cNvPr id="37" name="ZoneTexte 36">
-            <a:extLst>
-              <a:ext uri="{FF2B5EF4-FFF2-40B4-BE49-F238E27FC236}">
-                <a16:creationId xmlns:a16="http://schemas.microsoft.com/office/drawing/2014/main" id="{E76DA5A2-7FBB-011B-C3D1-B8DDBFDF3453}"/>
-              </a:ext>
-            </a:extLst>
-          </p:cNvPr>
-          <p:cNvSpPr txBox="1"/>
-          <p:nvPr/>
-        </p:nvSpPr>
-        <p:spPr>
-          <a:xfrm>
-            <a:off x="9621394" y="2029140"/>
-            <a:ext cx="576706" cy="369332"/>
-          </a:xfrm>
-          <a:prstGeom prst="rect">
-            <a:avLst/>
-          </a:prstGeom>
-          <a:noFill/>
-        </p:spPr>
-        <p:txBody>
-          <a:bodyPr wrap="square">
-            <a:spAutoFit/>
-          </a:bodyPr>
-          <a:lstStyle/>
-          <a:p>
-            <a:r>
-              <a:rPr lang="fr-FR" sz="1800" dirty="0"/>
-              <a:t>?</a:t>
-            </a:r>
-            <a:endParaRPr lang="fr-FR" dirty="0"/>
-          </a:p>
-        </p:txBody>
-      </p:sp>
-      <p:cxnSp>
-        <p:nvCxnSpPr>
-          <p:cNvPr id="30" name="Connecteur droit avec flèche 29">
-            <a:extLst>
-              <a:ext uri="{FF2B5EF4-FFF2-40B4-BE49-F238E27FC236}">
-                <a16:creationId xmlns:a16="http://schemas.microsoft.com/office/drawing/2014/main" id="{A288E79C-4DF1-73A1-6CD6-02BBC6EB334B}"/>
-              </a:ext>
-            </a:extLst>
-          </p:cNvPr>
-          <p:cNvCxnSpPr>
-            <a:cxnSpLocks/>
-            <a:stCxn id="31" idx="3"/>
-          </p:cNvCxnSpPr>
-          <p:nvPr/>
-        </p:nvCxnSpPr>
-        <p:spPr>
-          <a:xfrm>
-            <a:off x="2256941" y="5289750"/>
-            <a:ext cx="768199" cy="0"/>
-          </a:xfrm>
-          <a:prstGeom prst="straightConnector1">
-            <a:avLst/>
-          </a:prstGeom>
-          <a:ln>
-            <a:solidFill>
-              <a:schemeClr val="tx1"/>
-            </a:solidFill>
-            <a:tailEnd type="triangle"/>
-          </a:ln>
-        </p:spPr>
-        <p:style>
-          <a:lnRef idx="2">
-            <a:schemeClr val="accent1"/>
-          </a:lnRef>
-          <a:fillRef idx="0">
-            <a:schemeClr val="accent1"/>
-          </a:fillRef>
-          <a:effectRef idx="1">
-            <a:schemeClr val="accent1"/>
-          </a:effectRef>
-          <a:fontRef idx="minor">
-            <a:schemeClr val="tx1"/>
-          </a:fontRef>
-        </p:style>
-      </p:cxnSp>
-      <p:sp>
-        <p:nvSpPr>
-          <p:cNvPr id="31" name="ZoneTexte 30">
-            <a:extLst>
-              <a:ext uri="{FF2B5EF4-FFF2-40B4-BE49-F238E27FC236}">
-                <a16:creationId xmlns:a16="http://schemas.microsoft.com/office/drawing/2014/main" id="{5F13F33D-0227-291B-9DED-9A8BD7348239}"/>
-              </a:ext>
-            </a:extLst>
-          </p:cNvPr>
-          <p:cNvSpPr txBox="1"/>
-          <p:nvPr/>
-        </p:nvSpPr>
-        <p:spPr>
-          <a:xfrm>
-            <a:off x="1167027" y="5135861"/>
-            <a:ext cx="1089914" cy="307777"/>
-          </a:xfrm>
-          <a:prstGeom prst="rect">
-            <a:avLst/>
-          </a:prstGeom>
-          <a:noFill/>
-        </p:spPr>
-        <p:txBody>
-          <a:bodyPr wrap="none" rtlCol="0">
-            <a:spAutoFit/>
-          </a:bodyPr>
-          <a:lstStyle/>
-          <a:p>
-            <a:r>
-              <a:rPr lang="fr-FR" sz="1400" dirty="0" err="1"/>
-              <a:t>Indicators</a:t>
-            </a:r>
-            <a:r>
-              <a:rPr lang="fr-FR" sz="1400" dirty="0"/>
-              <a:t> ?</a:t>
-            </a:r>
-          </a:p>
-        </p:txBody>
-      </p:sp>
     </p:spTree>
     <p:extLst>
       <p:ext uri="{BB962C8B-B14F-4D97-AF65-F5344CB8AC3E}">
@@ -15596,124 +15432,6 @@
             <a:r>
               <a:rPr lang="en-GB" sz="900" dirty="0"/>
               <a:t>Options</a:t>
-            </a:r>
-          </a:p>
-        </p:txBody>
-      </p:sp>
-      <p:sp>
-        <p:nvSpPr>
-          <p:cNvPr id="14" name="Rectangle 13">
-            <a:extLst>
-              <a:ext uri="{FF2B5EF4-FFF2-40B4-BE49-F238E27FC236}">
-                <a16:creationId xmlns:a16="http://schemas.microsoft.com/office/drawing/2014/main" id="{A856B1ED-BFC6-8150-145F-39F579A13A24}"/>
-              </a:ext>
-            </a:extLst>
-          </p:cNvPr>
-          <p:cNvSpPr/>
-          <p:nvPr/>
-        </p:nvSpPr>
-        <p:spPr>
-          <a:xfrm>
-            <a:off x="3319513" y="5111826"/>
-            <a:ext cx="820069" cy="111266"/>
-          </a:xfrm>
-          <a:prstGeom prst="rect">
-            <a:avLst/>
-          </a:prstGeom>
-          <a:solidFill>
-            <a:srgbClr val="00B050"/>
-          </a:solidFill>
-          <a:ln>
-            <a:solidFill>
-              <a:schemeClr val="accent2">
-                <a:lumMod val="50000"/>
-              </a:schemeClr>
-            </a:solidFill>
-          </a:ln>
-        </p:spPr>
-        <p:style>
-          <a:lnRef idx="2">
-            <a:schemeClr val="accent1">
-              <a:shade val="15000"/>
-            </a:schemeClr>
-          </a:lnRef>
-          <a:fillRef idx="1">
-            <a:schemeClr val="accent1"/>
-          </a:fillRef>
-          <a:effectRef idx="0">
-            <a:schemeClr val="accent1"/>
-          </a:effectRef>
-          <a:fontRef idx="minor">
-            <a:schemeClr val="lt1"/>
-          </a:fontRef>
-        </p:style>
-        <p:txBody>
-          <a:bodyPr rtlCol="0" anchor="ctr"/>
-          <a:lstStyle/>
-          <a:p>
-            <a:pPr algn="ctr"/>
-            <a:r>
-              <a:rPr lang="en-GB" sz="600" dirty="0"/>
-              <a:t>Camera</a:t>
-            </a:r>
-          </a:p>
-        </p:txBody>
-      </p:sp>
-      <p:sp>
-        <p:nvSpPr>
-          <p:cNvPr id="29" name="Rectangle 28">
-            <a:extLst>
-              <a:ext uri="{FF2B5EF4-FFF2-40B4-BE49-F238E27FC236}">
-                <a16:creationId xmlns:a16="http://schemas.microsoft.com/office/drawing/2014/main" id="{7F98D288-0E18-48B6-BF6F-EAF81878AEB5}"/>
-              </a:ext>
-            </a:extLst>
-          </p:cNvPr>
-          <p:cNvSpPr/>
-          <p:nvPr/>
-        </p:nvSpPr>
-        <p:spPr>
-          <a:xfrm>
-            <a:off x="3319513" y="5265436"/>
-            <a:ext cx="820069" cy="111266"/>
-          </a:xfrm>
-          <a:prstGeom prst="rect">
-            <a:avLst/>
-          </a:prstGeom>
-          <a:solidFill>
-            <a:srgbClr val="FF0000"/>
-          </a:solidFill>
-          <a:ln>
-            <a:solidFill>
-              <a:schemeClr val="accent2">
-                <a:lumMod val="50000"/>
-              </a:schemeClr>
-            </a:solidFill>
-          </a:ln>
-        </p:spPr>
-        <p:style>
-          <a:lnRef idx="2">
-            <a:schemeClr val="accent1">
-              <a:shade val="15000"/>
-            </a:schemeClr>
-          </a:lnRef>
-          <a:fillRef idx="1">
-            <a:schemeClr val="accent1"/>
-          </a:fillRef>
-          <a:effectRef idx="0">
-            <a:schemeClr val="accent1"/>
-          </a:effectRef>
-          <a:fontRef idx="minor">
-            <a:schemeClr val="lt1"/>
-          </a:fontRef>
-        </p:style>
-        <p:txBody>
-          <a:bodyPr rtlCol="0" anchor="ctr"/>
-          <a:lstStyle/>
-          <a:p>
-            <a:pPr algn="ctr"/>
-            <a:r>
-              <a:rPr lang="en-GB" sz="600" dirty="0"/>
-              <a:t>Piezo</a:t>
             </a:r>
           </a:p>
         </p:txBody>
@@ -18092,10 +17810,10 @@
       </p:sp>
       <p:grpSp>
         <p:nvGrpSpPr>
-          <p:cNvPr id="64" name="Groupe 63">
-            <a:extLst>
-              <a:ext uri="{FF2B5EF4-FFF2-40B4-BE49-F238E27FC236}">
-                <a16:creationId xmlns:a16="http://schemas.microsoft.com/office/drawing/2014/main" id="{511C0AD3-C4F7-ABD7-554C-62F69CFC3438}"/>
+          <p:cNvPr id="77" name="Groupe 76">
+            <a:extLst>
+              <a:ext uri="{FF2B5EF4-FFF2-40B4-BE49-F238E27FC236}">
+                <a16:creationId xmlns:a16="http://schemas.microsoft.com/office/drawing/2014/main" id="{EB206FF2-3B10-8C3B-B6E3-4679310E9005}"/>
               </a:ext>
             </a:extLst>
           </p:cNvPr>
@@ -18104,216 +17822,7 @@
         </p:nvGrpSpPr>
         <p:grpSpPr>
           <a:xfrm>
-            <a:off x="6900535" y="4911988"/>
-            <a:ext cx="1840584" cy="169277"/>
-            <a:chOff x="4634863" y="4944364"/>
-            <a:chExt cx="1840584" cy="169277"/>
-          </a:xfrm>
-        </p:grpSpPr>
-        <p:sp>
-          <p:nvSpPr>
-            <p:cNvPr id="65" name="Rectangle 64">
-              <a:extLst>
-                <a:ext uri="{FF2B5EF4-FFF2-40B4-BE49-F238E27FC236}">
-                  <a16:creationId xmlns:a16="http://schemas.microsoft.com/office/drawing/2014/main" id="{0F267225-C8A6-EA16-1EE7-C60E731F06B2}"/>
-                </a:ext>
-              </a:extLst>
-            </p:cNvPr>
-            <p:cNvSpPr/>
-            <p:nvPr/>
-          </p:nvSpPr>
-          <p:spPr>
-            <a:xfrm>
-              <a:off x="5641278" y="4944364"/>
-              <a:ext cx="834169" cy="169277"/>
-            </a:xfrm>
-            <a:prstGeom prst="rect">
-              <a:avLst/>
-            </a:prstGeom>
-            <a:solidFill>
-              <a:schemeClr val="accent2">
-                <a:lumMod val="20000"/>
-                <a:lumOff val="80000"/>
-              </a:schemeClr>
-            </a:solidFill>
-            <a:ln>
-              <a:solidFill>
-                <a:schemeClr val="accent2">
-                  <a:lumMod val="50000"/>
-                </a:schemeClr>
-              </a:solidFill>
-            </a:ln>
-          </p:spPr>
-          <p:style>
-            <a:lnRef idx="2">
-              <a:schemeClr val="accent1">
-                <a:shade val="15000"/>
-              </a:schemeClr>
-            </a:lnRef>
-            <a:fillRef idx="1">
-              <a:schemeClr val="accent1"/>
-            </a:fillRef>
-            <a:effectRef idx="0">
-              <a:schemeClr val="accent1"/>
-            </a:effectRef>
-            <a:fontRef idx="minor">
-              <a:schemeClr val="lt1"/>
-            </a:fontRef>
-          </p:style>
-          <p:txBody>
-            <a:bodyPr rtlCol="0" anchor="ctr"/>
-            <a:lstStyle/>
-            <a:p>
-              <a:r>
-                <a:rPr lang="en-GB" sz="600" dirty="0">
-                  <a:solidFill>
-                    <a:schemeClr val="tx1"/>
-                  </a:solidFill>
-                </a:rPr>
-                <a:t>10</a:t>
-              </a:r>
-            </a:p>
-          </p:txBody>
-        </p:sp>
-        <p:sp>
-          <p:nvSpPr>
-            <p:cNvPr id="66" name="ZoneTexte 65">
-              <a:extLst>
-                <a:ext uri="{FF2B5EF4-FFF2-40B4-BE49-F238E27FC236}">
-                  <a16:creationId xmlns:a16="http://schemas.microsoft.com/office/drawing/2014/main" id="{67F1D93B-E91D-9EDD-572E-A059BA15F642}"/>
-                </a:ext>
-              </a:extLst>
-            </p:cNvPr>
-            <p:cNvSpPr txBox="1"/>
-            <p:nvPr/>
-          </p:nvSpPr>
-          <p:spPr>
-            <a:xfrm>
-              <a:off x="4634863" y="4967447"/>
-              <a:ext cx="1006415" cy="123111"/>
-            </a:xfrm>
-            <a:prstGeom prst="rect">
-              <a:avLst/>
-            </a:prstGeom>
-            <a:noFill/>
-          </p:spPr>
-          <p:txBody>
-            <a:bodyPr wrap="square" lIns="0" tIns="0" rIns="0" bIns="0" rtlCol="0">
-              <a:spAutoFit/>
-            </a:bodyPr>
-            <a:lstStyle/>
-            <a:p>
-              <a:r>
-                <a:rPr lang="en-GB" sz="800" dirty="0">
-                  <a:solidFill>
-                    <a:schemeClr val="accent2"/>
-                  </a:solidFill>
-                </a:rPr>
-                <a:t>FPS </a:t>
-              </a:r>
-            </a:p>
-          </p:txBody>
-        </p:sp>
-      </p:grpSp>
-      <p:cxnSp>
-        <p:nvCxnSpPr>
-          <p:cNvPr id="68" name="Connecteur droit avec flèche 67">
-            <a:extLst>
-              <a:ext uri="{FF2B5EF4-FFF2-40B4-BE49-F238E27FC236}">
-                <a16:creationId xmlns:a16="http://schemas.microsoft.com/office/drawing/2014/main" id="{19E1FCED-8677-CD35-4882-260DFA2A0A4C}"/>
-              </a:ext>
-            </a:extLst>
-          </p:cNvPr>
-          <p:cNvCxnSpPr>
-            <a:cxnSpLocks/>
-            <a:stCxn id="70" idx="1"/>
-          </p:cNvCxnSpPr>
-          <p:nvPr/>
-        </p:nvCxnSpPr>
-        <p:spPr>
-          <a:xfrm flipH="1">
-            <a:off x="8539184" y="4969212"/>
-            <a:ext cx="1017348" cy="10786"/>
-          </a:xfrm>
-          <a:prstGeom prst="straightConnector1">
-            <a:avLst/>
-          </a:prstGeom>
-          <a:ln>
-            <a:solidFill>
-              <a:schemeClr val="tx1"/>
-            </a:solidFill>
-            <a:tailEnd type="triangle"/>
-          </a:ln>
-        </p:spPr>
-        <p:style>
-          <a:lnRef idx="2">
-            <a:schemeClr val="accent1"/>
-          </a:lnRef>
-          <a:fillRef idx="0">
-            <a:schemeClr val="accent1"/>
-          </a:fillRef>
-          <a:effectRef idx="1">
-            <a:schemeClr val="accent1"/>
-          </a:effectRef>
-          <a:fontRef idx="minor">
-            <a:schemeClr val="tx1"/>
-          </a:fontRef>
-        </p:style>
-      </p:cxnSp>
-      <p:sp>
-        <p:nvSpPr>
-          <p:cNvPr id="70" name="ZoneTexte 69">
-            <a:extLst>
-              <a:ext uri="{FF2B5EF4-FFF2-40B4-BE49-F238E27FC236}">
-                <a16:creationId xmlns:a16="http://schemas.microsoft.com/office/drawing/2014/main" id="{7F05CCDB-1B27-1583-9EEC-0D2CE68A7BB0}"/>
-              </a:ext>
-            </a:extLst>
-          </p:cNvPr>
-          <p:cNvSpPr txBox="1"/>
-          <p:nvPr/>
-        </p:nvSpPr>
-        <p:spPr>
-          <a:xfrm>
-            <a:off x="9556532" y="4815323"/>
-            <a:ext cx="1589794" cy="307777"/>
-          </a:xfrm>
-          <a:prstGeom prst="rect">
-            <a:avLst/>
-          </a:prstGeom>
-          <a:noFill/>
-        </p:spPr>
-        <p:txBody>
-          <a:bodyPr wrap="none" rtlCol="0">
-            <a:spAutoFit/>
-          </a:bodyPr>
-          <a:lstStyle/>
-          <a:p>
-            <a:r>
-              <a:rPr lang="fr-FR" sz="1400" dirty="0" err="1"/>
-              <a:t>Really</a:t>
-            </a:r>
-            <a:r>
-              <a:rPr lang="fr-FR" sz="1400" dirty="0"/>
-              <a:t> important ?</a:t>
-            </a:r>
-          </a:p>
-        </p:txBody>
-      </p:sp>
-      <p:grpSp>
-        <p:nvGrpSpPr>
-          <p:cNvPr id="77" name="Groupe 76">
-            <a:extLst>
-              <a:ext uri="{FF2B5EF4-FFF2-40B4-BE49-F238E27FC236}">
-                <a16:creationId xmlns:a16="http://schemas.microsoft.com/office/drawing/2014/main" id="{EB206FF2-3B10-8C3B-B6E3-4679310E9005}"/>
-              </a:ext>
-            </a:extLst>
-          </p:cNvPr>
-          <p:cNvGrpSpPr/>
-          <p:nvPr/>
-        </p:nvGrpSpPr>
-        <p:grpSpPr>
-          <a:xfrm>
-            <a:off x="6900535" y="5140514"/>
+            <a:off x="6900535" y="4911914"/>
             <a:ext cx="1840584" cy="169277"/>
             <a:chOff x="4634863" y="4944364"/>
             <a:chExt cx="1840584" cy="169277"/>

--- a/applis/Zygo-labwork/Structure_of_the_app.pptx
+++ b/applis/Zygo-labwork/Structure_of_the_app.pptx
@@ -210,7 +210,7 @@
           <a:p>
             <a:fld id="{81A43072-CEF2-0346-96A0-32EE5758D126}" type="datetimeFigureOut">
               <a:rPr lang="fr-FR" smtClean="0"/>
-              <a:t>04/06/2024</a:t>
+              <a:t>05/06/2024</a:t>
             </a:fld>
             <a:endParaRPr lang="fr-FR"/>
           </a:p>
@@ -792,7 +792,7 @@
           <a:p>
             <a:fld id="{97239575-19C7-4932-B466-D6A5BCD29D08}" type="datetimeFigureOut">
               <a:rPr lang="fr-FR" smtClean="0"/>
-              <a:t>04/06/2024</a:t>
+              <a:t>05/06/2024</a:t>
             </a:fld>
             <a:endParaRPr lang="fr-FR"/>
           </a:p>
@@ -990,7 +990,7 @@
           <a:p>
             <a:fld id="{97239575-19C7-4932-B466-D6A5BCD29D08}" type="datetimeFigureOut">
               <a:rPr lang="fr-FR" smtClean="0"/>
-              <a:t>04/06/2024</a:t>
+              <a:t>05/06/2024</a:t>
             </a:fld>
             <a:endParaRPr lang="fr-FR"/>
           </a:p>
@@ -1198,7 +1198,7 @@
           <a:p>
             <a:fld id="{97239575-19C7-4932-B466-D6A5BCD29D08}" type="datetimeFigureOut">
               <a:rPr lang="fr-FR" smtClean="0"/>
-              <a:t>04/06/2024</a:t>
+              <a:t>05/06/2024</a:t>
             </a:fld>
             <a:endParaRPr lang="fr-FR"/>
           </a:p>
@@ -1396,7 +1396,7 @@
           <a:p>
             <a:fld id="{97239575-19C7-4932-B466-D6A5BCD29D08}" type="datetimeFigureOut">
               <a:rPr lang="fr-FR" smtClean="0"/>
-              <a:t>04/06/2024</a:t>
+              <a:t>05/06/2024</a:t>
             </a:fld>
             <a:endParaRPr lang="fr-FR"/>
           </a:p>
@@ -1671,7 +1671,7 @@
           <a:p>
             <a:fld id="{97239575-19C7-4932-B466-D6A5BCD29D08}" type="datetimeFigureOut">
               <a:rPr lang="fr-FR" smtClean="0"/>
-              <a:t>04/06/2024</a:t>
+              <a:t>05/06/2024</a:t>
             </a:fld>
             <a:endParaRPr lang="fr-FR"/>
           </a:p>
@@ -1936,7 +1936,7 @@
           <a:p>
             <a:fld id="{97239575-19C7-4932-B466-D6A5BCD29D08}" type="datetimeFigureOut">
               <a:rPr lang="fr-FR" smtClean="0"/>
-              <a:t>04/06/2024</a:t>
+              <a:t>05/06/2024</a:t>
             </a:fld>
             <a:endParaRPr lang="fr-FR"/>
           </a:p>
@@ -2348,7 +2348,7 @@
           <a:p>
             <a:fld id="{97239575-19C7-4932-B466-D6A5BCD29D08}" type="datetimeFigureOut">
               <a:rPr lang="fr-FR" smtClean="0"/>
-              <a:t>04/06/2024</a:t>
+              <a:t>05/06/2024</a:t>
             </a:fld>
             <a:endParaRPr lang="fr-FR"/>
           </a:p>
@@ -2489,7 +2489,7 @@
           <a:p>
             <a:fld id="{97239575-19C7-4932-B466-D6A5BCD29D08}" type="datetimeFigureOut">
               <a:rPr lang="fr-FR" smtClean="0"/>
-              <a:t>04/06/2024</a:t>
+              <a:t>05/06/2024</a:t>
             </a:fld>
             <a:endParaRPr lang="fr-FR"/>
           </a:p>
@@ -2602,7 +2602,7 @@
           <a:p>
             <a:fld id="{97239575-19C7-4932-B466-D6A5BCD29D08}" type="datetimeFigureOut">
               <a:rPr lang="fr-FR" smtClean="0"/>
-              <a:t>04/06/2024</a:t>
+              <a:t>05/06/2024</a:t>
             </a:fld>
             <a:endParaRPr lang="fr-FR"/>
           </a:p>
@@ -2913,7 +2913,7 @@
           <a:p>
             <a:fld id="{97239575-19C7-4932-B466-D6A5BCD29D08}" type="datetimeFigureOut">
               <a:rPr lang="fr-FR" smtClean="0"/>
-              <a:t>04/06/2024</a:t>
+              <a:t>05/06/2024</a:t>
             </a:fld>
             <a:endParaRPr lang="fr-FR"/>
           </a:p>
@@ -3201,7 +3201,7 @@
           <a:p>
             <a:fld id="{97239575-19C7-4932-B466-D6A5BCD29D08}" type="datetimeFigureOut">
               <a:rPr lang="fr-FR" smtClean="0"/>
-              <a:t>04/06/2024</a:t>
+              <a:t>05/06/2024</a:t>
             </a:fld>
             <a:endParaRPr lang="fr-FR"/>
           </a:p>
@@ -3442,7 +3442,7 @@
           <a:p>
             <a:fld id="{97239575-19C7-4932-B466-D6A5BCD29D08}" type="datetimeFigureOut">
               <a:rPr lang="fr-FR" smtClean="0"/>
-              <a:t>04/06/2024</a:t>
+              <a:t>05/06/2024</a:t>
             </a:fld>
             <a:endParaRPr lang="fr-FR"/>
           </a:p>
@@ -12751,56 +12751,6 @@
             <a:r>
               <a:rPr lang="fr-FR" sz="1400" dirty="0" err="1"/>
               <a:t>ZygoLabApp</a:t>
-            </a:r>
-            <a:endParaRPr lang="fr-FR" sz="1400" dirty="0"/>
-          </a:p>
-        </p:txBody>
-      </p:sp>
-      <p:sp>
-        <p:nvSpPr>
-          <p:cNvPr id="13" name="Rectangle 12">
-            <a:extLst>
-              <a:ext uri="{FF2B5EF4-FFF2-40B4-BE49-F238E27FC236}">
-                <a16:creationId xmlns:a16="http://schemas.microsoft.com/office/drawing/2014/main" id="{35E31777-60E5-96B2-5F48-ED1E3B43BA5A}"/>
-              </a:ext>
-            </a:extLst>
-          </p:cNvPr>
-          <p:cNvSpPr/>
-          <p:nvPr/>
-        </p:nvSpPr>
-        <p:spPr>
-          <a:xfrm>
-            <a:off x="10243624" y="1940358"/>
-            <a:ext cx="1390148" cy="369332"/>
-          </a:xfrm>
-          <a:prstGeom prst="rect">
-            <a:avLst/>
-          </a:prstGeom>
-        </p:spPr>
-        <p:style>
-          <a:lnRef idx="2">
-            <a:schemeClr val="accent1">
-              <a:shade val="15000"/>
-            </a:schemeClr>
-          </a:lnRef>
-          <a:fillRef idx="1">
-            <a:schemeClr val="accent1"/>
-          </a:fillRef>
-          <a:effectRef idx="0">
-            <a:schemeClr val="accent1"/>
-          </a:effectRef>
-          <a:fontRef idx="minor">
-            <a:schemeClr val="lt1"/>
-          </a:fontRef>
-        </p:style>
-        <p:txBody>
-          <a:bodyPr rtlCol="0" anchor="ctr"/>
-          <a:lstStyle/>
-          <a:p>
-            <a:pPr algn="ctr"/>
-            <a:r>
-              <a:rPr lang="fr-FR" sz="1400" dirty="0" err="1"/>
-              <a:t>CameraChoice</a:t>
             </a:r>
             <a:endParaRPr lang="fr-FR" sz="1400" dirty="0"/>
           </a:p>
